--- a/PLPTH813Bioinformatis/2025/1_lecture/lecture01_overview_basis.pptx
+++ b/PLPTH813Bioinformatis/2025/1_lecture/lecture01_overview_basis.pptx
@@ -245,7 +245,7 @@
           <a:p>
             <a:fld id="{42D500AB-40DB-3649-A254-E91FF5C008D8}" type="datetimeFigureOut">
               <a:rPr lang="en-US" smtClean="0"/>
-              <a:t>1/16/25</a:t>
+              <a:t>1/20/25</a:t>
             </a:fld>
             <a:endParaRPr lang="en-US"/>
           </a:p>
@@ -411,7 +411,7 @@
           <a:p>
             <a:fld id="{4E54808B-C6D3-4F4E-9F6E-D9149D4F9C09}" type="datetimeFigureOut">
               <a:rPr lang="en-US" smtClean="0"/>
-              <a:t>1/16/25</a:t>
+              <a:t>1/20/25</a:t>
             </a:fld>
             <a:endParaRPr lang="en-US"/>
           </a:p>
@@ -841,7 +841,7 @@
           <a:p>
             <a:fld id="{DC2B8C24-ACAE-AE41-B565-178ED93271F0}" type="slidenum">
               <a:rPr lang="en-US" smtClean="0"/>
-              <a:t>28</a:t>
+              <a:t>27</a:t>
             </a:fld>
             <a:endParaRPr lang="en-US"/>
           </a:p>
@@ -850,7 +850,7 @@
     </p:spTree>
     <p:extLst>
       <p:ext uri="{BB962C8B-B14F-4D97-AF65-F5344CB8AC3E}">
-        <p14:creationId xmlns:p14="http://schemas.microsoft.com/office/powerpoint/2010/main" val="1961905627"/>
+        <p14:creationId xmlns:p14="http://schemas.microsoft.com/office/powerpoint/2010/main" val="2195837870"/>
       </p:ext>
     </p:extLst>
   </p:cSld>
@@ -909,7 +909,10 @@
           <a:bodyPr/>
           <a:lstStyle/>
           <a:p>
-            <a:endParaRPr lang="en-US" dirty="0"/>
+            <a:r>
+              <a:rPr lang="en-US" dirty="0"/>
+              <a:t>POSIX: Portable Operating System Interface</a:t>
+            </a:r>
           </a:p>
         </p:txBody>
       </p:sp>
@@ -930,6 +933,95 @@
           <a:p>
             <a:fld id="{DC2B8C24-ACAE-AE41-B565-178ED93271F0}" type="slidenum">
               <a:rPr lang="en-US" smtClean="0"/>
+              <a:t>28</a:t>
+            </a:fld>
+            <a:endParaRPr lang="en-US"/>
+          </a:p>
+        </p:txBody>
+      </p:sp>
+    </p:spTree>
+    <p:extLst>
+      <p:ext uri="{BB962C8B-B14F-4D97-AF65-F5344CB8AC3E}">
+        <p14:creationId xmlns:p14="http://schemas.microsoft.com/office/powerpoint/2010/main" val="1961905627"/>
+      </p:ext>
+    </p:extLst>
+  </p:cSld>
+  <p:clrMapOvr>
+    <a:masterClrMapping/>
+  </p:clrMapOvr>
+</p:notes>
+</file>
+
+<file path=ppt/notesSlides/notesSlide12.xml><?xml version="1.0" encoding="utf-8"?>
+<p:notes xmlns:a="http://schemas.openxmlformats.org/drawingml/2006/main" xmlns:r="http://schemas.openxmlformats.org/officeDocument/2006/relationships" xmlns:p="http://schemas.openxmlformats.org/presentationml/2006/main">
+  <p:cSld>
+    <p:spTree>
+      <p:nvGrpSpPr>
+        <p:cNvPr id="1" name=""/>
+        <p:cNvGrpSpPr/>
+        <p:nvPr/>
+      </p:nvGrpSpPr>
+      <p:grpSpPr>
+        <a:xfrm>
+          <a:off x="0" y="0"/>
+          <a:ext cx="0" cy="0"/>
+          <a:chOff x="0" y="0"/>
+          <a:chExt cx="0" cy="0"/>
+        </a:xfrm>
+      </p:grpSpPr>
+      <p:sp>
+        <p:nvSpPr>
+          <p:cNvPr id="2" name="Slide Image Placeholder 1"/>
+          <p:cNvSpPr>
+            <a:spLocks noGrp="1" noRot="1" noChangeAspect="1"/>
+          </p:cNvSpPr>
+          <p:nvPr>
+            <p:ph type="sldImg"/>
+          </p:nvPr>
+        </p:nvSpPr>
+        <p:spPr>
+          <a:xfrm>
+            <a:off x="381000" y="685800"/>
+            <a:ext cx="6096000" cy="3429000"/>
+          </a:xfrm>
+        </p:spPr>
+      </p:sp>
+      <p:sp>
+        <p:nvSpPr>
+          <p:cNvPr id="3" name="Notes Placeholder 2"/>
+          <p:cNvSpPr>
+            <a:spLocks noGrp="1"/>
+          </p:cNvSpPr>
+          <p:nvPr>
+            <p:ph type="body" idx="1"/>
+          </p:nvPr>
+        </p:nvSpPr>
+        <p:spPr/>
+        <p:txBody>
+          <a:bodyPr/>
+          <a:lstStyle/>
+          <a:p>
+            <a:endParaRPr lang="en-US" dirty="0"/>
+          </a:p>
+        </p:txBody>
+      </p:sp>
+      <p:sp>
+        <p:nvSpPr>
+          <p:cNvPr id="4" name="Slide Number Placeholder 3"/>
+          <p:cNvSpPr>
+            <a:spLocks noGrp="1"/>
+          </p:cNvSpPr>
+          <p:nvPr>
+            <p:ph type="sldNum" sz="quarter" idx="10"/>
+          </p:nvPr>
+        </p:nvSpPr>
+        <p:spPr/>
+        <p:txBody>
+          <a:bodyPr/>
+          <a:lstStyle/>
+          <a:p>
+            <a:fld id="{DC2B8C24-ACAE-AE41-B565-178ED93271F0}" type="slidenum">
+              <a:rPr lang="en-US" smtClean="0"/>
               <a:t>29</a:t>
             </a:fld>
             <a:endParaRPr lang="en-US"/>
@@ -949,7 +1041,7 @@
 </p:notes>
 </file>
 
-<file path=ppt/notesSlides/notesSlide12.xml><?xml version="1.0" encoding="utf-8"?>
+<file path=ppt/notesSlides/notesSlide13.xml><?xml version="1.0" encoding="utf-8"?>
 <p:notes xmlns:a="http://schemas.openxmlformats.org/drawingml/2006/main" xmlns:r="http://schemas.openxmlformats.org/officeDocument/2006/relationships" xmlns:p="http://schemas.openxmlformats.org/presentationml/2006/main">
   <p:cSld>
     <p:spTree>
@@ -1349,7 +1441,58 @@
           <a:bodyPr/>
           <a:lstStyle/>
           <a:p>
-            <a:endParaRPr lang="en-US"/>
+            <a:pPr algn="l">
+              <a:lnSpc>
+                <a:spcPts val="1080"/>
+              </a:lnSpc>
+            </a:pPr>
+            <a:r>
+              <a:rPr lang="en-US" sz="1800" b="0" i="0" dirty="0">
+                <a:solidFill>
+                  <a:srgbClr val="515151"/>
+                </a:solidFill>
+                <a:effectLst/>
+                <a:latin typeface="Arial" panose="020B0604020202020204" pitchFamily="34" charset="0"/>
+              </a:rPr>
+              <a:t>5/15/2025, Thursday</a:t>
+            </a:r>
+          </a:p>
+          <a:p>
+            <a:pPr algn="l">
+              <a:lnSpc>
+                <a:spcPts val="1080"/>
+              </a:lnSpc>
+            </a:pPr>
+            <a:r>
+              <a:rPr lang="en-US" sz="1800" b="0" i="0" dirty="0">
+                <a:solidFill>
+                  <a:srgbClr val="515151"/>
+                </a:solidFill>
+                <a:effectLst/>
+                <a:latin typeface="Arial" panose="020B0604020202020204" pitchFamily="34" charset="0"/>
+              </a:rPr>
+              <a:t>9:40AM - 11:30AM</a:t>
+            </a:r>
+          </a:p>
+          <a:p>
+            <a:pPr algn="l">
+              <a:lnSpc>
+                <a:spcPts val="1080"/>
+              </a:lnSpc>
+            </a:pPr>
+            <a:r>
+              <a:rPr lang="en-US" sz="1800" b="0" i="0" dirty="0">
+                <a:solidFill>
+                  <a:srgbClr val="515151"/>
+                </a:solidFill>
+                <a:effectLst/>
+                <a:latin typeface="Arial" panose="020B0604020202020204" pitchFamily="34" charset="0"/>
+              </a:rPr>
+              <a:t>Throckmorton 4031</a:t>
+            </a:r>
+          </a:p>
+          <a:p>
+            <a:endParaRPr lang="en-US" dirty="0"/>
           </a:p>
         </p:txBody>
       </p:sp>
@@ -1589,12 +1732,7 @@
             <p:ph type="sldImg"/>
           </p:nvPr>
         </p:nvSpPr>
-        <p:spPr>
-          <a:xfrm>
-            <a:off x="381000" y="685800"/>
-            <a:ext cx="6096000" cy="3429000"/>
-          </a:xfrm>
-        </p:spPr>
+        <p:spPr/>
       </p:sp>
       <p:sp>
         <p:nvSpPr>
@@ -1611,10 +1749,7 @@
           <a:bodyPr/>
           <a:lstStyle/>
           <a:p>
-            <a:r>
-              <a:rPr lang="en-US" dirty="0"/>
-              <a:t>Caret</a:t>
-            </a:r>
+            <a:endParaRPr lang="en-US" dirty="0"/>
           </a:p>
         </p:txBody>
       </p:sp>
@@ -1625,7 +1760,7 @@
             <a:spLocks noGrp="1"/>
           </p:cNvSpPr>
           <p:nvPr>
-            <p:ph type="sldNum" sz="quarter" idx="10"/>
+            <p:ph type="sldNum" sz="quarter" idx="5"/>
           </p:nvPr>
         </p:nvSpPr>
         <p:spPr/>
@@ -1633,9 +1768,9 @@
           <a:bodyPr/>
           <a:lstStyle/>
           <a:p>
-            <a:fld id="{DC2B8C24-ACAE-AE41-B565-178ED93271F0}" type="slidenum">
+            <a:fld id="{D718A005-2D3D-9B42-BFBD-F7AF9A8AB4D3}" type="slidenum">
               <a:rPr lang="en-US" smtClean="0"/>
-              <a:t>22</a:t>
+              <a:t>17</a:t>
             </a:fld>
             <a:endParaRPr lang="en-US"/>
           </a:p>
@@ -1644,7 +1779,7 @@
     </p:spTree>
     <p:extLst>
       <p:ext uri="{BB962C8B-B14F-4D97-AF65-F5344CB8AC3E}">
-        <p14:creationId xmlns:p14="http://schemas.microsoft.com/office/powerpoint/2010/main" val="2115129009"/>
+        <p14:creationId xmlns:p14="http://schemas.microsoft.com/office/powerpoint/2010/main" val="1469470539"/>
       </p:ext>
     </p:extLst>
   </p:cSld>
@@ -1705,7 +1840,7 @@
           <a:p>
             <a:r>
               <a:rPr lang="en-US" dirty="0"/>
-              <a:t>POSIX: Portable Operating System Interface</a:t>
+              <a:t>Caret</a:t>
             </a:r>
           </a:p>
         </p:txBody>
@@ -1727,7 +1862,7 @@
           <a:p>
             <a:fld id="{DC2B8C24-ACAE-AE41-B565-178ED93271F0}" type="slidenum">
               <a:rPr lang="en-US" smtClean="0"/>
-              <a:t>27</a:t>
+              <a:t>22</a:t>
             </a:fld>
             <a:endParaRPr lang="en-US"/>
           </a:p>
@@ -1736,7 +1871,7 @@
     </p:spTree>
     <p:extLst>
       <p:ext uri="{BB962C8B-B14F-4D97-AF65-F5344CB8AC3E}">
-        <p14:creationId xmlns:p14="http://schemas.microsoft.com/office/powerpoint/2010/main" val="2195837870"/>
+        <p14:creationId xmlns:p14="http://schemas.microsoft.com/office/powerpoint/2010/main" val="2115129009"/>
       </p:ext>
     </p:extLst>
   </p:cSld>
@@ -1925,7 +2060,7 @@
           <a:p>
             <a:fld id="{174635AB-F2BA-5949-B83E-329EC452D42A}" type="datetime1">
               <a:rPr lang="en-US" smtClean="0"/>
-              <a:t>1/16/25</a:t>
+              <a:t>1/20/25</a:t>
             </a:fld>
             <a:endParaRPr lang="en-US"/>
           </a:p>
@@ -2093,7 +2228,7 @@
           <a:p>
             <a:fld id="{A82D81A9-3597-9941-8C4D-52E6D9EC7550}" type="datetime1">
               <a:rPr lang="en-US" smtClean="0"/>
-              <a:t>1/16/25</a:t>
+              <a:t>1/20/25</a:t>
             </a:fld>
             <a:endParaRPr lang="en-US"/>
           </a:p>
@@ -2271,7 +2406,7 @@
           <a:p>
             <a:fld id="{68CABB9B-C3AA-7749-89C6-E32B590214A2}" type="datetime1">
               <a:rPr lang="en-US" smtClean="0"/>
-              <a:t>1/16/25</a:t>
+              <a:t>1/20/25</a:t>
             </a:fld>
             <a:endParaRPr lang="en-US"/>
           </a:p>
@@ -2439,7 +2574,7 @@
           <a:p>
             <a:fld id="{B7382B88-27CB-174D-86CB-5F5162996DC4}" type="datetime1">
               <a:rPr lang="en-US" smtClean="0"/>
-              <a:t>1/16/25</a:t>
+              <a:t>1/20/25</a:t>
             </a:fld>
             <a:endParaRPr lang="en-US"/>
           </a:p>
@@ -2684,7 +2819,7 @@
           <a:p>
             <a:fld id="{DFBF93A4-51B8-184E-9CDC-32F14663D043}" type="datetime1">
               <a:rPr lang="en-US" smtClean="0"/>
-              <a:t>1/16/25</a:t>
+              <a:t>1/20/25</a:t>
             </a:fld>
             <a:endParaRPr lang="en-US"/>
           </a:p>
@@ -2969,7 +3104,7 @@
           <a:p>
             <a:fld id="{3F9EB62F-79A6-834F-AF89-47B413EFCD00}" type="datetime1">
               <a:rPr lang="en-US" smtClean="0"/>
-              <a:t>1/16/25</a:t>
+              <a:t>1/20/25</a:t>
             </a:fld>
             <a:endParaRPr lang="en-US"/>
           </a:p>
@@ -3388,7 +3523,7 @@
           <a:p>
             <a:fld id="{C98F3F0A-8441-A94E-9DFE-B2F200159960}" type="datetime1">
               <a:rPr lang="en-US" smtClean="0"/>
-              <a:t>1/16/25</a:t>
+              <a:t>1/20/25</a:t>
             </a:fld>
             <a:endParaRPr lang="en-US"/>
           </a:p>
@@ -3505,7 +3640,7 @@
           <a:p>
             <a:fld id="{2D13F390-AFCB-6B4C-A073-93A0E3CE1A2E}" type="datetime1">
               <a:rPr lang="en-US" smtClean="0"/>
-              <a:t>1/16/25</a:t>
+              <a:t>1/20/25</a:t>
             </a:fld>
             <a:endParaRPr lang="en-US"/>
           </a:p>
@@ -3600,7 +3735,7 @@
           <a:p>
             <a:fld id="{6BF3EFF7-B6EC-5E47-A88C-510064A0B03C}" type="datetime1">
               <a:rPr lang="en-US" smtClean="0"/>
-              <a:t>1/16/25</a:t>
+              <a:t>1/20/25</a:t>
             </a:fld>
             <a:endParaRPr lang="en-US"/>
           </a:p>
@@ -3875,7 +4010,7 @@
           <a:p>
             <a:fld id="{F9FDD7BC-4D9B-A741-A024-274455EB2340}" type="datetime1">
               <a:rPr lang="en-US" smtClean="0"/>
-              <a:t>1/16/25</a:t>
+              <a:t>1/20/25</a:t>
             </a:fld>
             <a:endParaRPr lang="en-US"/>
           </a:p>
@@ -4127,7 +4262,7 @@
           <a:p>
             <a:fld id="{10403580-C820-594B-9A85-E3EBC615AD0A}" type="datetime1">
               <a:rPr lang="en-US" smtClean="0"/>
-              <a:t>1/16/25</a:t>
+              <a:t>1/20/25</a:t>
             </a:fld>
             <a:endParaRPr lang="en-US"/>
           </a:p>
@@ -4338,7 +4473,7 @@
           <a:p>
             <a:fld id="{7D4D473E-7391-144A-9568-07F2D66BB230}" type="datetime1">
               <a:rPr lang="en-US" smtClean="0"/>
-              <a:t>1/16/25</a:t>
+              <a:t>1/20/25</a:t>
             </a:fld>
             <a:endParaRPr lang="en-US"/>
           </a:p>
@@ -6160,12 +6295,14 @@
         </p:nvSpPr>
         <p:spPr>
           <a:xfrm>
-            <a:off x="1632780" y="3728169"/>
-            <a:ext cx="5583740" cy="1009096"/>
+            <a:off x="4090095" y="3629439"/>
+            <a:ext cx="4420238" cy="1256162"/>
           </a:xfrm>
         </p:spPr>
         <p:txBody>
-          <a:bodyPr/>
+          <a:bodyPr>
+            <a:normAutofit lnSpcReduction="10000"/>
+          </a:bodyPr>
           <a:lstStyle/>
           <a:p>
             <a:r>
@@ -6206,7 +6343,7 @@
         </p:blipFill>
         <p:spPr>
           <a:xfrm>
-            <a:off x="2538346" y="1091739"/>
+            <a:off x="4266560" y="1227375"/>
             <a:ext cx="4067307" cy="2330410"/>
           </a:xfrm>
           <a:prstGeom prst="rect">
@@ -6234,6 +6371,107 @@
               <a:t>14</a:t>
             </a:fld>
             <a:endParaRPr lang="en-US"/>
+          </a:p>
+        </p:txBody>
+      </p:sp>
+      <p:pic>
+        <p:nvPicPr>
+          <p:cNvPr id="7" name="Picture 6" descr="A person using a computer&#10;&#10;Description automatically generated">
+            <a:extLst>
+              <a:ext uri="{FF2B5EF4-FFF2-40B4-BE49-F238E27FC236}">
+                <a16:creationId xmlns:a16="http://schemas.microsoft.com/office/drawing/2014/main" id="{9CAC421A-85C0-E37D-009F-46AEF15445B4}"/>
+              </a:ext>
+            </a:extLst>
+          </p:cNvPr>
+          <p:cNvPicPr>
+            <a:picLocks noChangeAspect="1"/>
+          </p:cNvPicPr>
+          <p:nvPr/>
+        </p:nvPicPr>
+        <p:blipFill>
+          <a:blip r:embed="rId3"/>
+          <a:stretch>
+            <a:fillRect/>
+          </a:stretch>
+        </p:blipFill>
+        <p:spPr>
+          <a:xfrm>
+            <a:off x="199264" y="980061"/>
+            <a:ext cx="3686936" cy="3360116"/>
+          </a:xfrm>
+          <a:prstGeom prst="rect">
+            <a:avLst/>
+          </a:prstGeom>
+        </p:spPr>
+      </p:pic>
+      <p:sp>
+        <p:nvSpPr>
+          <p:cNvPr id="8" name="TextBox 7">
+            <a:extLst>
+              <a:ext uri="{FF2B5EF4-FFF2-40B4-BE49-F238E27FC236}">
+                <a16:creationId xmlns:a16="http://schemas.microsoft.com/office/drawing/2014/main" id="{D0BE394E-927F-09B0-A617-558C8A579BE7}"/>
+              </a:ext>
+            </a:extLst>
+          </p:cNvPr>
+          <p:cNvSpPr txBox="1"/>
+          <p:nvPr/>
+        </p:nvSpPr>
+        <p:spPr>
+          <a:xfrm>
+            <a:off x="2596896" y="4257520"/>
+            <a:ext cx="1163139" cy="276999"/>
+          </a:xfrm>
+          <a:prstGeom prst="rect">
+            <a:avLst/>
+          </a:prstGeom>
+          <a:noFill/>
+        </p:spPr>
+        <p:txBody>
+          <a:bodyPr wrap="none" rtlCol="0">
+            <a:spAutoFit/>
+          </a:bodyPr>
+          <a:lstStyle/>
+          <a:p>
+            <a:r>
+              <a:rPr lang="en-US" sz="1200" dirty="0" err="1"/>
+              <a:t>economics.com</a:t>
+            </a:r>
+            <a:endParaRPr lang="en-US" sz="1200" dirty="0"/>
+          </a:p>
+        </p:txBody>
+      </p:sp>
+      <p:sp>
+        <p:nvSpPr>
+          <p:cNvPr id="9" name="TextBox 8">
+            <a:extLst>
+              <a:ext uri="{FF2B5EF4-FFF2-40B4-BE49-F238E27FC236}">
+                <a16:creationId xmlns:a16="http://schemas.microsoft.com/office/drawing/2014/main" id="{AFF50B10-0874-DB3F-101A-5A17736EA84E}"/>
+              </a:ext>
+            </a:extLst>
+          </p:cNvPr>
+          <p:cNvSpPr txBox="1"/>
+          <p:nvPr/>
+        </p:nvSpPr>
+        <p:spPr>
+          <a:xfrm>
+            <a:off x="1271918" y="4230364"/>
+            <a:ext cx="1324978" cy="461665"/>
+          </a:xfrm>
+          <a:prstGeom prst="rect">
+            <a:avLst/>
+          </a:prstGeom>
+          <a:noFill/>
+        </p:spPr>
+        <p:txBody>
+          <a:bodyPr wrap="none" rtlCol="0">
+            <a:spAutoFit/>
+          </a:bodyPr>
+          <a:lstStyle/>
+          <a:p>
+            <a:r>
+              <a:rPr lang="en-US" sz="2400" dirty="0"/>
+              <a:t>40 years!</a:t>
+            </a:r>
           </a:p>
         </p:txBody>
       </p:sp>
@@ -18398,16 +18636,18 @@
         </p:nvSpPr>
         <p:spPr>
           <a:xfrm>
-            <a:off x="412230" y="53579"/>
+            <a:off x="412230" y="81011"/>
             <a:ext cx="8229600" cy="639762"/>
           </a:xfrm>
         </p:spPr>
         <p:txBody>
-          <a:bodyPr/>
+          <a:bodyPr>
+            <a:normAutofit/>
+          </a:bodyPr>
           <a:lstStyle/>
           <a:p>
             <a:r>
-              <a:rPr lang="en-US" dirty="0"/>
+              <a:rPr lang="en-US" sz="3200" dirty="0"/>
               <a:t>Command list</a:t>
             </a:r>
           </a:p>
@@ -18464,7 +18704,7 @@
         </p:blipFill>
         <p:spPr>
           <a:xfrm>
-            <a:off x="566719" y="808074"/>
+            <a:off x="566719" y="796705"/>
             <a:ext cx="4005281" cy="4244402"/>
           </a:xfrm>
           <a:prstGeom prst="rect">
@@ -18494,7 +18734,7 @@
         </p:blipFill>
         <p:spPr>
           <a:xfrm>
-            <a:off x="5211781" y="1831725"/>
+            <a:off x="5211781" y="1548261"/>
             <a:ext cx="3365500" cy="2197100"/>
           </a:xfrm>
           <a:prstGeom prst="rect">
@@ -18516,8 +18756,8 @@
         </p:nvSpPr>
         <p:spPr>
           <a:xfrm>
-            <a:off x="5211781" y="1462393"/>
-            <a:ext cx="1656852" cy="369332"/>
+            <a:off x="5211780" y="1023640"/>
+            <a:ext cx="2533187" cy="461665"/>
           </a:xfrm>
           <a:prstGeom prst="rect">
             <a:avLst/>
@@ -18531,90 +18771,12 @@
           <a:lstStyle/>
           <a:p>
             <a:r>
-              <a:rPr lang="en-US" dirty="0"/>
+              <a:rPr lang="en-US" sz="2400" dirty="0"/>
               <a:t>exit commands</a:t>
             </a:r>
           </a:p>
         </p:txBody>
       </p:sp>
-      <p:sp>
-        <p:nvSpPr>
-          <p:cNvPr id="12" name="TextBox 11">
-            <a:extLst>
-              <a:ext uri="{FF2B5EF4-FFF2-40B4-BE49-F238E27FC236}">
-                <a16:creationId xmlns:a16="http://schemas.microsoft.com/office/drawing/2014/main" id="{6BEE784D-232B-724E-9D29-63529F529698}"/>
-              </a:ext>
-            </a:extLst>
-          </p:cNvPr>
-          <p:cNvSpPr txBox="1"/>
-          <p:nvPr/>
-        </p:nvSpPr>
-        <p:spPr>
-          <a:xfrm>
-            <a:off x="566719" y="1616281"/>
-            <a:ext cx="1951500" cy="215444"/>
-          </a:xfrm>
-          <a:prstGeom prst="rect">
-            <a:avLst/>
-          </a:prstGeom>
-          <a:noFill/>
-          <a:ln w="28575">
-            <a:solidFill>
-              <a:srgbClr val="FF0000"/>
-            </a:solidFill>
-          </a:ln>
-        </p:spPr>
-        <p:txBody>
-          <a:bodyPr wrap="square" rtlCol="0">
-            <a:spAutoFit/>
-          </a:bodyPr>
-          <a:lstStyle/>
-          <a:p>
-            <a:endParaRPr lang="en-US" sz="800" dirty="0"/>
-          </a:p>
-        </p:txBody>
-      </p:sp>
-      <p:cxnSp>
-        <p:nvCxnSpPr>
-          <p:cNvPr id="14" name="Straight Connector 13">
-            <a:extLst>
-              <a:ext uri="{FF2B5EF4-FFF2-40B4-BE49-F238E27FC236}">
-                <a16:creationId xmlns:a16="http://schemas.microsoft.com/office/drawing/2014/main" id="{52979DEC-A035-934B-8330-DCB9D6474842}"/>
-              </a:ext>
-            </a:extLst>
-          </p:cNvPr>
-          <p:cNvCxnSpPr/>
-          <p:nvPr/>
-        </p:nvCxnSpPr>
-        <p:spPr>
-          <a:xfrm>
-            <a:off x="2983043" y="3272540"/>
-            <a:ext cx="1543987" cy="0"/>
-          </a:xfrm>
-          <a:prstGeom prst="line">
-            <a:avLst/>
-          </a:prstGeom>
-          <a:ln>
-            <a:solidFill>
-              <a:srgbClr val="FF0000"/>
-            </a:solidFill>
-          </a:ln>
-        </p:spPr>
-        <p:style>
-          <a:lnRef idx="2">
-            <a:schemeClr val="accent1"/>
-          </a:lnRef>
-          <a:fillRef idx="0">
-            <a:schemeClr val="accent1"/>
-          </a:fillRef>
-          <a:effectRef idx="1">
-            <a:schemeClr val="accent1"/>
-          </a:effectRef>
-          <a:fontRef idx="minor">
-            <a:schemeClr val="tx1"/>
-          </a:fontRef>
-        </p:style>
-      </p:cxnSp>
       <p:cxnSp>
         <p:nvCxnSpPr>
           <p:cNvPr id="15" name="Straight Connector 14">
@@ -18631,7 +18793,7 @@
         </p:nvCxnSpPr>
         <p:spPr>
           <a:xfrm>
-            <a:off x="5211781" y="2394377"/>
+            <a:off x="5211781" y="2110913"/>
             <a:ext cx="3365500" cy="0"/>
           </a:xfrm>
           <a:prstGeom prst="line">
@@ -18674,7 +18836,7 @@
         </p:nvCxnSpPr>
         <p:spPr>
           <a:xfrm>
-            <a:off x="5211781" y="3408711"/>
+            <a:off x="5211781" y="3125247"/>
             <a:ext cx="2624216" cy="0"/>
           </a:xfrm>
           <a:prstGeom prst="line">
@@ -18715,7 +18877,7 @@
         </p:nvSpPr>
         <p:spPr>
           <a:xfrm>
-            <a:off x="5791536" y="4184114"/>
+            <a:off x="5791536" y="3900650"/>
             <a:ext cx="2205989" cy="338554"/>
           </a:xfrm>
           <a:prstGeom prst="rect">
@@ -19285,8 +19447,26 @@
                 <a:latin typeface="Calibri Light" panose="020F0302020204030204" pitchFamily="34" charset="0"/>
                 <a:cs typeface="Calibri Light" panose="020F0302020204030204" pitchFamily="34" charset="0"/>
               </a:rPr>
-              <a:t>, in class)</a:t>
-            </a:r>
+              <a:t>, </a:t>
+            </a:r>
+            <a:r>
+              <a:rPr lang="en-US">
+                <a:latin typeface="Calibri Light" panose="020F0302020204030204" pitchFamily="34" charset="0"/>
+                <a:cs typeface="Calibri Light" panose="020F0302020204030204" pitchFamily="34" charset="0"/>
+              </a:rPr>
+              <a:t>10:30-12:20 Th4031</a:t>
+            </a:r>
+            <a:r>
+              <a:rPr lang="en-US" b="0" i="0">
+                <a:latin typeface="Calibri Light" panose="020F0302020204030204" pitchFamily="34" charset="0"/>
+                <a:cs typeface="Calibri Light" panose="020F0302020204030204" pitchFamily="34" charset="0"/>
+              </a:rPr>
+              <a:t>)</a:t>
+            </a:r>
+            <a:endParaRPr lang="en-US" b="0" i="0" dirty="0">
+              <a:latin typeface="Calibri Light" panose="020F0302020204030204" pitchFamily="34" charset="0"/>
+              <a:cs typeface="Calibri Light" panose="020F0302020204030204" pitchFamily="34" charset="0"/>
+            </a:endParaRPr>
           </a:p>
           <a:p>
             <a:pPr marL="0" indent="0">
@@ -19297,7 +19477,7 @@
                 <a:latin typeface="Calibri Light" panose="020F0302020204030204" pitchFamily="34" charset="0"/>
                 <a:cs typeface="Calibri Light" panose="020F0302020204030204" pitchFamily="34" charset="0"/>
               </a:rPr>
-              <a:t>Final exam (the week of May 12</a:t>
+              <a:t>Final exam (May 15</a:t>
             </a:r>
             <a:r>
               <a:rPr lang="en-US" b="0" i="0" baseline="30000" dirty="0">
@@ -19311,7 +19491,7 @@
                 <a:latin typeface="Calibri Light" panose="020F0302020204030204" pitchFamily="34" charset="0"/>
                 <a:cs typeface="Calibri Light" panose="020F0302020204030204" pitchFamily="34" charset="0"/>
               </a:rPr>
-              <a:t>)</a:t>
+              <a:t>, 9:40-11:30am Th4031)</a:t>
             </a:r>
           </a:p>
         </p:txBody>
@@ -19403,7 +19583,7 @@
           <a:p>
             <a:r>
               <a:rPr lang="en-US" dirty="0"/>
-              <a:t>Outline of topic I – basis for command-lines analysis</a:t>
+              <a:t>topic I – basis for command-lines analysis</a:t>
             </a:r>
           </a:p>
         </p:txBody>

--- a/PLPTH813Bioinformatis/2025/1_lecture/lecture01_overview_basis.pptx
+++ b/PLPTH813Bioinformatis/2025/1_lecture/lecture01_overview_basis.pptx
@@ -13,8 +13,8 @@
   <p:sldIdLst>
     <p:sldId id="256" r:id="rId2"/>
     <p:sldId id="258" r:id="rId3"/>
-    <p:sldId id="298" r:id="rId4"/>
-    <p:sldId id="302" r:id="rId5"/>
+    <p:sldId id="302" r:id="rId4"/>
+    <p:sldId id="298" r:id="rId5"/>
     <p:sldId id="257" r:id="rId6"/>
     <p:sldId id="324" r:id="rId7"/>
     <p:sldId id="300" r:id="rId8"/>
@@ -1293,7 +1293,7 @@
     </p:spTree>
     <p:extLst>
       <p:ext uri="{BB962C8B-B14F-4D97-AF65-F5344CB8AC3E}">
-        <p14:creationId xmlns:p14="http://schemas.microsoft.com/office/powerpoint/2010/main" val="3590698851"/>
+        <p14:creationId xmlns:p14="http://schemas.microsoft.com/office/powerpoint/2010/main" val="1984252422"/>
       </p:ext>
     </p:extLst>
   </p:cSld>
@@ -1382,7 +1382,7 @@
     </p:spTree>
     <p:extLst>
       <p:ext uri="{BB962C8B-B14F-4D97-AF65-F5344CB8AC3E}">
-        <p14:creationId xmlns:p14="http://schemas.microsoft.com/office/powerpoint/2010/main" val="1984252422"/>
+        <p14:creationId xmlns:p14="http://schemas.microsoft.com/office/powerpoint/2010/main" val="3590698851"/>
       </p:ext>
     </p:extLst>
   </p:cSld>
@@ -16213,6 +16213,240 @@
   <p:clrMapOvr>
     <a:masterClrMapping/>
   </p:clrMapOvr>
+  <p:timing>
+    <p:tnLst>
+      <p:par>
+        <p:cTn id="1" dur="indefinite" restart="never" nodeType="tmRoot">
+          <p:childTnLst>
+            <p:seq concurrent="1" nextAc="seek">
+              <p:cTn id="2" dur="indefinite" nodeType="mainSeq">
+                <p:childTnLst>
+                  <p:par>
+                    <p:cTn id="3" fill="hold">
+                      <p:stCondLst>
+                        <p:cond delay="indefinite"/>
+                      </p:stCondLst>
+                      <p:childTnLst>
+                        <p:par>
+                          <p:cTn id="4" fill="hold">
+                            <p:stCondLst>
+                              <p:cond delay="0"/>
+                            </p:stCondLst>
+                            <p:childTnLst>
+                              <p:par>
+                                <p:cTn id="5" presetID="1" presetClass="entr" presetSubtype="0" fill="hold" nodeType="clickEffect">
+                                  <p:stCondLst>
+                                    <p:cond delay="0"/>
+                                  </p:stCondLst>
+                                  <p:childTnLst>
+                                    <p:set>
+                                      <p:cBhvr>
+                                        <p:cTn id="6" dur="1" fill="hold">
+                                          <p:stCondLst>
+                                            <p:cond delay="0"/>
+                                          </p:stCondLst>
+                                        </p:cTn>
+                                        <p:tgtEl>
+                                          <p:spTgt spid="9"/>
+                                        </p:tgtEl>
+                                        <p:attrNameLst>
+                                          <p:attrName>style.visibility</p:attrName>
+                                        </p:attrNameLst>
+                                      </p:cBhvr>
+                                      <p:to>
+                                        <p:strVal val="visible"/>
+                                      </p:to>
+                                    </p:set>
+                                  </p:childTnLst>
+                                </p:cTn>
+                              </p:par>
+                              <p:par>
+                                <p:cTn id="7" presetID="1" presetClass="entr" presetSubtype="0" fill="hold" grpId="0" nodeType="withEffect">
+                                  <p:stCondLst>
+                                    <p:cond delay="0"/>
+                                  </p:stCondLst>
+                                  <p:childTnLst>
+                                    <p:set>
+                                      <p:cBhvr>
+                                        <p:cTn id="8" dur="1" fill="hold">
+                                          <p:stCondLst>
+                                            <p:cond delay="0"/>
+                                          </p:stCondLst>
+                                        </p:cTn>
+                                        <p:tgtEl>
+                                          <p:spTgt spid="10"/>
+                                        </p:tgtEl>
+                                        <p:attrNameLst>
+                                          <p:attrName>style.visibility</p:attrName>
+                                        </p:attrNameLst>
+                                      </p:cBhvr>
+                                      <p:to>
+                                        <p:strVal val="visible"/>
+                                      </p:to>
+                                    </p:set>
+                                  </p:childTnLst>
+                                </p:cTn>
+                              </p:par>
+                              <p:par>
+                                <p:cTn id="9" presetID="1" presetClass="entr" presetSubtype="0" fill="hold" grpId="0" nodeType="withEffect">
+                                  <p:stCondLst>
+                                    <p:cond delay="0"/>
+                                  </p:stCondLst>
+                                  <p:childTnLst>
+                                    <p:set>
+                                      <p:cBhvr>
+                                        <p:cTn id="10" dur="1" fill="hold">
+                                          <p:stCondLst>
+                                            <p:cond delay="0"/>
+                                          </p:stCondLst>
+                                        </p:cTn>
+                                        <p:tgtEl>
+                                          <p:spTgt spid="11"/>
+                                        </p:tgtEl>
+                                        <p:attrNameLst>
+                                          <p:attrName>style.visibility</p:attrName>
+                                        </p:attrNameLst>
+                                      </p:cBhvr>
+                                      <p:to>
+                                        <p:strVal val="visible"/>
+                                      </p:to>
+                                    </p:set>
+                                  </p:childTnLst>
+                                </p:cTn>
+                              </p:par>
+                            </p:childTnLst>
+                          </p:cTn>
+                        </p:par>
+                      </p:childTnLst>
+                    </p:cTn>
+                  </p:par>
+                  <p:par>
+                    <p:cTn id="11" fill="hold">
+                      <p:stCondLst>
+                        <p:cond delay="indefinite"/>
+                      </p:stCondLst>
+                      <p:childTnLst>
+                        <p:par>
+                          <p:cTn id="12" fill="hold">
+                            <p:stCondLst>
+                              <p:cond delay="0"/>
+                            </p:stCondLst>
+                            <p:childTnLst>
+                              <p:par>
+                                <p:cTn id="13" presetID="1" presetClass="entr" presetSubtype="0" fill="hold" nodeType="clickEffect">
+                                  <p:stCondLst>
+                                    <p:cond delay="0"/>
+                                  </p:stCondLst>
+                                  <p:childTnLst>
+                                    <p:set>
+                                      <p:cBhvr>
+                                        <p:cTn id="14" dur="1" fill="hold">
+                                          <p:stCondLst>
+                                            <p:cond delay="0"/>
+                                          </p:stCondLst>
+                                        </p:cTn>
+                                        <p:tgtEl>
+                                          <p:spTgt spid="12"/>
+                                        </p:tgtEl>
+                                        <p:attrNameLst>
+                                          <p:attrName>style.visibility</p:attrName>
+                                        </p:attrNameLst>
+                                      </p:cBhvr>
+                                      <p:to>
+                                        <p:strVal val="visible"/>
+                                      </p:to>
+                                    </p:set>
+                                  </p:childTnLst>
+                                </p:cTn>
+                              </p:par>
+                              <p:par>
+                                <p:cTn id="15" presetID="1" presetClass="entr" presetSubtype="0" fill="hold" grpId="0" nodeType="withEffect">
+                                  <p:stCondLst>
+                                    <p:cond delay="0"/>
+                                  </p:stCondLst>
+                                  <p:childTnLst>
+                                    <p:set>
+                                      <p:cBhvr>
+                                        <p:cTn id="16" dur="1" fill="hold">
+                                          <p:stCondLst>
+                                            <p:cond delay="0"/>
+                                          </p:stCondLst>
+                                        </p:cTn>
+                                        <p:tgtEl>
+                                          <p:spTgt spid="13"/>
+                                        </p:tgtEl>
+                                        <p:attrNameLst>
+                                          <p:attrName>style.visibility</p:attrName>
+                                        </p:attrNameLst>
+                                      </p:cBhvr>
+                                      <p:to>
+                                        <p:strVal val="visible"/>
+                                      </p:to>
+                                    </p:set>
+                                  </p:childTnLst>
+                                </p:cTn>
+                              </p:par>
+                              <p:par>
+                                <p:cTn id="17" presetID="1" presetClass="entr" presetSubtype="0" fill="hold" grpId="0" nodeType="withEffect">
+                                  <p:stCondLst>
+                                    <p:cond delay="0"/>
+                                  </p:stCondLst>
+                                  <p:childTnLst>
+                                    <p:set>
+                                      <p:cBhvr>
+                                        <p:cTn id="18" dur="1" fill="hold">
+                                          <p:stCondLst>
+                                            <p:cond delay="0"/>
+                                          </p:stCondLst>
+                                        </p:cTn>
+                                        <p:tgtEl>
+                                          <p:spTgt spid="14"/>
+                                        </p:tgtEl>
+                                        <p:attrNameLst>
+                                          <p:attrName>style.visibility</p:attrName>
+                                        </p:attrNameLst>
+                                      </p:cBhvr>
+                                      <p:to>
+                                        <p:strVal val="visible"/>
+                                      </p:to>
+                                    </p:set>
+                                  </p:childTnLst>
+                                </p:cTn>
+                              </p:par>
+                            </p:childTnLst>
+                          </p:cTn>
+                        </p:par>
+                      </p:childTnLst>
+                    </p:cTn>
+                  </p:par>
+                </p:childTnLst>
+              </p:cTn>
+              <p:prevCondLst>
+                <p:cond evt="onPrev" delay="0">
+                  <p:tgtEl>
+                    <p:sldTgt/>
+                  </p:tgtEl>
+                </p:cond>
+              </p:prevCondLst>
+              <p:nextCondLst>
+                <p:cond evt="onNext" delay="0">
+                  <p:tgtEl>
+                    <p:sldTgt/>
+                  </p:tgtEl>
+                </p:cond>
+              </p:nextCondLst>
+            </p:seq>
+          </p:childTnLst>
+        </p:cTn>
+      </p:par>
+    </p:tnLst>
+    <p:bldLst>
+      <p:bldP spid="10" grpId="0" animBg="1"/>
+      <p:bldP spid="11" grpId="0" animBg="1"/>
+      <p:bldP spid="13" grpId="0" animBg="1"/>
+      <p:bldP spid="14" grpId="0" animBg="1"/>
+    </p:bldLst>
+  </p:timing>
 </p:sld>
 </file>
 
@@ -17114,1832 +17348,6 @@
             <p:ph type="title"/>
           </p:nvPr>
         </p:nvSpPr>
-        <p:spPr/>
-        <p:txBody>
-          <a:bodyPr/>
-          <a:lstStyle/>
-          <a:p>
-            <a:r>
-              <a:rPr lang="en-US" b="0" i="0" dirty="0">
-                <a:latin typeface="Calibri Light" panose="020F0302020204030204" pitchFamily="34" charset="0"/>
-                <a:cs typeface="Calibri Light" panose="020F0302020204030204" pitchFamily="34" charset="0"/>
-              </a:rPr>
-              <a:t>Lecture topics</a:t>
-            </a:r>
-          </a:p>
-        </p:txBody>
-      </p:sp>
-      <p:sp>
-        <p:nvSpPr>
-          <p:cNvPr id="6" name="Rectangle 5"/>
-          <p:cNvSpPr/>
-          <p:nvPr/>
-        </p:nvSpPr>
-        <p:spPr>
-          <a:xfrm>
-            <a:off x="1609521" y="844093"/>
-            <a:ext cx="6812367" cy="4093428"/>
-          </a:xfrm>
-          <a:prstGeom prst="rect">
-            <a:avLst/>
-          </a:prstGeom>
-        </p:spPr>
-        <p:txBody>
-          <a:bodyPr wrap="square">
-            <a:spAutoFit/>
-          </a:bodyPr>
-          <a:lstStyle/>
-          <a:p>
-            <a:pPr marL="457200" indent="-457200">
-              <a:buFont typeface="+mj-lt"/>
-              <a:buAutoNum type="arabicPeriod"/>
-            </a:pPr>
-            <a:r>
-              <a:rPr lang="en-US" sz="2000" dirty="0">
-                <a:latin typeface="Calibri Light" panose="020F0302020204030204" pitchFamily="34" charset="0"/>
-                <a:cs typeface="Calibri Light" panose="020F0302020204030204" pitchFamily="34" charset="0"/>
-              </a:rPr>
-              <a:t>Basic Unix</a:t>
-            </a:r>
-          </a:p>
-          <a:p>
-            <a:pPr marL="457200" indent="-457200">
-              <a:buFont typeface="+mj-lt"/>
-              <a:buAutoNum type="arabicPeriod"/>
-            </a:pPr>
-            <a:r>
-              <a:rPr lang="en-US" sz="2000" dirty="0">
-                <a:latin typeface="Calibri Light" panose="020F0302020204030204" pitchFamily="34" charset="0"/>
-                <a:cs typeface="Calibri Light" panose="020F0302020204030204" pitchFamily="34" charset="0"/>
-              </a:rPr>
-              <a:t>Basic R, Python</a:t>
-            </a:r>
-          </a:p>
-          <a:p>
-            <a:pPr marL="457200" indent="-457200">
-              <a:buFont typeface="+mj-lt"/>
-              <a:buAutoNum type="arabicPeriod"/>
-            </a:pPr>
-            <a:r>
-              <a:rPr lang="en-US" sz="2000" dirty="0">
-                <a:latin typeface="Calibri Light" panose="020F0302020204030204" pitchFamily="34" charset="0"/>
-                <a:cs typeface="Calibri Light" panose="020F0302020204030204" pitchFamily="34" charset="0"/>
-              </a:rPr>
-              <a:t>Introduction of NGS and NGS bioinformatics tools</a:t>
-            </a:r>
-          </a:p>
-          <a:p>
-            <a:pPr marL="457200" indent="-457200">
-              <a:buFont typeface="+mj-lt"/>
-              <a:buAutoNum type="arabicPeriod"/>
-            </a:pPr>
-            <a:r>
-              <a:rPr lang="en-US" sz="2000" dirty="0">
-                <a:latin typeface="Calibri Light" panose="020F0302020204030204" pitchFamily="34" charset="0"/>
-                <a:cs typeface="Calibri Light" panose="020F0302020204030204" pitchFamily="34" charset="0"/>
-              </a:rPr>
-              <a:t>NCBI tools</a:t>
-            </a:r>
-          </a:p>
-          <a:p>
-            <a:pPr marL="457200" indent="-457200">
-              <a:buFont typeface="+mj-lt"/>
-              <a:buAutoNum type="arabicPeriod"/>
-            </a:pPr>
-            <a:r>
-              <a:rPr lang="en-US" sz="2000" dirty="0">
-                <a:latin typeface="Calibri Light" panose="020F0302020204030204" pitchFamily="34" charset="0"/>
-                <a:cs typeface="Calibri Light" panose="020F0302020204030204" pitchFamily="34" charset="0"/>
-              </a:rPr>
-              <a:t>DNA and protein sequence alignments</a:t>
-            </a:r>
-          </a:p>
-          <a:p>
-            <a:pPr marL="457200" indent="-457200">
-              <a:buFont typeface="+mj-lt"/>
-              <a:buAutoNum type="arabicPeriod"/>
-            </a:pPr>
-            <a:r>
-              <a:rPr lang="en-US" sz="2000" dirty="0">
-                <a:latin typeface="Calibri Light" panose="020F0302020204030204" pitchFamily="34" charset="0"/>
-                <a:cs typeface="Calibri Light" panose="020F0302020204030204" pitchFamily="34" charset="0"/>
-              </a:rPr>
-              <a:t>Genome variants</a:t>
-            </a:r>
-          </a:p>
-          <a:p>
-            <a:pPr marL="457200" indent="-457200">
-              <a:buFont typeface="+mj-lt"/>
-              <a:buAutoNum type="arabicPeriod"/>
-            </a:pPr>
-            <a:r>
-              <a:rPr lang="en-US" sz="2000" dirty="0">
-                <a:latin typeface="Calibri Light" panose="020F0302020204030204" pitchFamily="34" charset="0"/>
-                <a:cs typeface="Calibri Light" panose="020F0302020204030204" pitchFamily="34" charset="0"/>
-              </a:rPr>
-              <a:t>Phylogeny</a:t>
-            </a:r>
-          </a:p>
-          <a:p>
-            <a:pPr marL="457200" indent="-457200">
-              <a:buFont typeface="+mj-lt"/>
-              <a:buAutoNum type="arabicPeriod"/>
-            </a:pPr>
-            <a:r>
-              <a:rPr lang="en-US" sz="2000" dirty="0">
-                <a:latin typeface="Calibri Light" panose="020F0302020204030204" pitchFamily="34" charset="0"/>
-                <a:cs typeface="Calibri Light" panose="020F0302020204030204" pitchFamily="34" charset="0"/>
-              </a:rPr>
-              <a:t>QTL and GWAS, </a:t>
-            </a:r>
-            <a:r>
-              <a:rPr lang="en-US" sz="2000" dirty="0">
-                <a:solidFill>
-                  <a:schemeClr val="accent6">
-                    <a:lumMod val="50000"/>
-                  </a:schemeClr>
-                </a:solidFill>
-                <a:latin typeface="Calibri Light" panose="020F0302020204030204" pitchFamily="34" charset="0"/>
-                <a:cs typeface="Calibri Light" panose="020F0302020204030204" pitchFamily="34" charset="0"/>
-              </a:rPr>
-              <a:t>Genomic selection</a:t>
-            </a:r>
-          </a:p>
-          <a:p>
-            <a:pPr marL="457200" indent="-457200">
-              <a:buFont typeface="+mj-lt"/>
-              <a:buAutoNum type="arabicPeriod"/>
-            </a:pPr>
-            <a:r>
-              <a:rPr lang="en-US" sz="2000" dirty="0">
-                <a:latin typeface="Calibri Light" panose="020F0302020204030204" pitchFamily="34" charset="0"/>
-                <a:cs typeface="Calibri Light" panose="020F0302020204030204" pitchFamily="34" charset="0"/>
-              </a:rPr>
-              <a:t>Protein structure – Alphafold3</a:t>
-            </a:r>
-          </a:p>
-          <a:p>
-            <a:pPr marL="457200" indent="-457200">
-              <a:buFont typeface="+mj-lt"/>
-              <a:buAutoNum type="arabicPeriod"/>
-            </a:pPr>
-            <a:r>
-              <a:rPr lang="en-US" sz="2000" dirty="0">
-                <a:latin typeface="Calibri Light" panose="020F0302020204030204" pitchFamily="34" charset="0"/>
-                <a:cs typeface="Calibri Light" panose="020F0302020204030204" pitchFamily="34" charset="0"/>
-              </a:rPr>
-              <a:t>Genome assembly</a:t>
-            </a:r>
-          </a:p>
-          <a:p>
-            <a:pPr marL="457200" indent="-457200">
-              <a:buFont typeface="+mj-lt"/>
-              <a:buAutoNum type="arabicPeriod"/>
-            </a:pPr>
-            <a:r>
-              <a:rPr lang="en-US" sz="2000" dirty="0">
-                <a:latin typeface="Calibri Light" panose="020F0302020204030204" pitchFamily="34" charset="0"/>
-                <a:cs typeface="Calibri Light" panose="020F0302020204030204" pitchFamily="34" charset="0"/>
-              </a:rPr>
-              <a:t>Comparative genomics</a:t>
-            </a:r>
-          </a:p>
-          <a:p>
-            <a:pPr marL="457200" indent="-457200">
-              <a:buFont typeface="+mj-lt"/>
-              <a:buAutoNum type="arabicPeriod"/>
-            </a:pPr>
-            <a:r>
-              <a:rPr lang="en-US" sz="2000" dirty="0">
-                <a:latin typeface="Calibri Light" panose="020F0302020204030204" pitchFamily="34" charset="0"/>
-                <a:cs typeface="Calibri Light" panose="020F0302020204030204" pitchFamily="34" charset="0"/>
-              </a:rPr>
-              <a:t>RNA-seq, </a:t>
-            </a:r>
-            <a:r>
-              <a:rPr lang="en-US" sz="2000" dirty="0" err="1">
-                <a:solidFill>
-                  <a:schemeClr val="accent6">
-                    <a:lumMod val="50000"/>
-                  </a:schemeClr>
-                </a:solidFill>
-                <a:latin typeface="Calibri Light" panose="020F0302020204030204" pitchFamily="34" charset="0"/>
-                <a:cs typeface="Calibri Light" panose="020F0302020204030204" pitchFamily="34" charset="0"/>
-              </a:rPr>
-              <a:t>scRNA</a:t>
-            </a:r>
-            <a:r>
-              <a:rPr lang="en-US" sz="2000" dirty="0">
-                <a:solidFill>
-                  <a:schemeClr val="accent6">
-                    <a:lumMod val="50000"/>
-                  </a:schemeClr>
-                </a:solidFill>
-                <a:latin typeface="Calibri Light" panose="020F0302020204030204" pitchFamily="34" charset="0"/>
-                <a:cs typeface="Calibri Light" panose="020F0302020204030204" pitchFamily="34" charset="0"/>
-              </a:rPr>
-              <a:t>-seq</a:t>
-            </a:r>
-          </a:p>
-          <a:p>
-            <a:pPr marL="457200" indent="-457200">
-              <a:buFont typeface="+mj-lt"/>
-              <a:buAutoNum type="arabicPeriod"/>
-            </a:pPr>
-            <a:r>
-              <a:rPr lang="en-US" sz="2000" dirty="0">
-                <a:latin typeface="Calibri Light" panose="020F0302020204030204" pitchFamily="34" charset="0"/>
-                <a:cs typeface="Calibri Light" panose="020F0302020204030204" pitchFamily="34" charset="0"/>
-              </a:rPr>
-              <a:t>Applications of LLM</a:t>
-            </a:r>
-          </a:p>
-        </p:txBody>
-      </p:sp>
-      <p:sp>
-        <p:nvSpPr>
-          <p:cNvPr id="3" name="Slide Number Placeholder 2"/>
-          <p:cNvSpPr>
-            <a:spLocks noGrp="1"/>
-          </p:cNvSpPr>
-          <p:nvPr>
-            <p:ph type="sldNum" sz="quarter" idx="12"/>
-          </p:nvPr>
-        </p:nvSpPr>
-        <p:spPr/>
-        <p:txBody>
-          <a:bodyPr/>
-          <a:lstStyle/>
-          <a:p>
-            <a:fld id="{9DA039C4-C5F2-1743-BB7A-5D831266C61E}" type="slidenum">
-              <a:rPr lang="en-US" smtClean="0"/>
-              <a:t>3</a:t>
-            </a:fld>
-            <a:endParaRPr lang="en-US"/>
-          </a:p>
-        </p:txBody>
-      </p:sp>
-    </p:spTree>
-    <p:extLst>
-      <p:ext uri="{BB962C8B-B14F-4D97-AF65-F5344CB8AC3E}">
-        <p14:creationId xmlns:p14="http://schemas.microsoft.com/office/powerpoint/2010/main" val="2313558119"/>
-      </p:ext>
-    </p:extLst>
-  </p:cSld>
-  <p:clrMapOvr>
-    <a:masterClrMapping/>
-  </p:clrMapOvr>
-</p:sld>
-</file>
-
-<file path=ppt/slides/slide30.xml><?xml version="1.0" encoding="utf-8"?>
-<p:sld xmlns:a="http://schemas.openxmlformats.org/drawingml/2006/main" xmlns:r="http://schemas.openxmlformats.org/officeDocument/2006/relationships" xmlns:p="http://schemas.openxmlformats.org/presentationml/2006/main">
-  <p:cSld>
-    <p:spTree>
-      <p:nvGrpSpPr>
-        <p:cNvPr id="1" name=""/>
-        <p:cNvGrpSpPr/>
-        <p:nvPr/>
-      </p:nvGrpSpPr>
-      <p:grpSpPr>
-        <a:xfrm>
-          <a:off x="0" y="0"/>
-          <a:ext cx="0" cy="0"/>
-          <a:chOff x="0" y="0"/>
-          <a:chExt cx="0" cy="0"/>
-        </a:xfrm>
-      </p:grpSpPr>
-      <p:sp>
-        <p:nvSpPr>
-          <p:cNvPr id="2" name="Title 1"/>
-          <p:cNvSpPr>
-            <a:spLocks noGrp="1"/>
-          </p:cNvSpPr>
-          <p:nvPr>
-            <p:ph type="title"/>
-          </p:nvPr>
-        </p:nvSpPr>
-        <p:spPr/>
-        <p:txBody>
-          <a:bodyPr>
-            <a:normAutofit fontScale="90000"/>
-          </a:bodyPr>
-          <a:lstStyle/>
-          <a:p>
-            <a:r>
-              <a:rPr lang="en-US" sz="3600" dirty="0"/>
-              <a:t>Regular expression</a:t>
-            </a:r>
-          </a:p>
-        </p:txBody>
-      </p:sp>
-      <p:sp>
-        <p:nvSpPr>
-          <p:cNvPr id="3" name="Content Placeholder 2"/>
-          <p:cNvSpPr>
-            <a:spLocks noGrp="1"/>
-          </p:cNvSpPr>
-          <p:nvPr>
-            <p:ph idx="1"/>
-          </p:nvPr>
-        </p:nvSpPr>
-        <p:spPr>
-          <a:xfrm>
-            <a:off x="457200" y="959427"/>
-            <a:ext cx="8229600" cy="2082224"/>
-          </a:xfrm>
-        </p:spPr>
-        <p:txBody>
-          <a:bodyPr/>
-          <a:lstStyle/>
-          <a:p>
-            <a:r>
-              <a:rPr lang="en-US" dirty="0"/>
-              <a:t>Regular expression is for pattern searches</a:t>
-            </a:r>
-          </a:p>
-          <a:p>
-            <a:r>
-              <a:rPr lang="en-US" dirty="0"/>
-              <a:t>It is commonly employed in programming languages</a:t>
-            </a:r>
-          </a:p>
-          <a:p>
-            <a:r>
-              <a:rPr lang="en-US" dirty="0"/>
-              <a:t>The rules vary depending on the specific implementation (or programming languages or versions) in use.</a:t>
-            </a:r>
-          </a:p>
-        </p:txBody>
-      </p:sp>
-      <p:sp>
-        <p:nvSpPr>
-          <p:cNvPr id="4" name="Slide Number Placeholder 3"/>
-          <p:cNvSpPr>
-            <a:spLocks noGrp="1"/>
-          </p:cNvSpPr>
-          <p:nvPr>
-            <p:ph type="sldNum" sz="quarter" idx="12"/>
-          </p:nvPr>
-        </p:nvSpPr>
-        <p:spPr/>
-        <p:txBody>
-          <a:bodyPr/>
-          <a:lstStyle/>
-          <a:p>
-            <a:fld id="{9DA039C4-C5F2-1743-BB7A-5D831266C61E}" type="slidenum">
-              <a:rPr lang="en-US" smtClean="0"/>
-              <a:t>30</a:t>
-            </a:fld>
-            <a:endParaRPr lang="en-US"/>
-          </a:p>
-        </p:txBody>
-      </p:sp>
-      <p:sp>
-        <p:nvSpPr>
-          <p:cNvPr id="5" name="TextBox 4"/>
-          <p:cNvSpPr txBox="1"/>
-          <p:nvPr/>
-        </p:nvSpPr>
-        <p:spPr>
-          <a:xfrm>
-            <a:off x="698501" y="3041651"/>
-            <a:ext cx="6945381" cy="461665"/>
-          </a:xfrm>
-          <a:prstGeom prst="rect">
-            <a:avLst/>
-          </a:prstGeom>
-          <a:noFill/>
-        </p:spPr>
-        <p:txBody>
-          <a:bodyPr wrap="none" rtlCol="0">
-            <a:spAutoFit/>
-          </a:bodyPr>
-          <a:lstStyle/>
-          <a:p>
-            <a:r>
-              <a:rPr lang="en-US" sz="2400" dirty="0">
-                <a:hlinkClick r:id="rId2"/>
-              </a:rPr>
-              <a:t>Does Google provide search with regular expressions?</a:t>
-            </a:r>
-            <a:endParaRPr lang="en-US" sz="2400" dirty="0"/>
-          </a:p>
-        </p:txBody>
-      </p:sp>
-      <p:sp>
-        <p:nvSpPr>
-          <p:cNvPr id="6" name="Rectangle 5"/>
-          <p:cNvSpPr/>
-          <p:nvPr/>
-        </p:nvSpPr>
-        <p:spPr>
-          <a:xfrm>
-            <a:off x="2422748" y="4038084"/>
-            <a:ext cx="3660552" cy="523220"/>
-          </a:xfrm>
-          <a:prstGeom prst="rect">
-            <a:avLst/>
-          </a:prstGeom>
-        </p:spPr>
-        <p:txBody>
-          <a:bodyPr wrap="none">
-            <a:spAutoFit/>
-          </a:bodyPr>
-          <a:lstStyle/>
-          <a:p>
-            <a:r>
-              <a:rPr lang="en-US" sz="2800" dirty="0"/>
-              <a:t>"genome * sequencing"</a:t>
-            </a:r>
-          </a:p>
-        </p:txBody>
-      </p:sp>
-    </p:spTree>
-    <p:extLst>
-      <p:ext uri="{BB962C8B-B14F-4D97-AF65-F5344CB8AC3E}">
-        <p14:creationId xmlns:p14="http://schemas.microsoft.com/office/powerpoint/2010/main" val="1841321278"/>
-      </p:ext>
-    </p:extLst>
-  </p:cSld>
-  <p:clrMapOvr>
-    <a:masterClrMapping/>
-  </p:clrMapOvr>
-</p:sld>
-</file>
-
-<file path=ppt/slides/slide31.xml><?xml version="1.0" encoding="utf-8"?>
-<p:sld xmlns:a="http://schemas.openxmlformats.org/drawingml/2006/main" xmlns:r="http://schemas.openxmlformats.org/officeDocument/2006/relationships" xmlns:p="http://schemas.openxmlformats.org/presentationml/2006/main">
-  <p:cSld>
-    <p:spTree>
-      <p:nvGrpSpPr>
-        <p:cNvPr id="1" name=""/>
-        <p:cNvGrpSpPr/>
-        <p:nvPr/>
-      </p:nvGrpSpPr>
-      <p:grpSpPr>
-        <a:xfrm>
-          <a:off x="0" y="0"/>
-          <a:ext cx="0" cy="0"/>
-          <a:chOff x="0" y="0"/>
-          <a:chExt cx="0" cy="0"/>
-        </a:xfrm>
-      </p:grpSpPr>
-      <p:sp>
-        <p:nvSpPr>
-          <p:cNvPr id="4" name="Title 3"/>
-          <p:cNvSpPr>
-            <a:spLocks noGrp="1"/>
-          </p:cNvSpPr>
-          <p:nvPr>
-            <p:ph type="title"/>
-          </p:nvPr>
-        </p:nvSpPr>
-        <p:spPr/>
-        <p:txBody>
-          <a:bodyPr/>
-          <a:lstStyle/>
-          <a:p>
-            <a:r>
-              <a:rPr lang="en-US" dirty="0"/>
-              <a:t>Outline</a:t>
-            </a:r>
-          </a:p>
-        </p:txBody>
-      </p:sp>
-      <p:sp>
-        <p:nvSpPr>
-          <p:cNvPr id="5" name="Content Placeholder 4"/>
-          <p:cNvSpPr>
-            <a:spLocks noGrp="1"/>
-          </p:cNvSpPr>
-          <p:nvPr>
-            <p:ph idx="1"/>
-          </p:nvPr>
-        </p:nvSpPr>
-        <p:spPr>
-          <a:xfrm>
-            <a:off x="1713718" y="1061055"/>
-            <a:ext cx="5944382" cy="2925674"/>
-          </a:xfrm>
-        </p:spPr>
-        <p:txBody>
-          <a:bodyPr>
-            <a:normAutofit/>
-          </a:bodyPr>
-          <a:lstStyle/>
-          <a:p>
-            <a:pPr>
-              <a:lnSpc>
-                <a:spcPct val="150000"/>
-              </a:lnSpc>
-            </a:pPr>
-            <a:r>
-              <a:rPr lang="en-US" sz="2100" dirty="0">
-                <a:solidFill>
-                  <a:schemeClr val="bg1">
-                    <a:lumMod val="85000"/>
-                  </a:schemeClr>
-                </a:solidFill>
-              </a:rPr>
-              <a:t>Formats of text data files</a:t>
-            </a:r>
-          </a:p>
-          <a:p>
-            <a:pPr>
-              <a:lnSpc>
-                <a:spcPct val="150000"/>
-              </a:lnSpc>
-            </a:pPr>
-            <a:r>
-              <a:rPr lang="en-US" sz="2100" dirty="0">
-                <a:solidFill>
-                  <a:schemeClr val="bg1">
-                    <a:lumMod val="85000"/>
-                  </a:schemeClr>
-                </a:solidFill>
-              </a:rPr>
-              <a:t>Excel to generate a text file and tips in Excel</a:t>
-            </a:r>
-          </a:p>
-          <a:p>
-            <a:pPr>
-              <a:lnSpc>
-                <a:spcPct val="150000"/>
-              </a:lnSpc>
-            </a:pPr>
-            <a:r>
-              <a:rPr lang="en-US" sz="2100" dirty="0">
-                <a:solidFill>
-                  <a:schemeClr val="bg1">
-                    <a:lumMod val="85000"/>
-                  </a:schemeClr>
-                </a:solidFill>
-              </a:rPr>
-              <a:t>BBEdit (Mac) Notepad++ (PC):</a:t>
-            </a:r>
-            <a:r>
-              <a:rPr lang="en-US" sz="2100" i="1" dirty="0">
-                <a:solidFill>
-                  <a:schemeClr val="bg1">
-                    <a:lumMod val="85000"/>
-                  </a:schemeClr>
-                </a:solidFill>
-              </a:rPr>
-              <a:t> </a:t>
-            </a:r>
-            <a:r>
-              <a:rPr lang="en-US" sz="2100" dirty="0">
-                <a:solidFill>
-                  <a:schemeClr val="bg1">
-                    <a:lumMod val="85000"/>
-                  </a:schemeClr>
-                </a:solidFill>
-              </a:rPr>
-              <a:t>text editor</a:t>
-            </a:r>
-          </a:p>
-          <a:p>
-            <a:pPr>
-              <a:lnSpc>
-                <a:spcPct val="150000"/>
-              </a:lnSpc>
-            </a:pPr>
-            <a:r>
-              <a:rPr lang="en-US" sz="2100" dirty="0">
-                <a:solidFill>
-                  <a:schemeClr val="bg1">
-                    <a:lumMod val="85000"/>
-                  </a:schemeClr>
-                </a:solidFill>
-              </a:rPr>
-              <a:t>Regular expression</a:t>
-            </a:r>
-          </a:p>
-          <a:p>
-            <a:pPr>
-              <a:lnSpc>
-                <a:spcPct val="150000"/>
-              </a:lnSpc>
-            </a:pPr>
-            <a:r>
-              <a:rPr lang="en-US" sz="2100" i="1" dirty="0"/>
-              <a:t>vi</a:t>
-            </a:r>
-            <a:r>
-              <a:rPr lang="en-US" sz="2100" dirty="0"/>
-              <a:t>:</a:t>
-            </a:r>
-            <a:r>
-              <a:rPr lang="en-US" sz="2100" i="1" dirty="0"/>
-              <a:t> </a:t>
-            </a:r>
-            <a:r>
-              <a:rPr lang="en-US" sz="2100" dirty="0"/>
-              <a:t>another text editor</a:t>
-            </a:r>
-          </a:p>
-        </p:txBody>
-      </p:sp>
-      <p:sp>
-        <p:nvSpPr>
-          <p:cNvPr id="3" name="Slide Number Placeholder 2"/>
-          <p:cNvSpPr>
-            <a:spLocks noGrp="1"/>
-          </p:cNvSpPr>
-          <p:nvPr>
-            <p:ph type="sldNum" sz="quarter" idx="12"/>
-          </p:nvPr>
-        </p:nvSpPr>
-        <p:spPr/>
-        <p:txBody>
-          <a:bodyPr/>
-          <a:lstStyle/>
-          <a:p>
-            <a:fld id="{9DA039C4-C5F2-1743-BB7A-5D831266C61E}" type="slidenum">
-              <a:rPr lang="en-US" smtClean="0"/>
-              <a:t>31</a:t>
-            </a:fld>
-            <a:endParaRPr lang="en-US"/>
-          </a:p>
-        </p:txBody>
-      </p:sp>
-    </p:spTree>
-    <p:extLst>
-      <p:ext uri="{BB962C8B-B14F-4D97-AF65-F5344CB8AC3E}">
-        <p14:creationId xmlns:p14="http://schemas.microsoft.com/office/powerpoint/2010/main" val="1155954608"/>
-      </p:ext>
-    </p:extLst>
-  </p:cSld>
-  <p:clrMapOvr>
-    <a:masterClrMapping/>
-  </p:clrMapOvr>
-</p:sld>
-</file>
-
-<file path=ppt/slides/slide32.xml><?xml version="1.0" encoding="utf-8"?>
-<p:sld xmlns:a="http://schemas.openxmlformats.org/drawingml/2006/main" xmlns:r="http://schemas.openxmlformats.org/officeDocument/2006/relationships" xmlns:p="http://schemas.openxmlformats.org/presentationml/2006/main">
-  <p:cSld>
-    <p:spTree>
-      <p:nvGrpSpPr>
-        <p:cNvPr id="1" name=""/>
-        <p:cNvGrpSpPr/>
-        <p:nvPr/>
-      </p:nvGrpSpPr>
-      <p:grpSpPr>
-        <a:xfrm>
-          <a:off x="0" y="0"/>
-          <a:ext cx="0" cy="0"/>
-          <a:chOff x="0" y="0"/>
-          <a:chExt cx="0" cy="0"/>
-        </a:xfrm>
-      </p:grpSpPr>
-      <p:sp>
-        <p:nvSpPr>
-          <p:cNvPr id="2" name="Title 1">
-            <a:extLst>
-              <a:ext uri="{FF2B5EF4-FFF2-40B4-BE49-F238E27FC236}">
-                <a16:creationId xmlns:a16="http://schemas.microsoft.com/office/drawing/2014/main" id="{4A00C4F5-3FD9-0C4D-BE25-CB0041D5055E}"/>
-              </a:ext>
-            </a:extLst>
-          </p:cNvPr>
-          <p:cNvSpPr>
-            <a:spLocks noGrp="1"/>
-          </p:cNvSpPr>
-          <p:nvPr>
-            <p:ph type="title"/>
-          </p:nvPr>
-        </p:nvSpPr>
-        <p:spPr/>
-        <p:txBody>
-          <a:bodyPr>
-            <a:normAutofit fontScale="90000"/>
-          </a:bodyPr>
-          <a:lstStyle/>
-          <a:p>
-            <a:r>
-              <a:rPr lang="en-US" i="1" dirty="0"/>
-              <a:t>vi</a:t>
-            </a:r>
-            <a:r>
-              <a:rPr lang="en-US" dirty="0"/>
-              <a:t> is a text editor created for the Unix operating system.</a:t>
-            </a:r>
-            <a:br>
-              <a:rPr lang="en-US" dirty="0"/>
-            </a:br>
-            <a:r>
-              <a:rPr lang="en-US" dirty="0"/>
-              <a:t> - fast and powerful</a:t>
-            </a:r>
-          </a:p>
-        </p:txBody>
-      </p:sp>
-      <p:sp>
-        <p:nvSpPr>
-          <p:cNvPr id="4" name="Slide Number Placeholder 3">
-            <a:extLst>
-              <a:ext uri="{FF2B5EF4-FFF2-40B4-BE49-F238E27FC236}">
-                <a16:creationId xmlns:a16="http://schemas.microsoft.com/office/drawing/2014/main" id="{10D77141-49E6-AC41-9D3D-86BFDC1A37CF}"/>
-              </a:ext>
-            </a:extLst>
-          </p:cNvPr>
-          <p:cNvSpPr>
-            <a:spLocks noGrp="1"/>
-          </p:cNvSpPr>
-          <p:nvPr>
-            <p:ph type="sldNum" sz="quarter" idx="12"/>
-          </p:nvPr>
-        </p:nvSpPr>
-        <p:spPr/>
-        <p:txBody>
-          <a:bodyPr/>
-          <a:lstStyle/>
-          <a:p>
-            <a:fld id="{9DA039C4-C5F2-1743-BB7A-5D831266C61E}" type="slidenum">
-              <a:rPr lang="en-US" smtClean="0"/>
-              <a:t>32</a:t>
-            </a:fld>
-            <a:endParaRPr lang="en-US"/>
-          </a:p>
-        </p:txBody>
-      </p:sp>
-      <p:pic>
-        <p:nvPicPr>
-          <p:cNvPr id="10" name="Picture 9" descr="Text&#10;&#10;Description automatically generated">
-            <a:extLst>
-              <a:ext uri="{FF2B5EF4-FFF2-40B4-BE49-F238E27FC236}">
-                <a16:creationId xmlns:a16="http://schemas.microsoft.com/office/drawing/2014/main" id="{44D11438-A89E-134C-BC73-2AAFB0249B07}"/>
-              </a:ext>
-            </a:extLst>
-          </p:cNvPr>
-          <p:cNvPicPr>
-            <a:picLocks noChangeAspect="1"/>
-          </p:cNvPicPr>
-          <p:nvPr/>
-        </p:nvPicPr>
-        <p:blipFill>
-          <a:blip r:embed="rId2"/>
-          <a:stretch>
-            <a:fillRect/>
-          </a:stretch>
-        </p:blipFill>
-        <p:spPr>
-          <a:xfrm>
-            <a:off x="937022" y="987639"/>
-            <a:ext cx="2331485" cy="1584110"/>
-          </a:xfrm>
-          <a:prstGeom prst="rect">
-            <a:avLst/>
-          </a:prstGeom>
-        </p:spPr>
-      </p:pic>
-      <p:sp>
-        <p:nvSpPr>
-          <p:cNvPr id="11" name="TextBox 10">
-            <a:extLst>
-              <a:ext uri="{FF2B5EF4-FFF2-40B4-BE49-F238E27FC236}">
-                <a16:creationId xmlns:a16="http://schemas.microsoft.com/office/drawing/2014/main" id="{4AE39DA7-383B-FE4B-B99F-FBDFE1035E5B}"/>
-              </a:ext>
-            </a:extLst>
-          </p:cNvPr>
-          <p:cNvSpPr txBox="1"/>
-          <p:nvPr/>
-        </p:nvSpPr>
-        <p:spPr>
-          <a:xfrm>
-            <a:off x="3541845" y="1327250"/>
-            <a:ext cx="4665133" cy="830997"/>
-          </a:xfrm>
-          <a:prstGeom prst="rect">
-            <a:avLst/>
-          </a:prstGeom>
-          <a:noFill/>
-        </p:spPr>
-        <p:txBody>
-          <a:bodyPr wrap="square" rtlCol="0">
-            <a:spAutoFit/>
-          </a:bodyPr>
-          <a:lstStyle/>
-          <a:p>
-            <a:r>
-              <a:rPr lang="en-US" sz="2400" dirty="0"/>
-              <a:t>In a Unix/Linux system, any “words” typed are commands</a:t>
-            </a:r>
-          </a:p>
-        </p:txBody>
-      </p:sp>
-      <p:sp>
-        <p:nvSpPr>
-          <p:cNvPr id="12" name="TextBox 11">
-            <a:extLst>
-              <a:ext uri="{FF2B5EF4-FFF2-40B4-BE49-F238E27FC236}">
-                <a16:creationId xmlns:a16="http://schemas.microsoft.com/office/drawing/2014/main" id="{C924DDE7-AE57-7440-92EA-81C100EFD4AD}"/>
-              </a:ext>
-            </a:extLst>
-          </p:cNvPr>
-          <p:cNvSpPr txBox="1"/>
-          <p:nvPr/>
-        </p:nvSpPr>
-        <p:spPr>
-          <a:xfrm>
-            <a:off x="607101" y="2571751"/>
-            <a:ext cx="6434134" cy="461665"/>
-          </a:xfrm>
-          <a:prstGeom prst="rect">
-            <a:avLst/>
-          </a:prstGeom>
-          <a:noFill/>
-        </p:spPr>
-        <p:txBody>
-          <a:bodyPr wrap="none" rtlCol="0">
-            <a:spAutoFit/>
-          </a:bodyPr>
-          <a:lstStyle/>
-          <a:p>
-            <a:r>
-              <a:rPr lang="en-US" sz="2400" dirty="0"/>
-              <a:t>What can we do if we need to type data or codes?</a:t>
-            </a:r>
-          </a:p>
-        </p:txBody>
-      </p:sp>
-      <p:pic>
-        <p:nvPicPr>
-          <p:cNvPr id="16" name="Picture 15" descr="Graphical user interface, text&#10;&#10;Description automatically generated">
-            <a:extLst>
-              <a:ext uri="{FF2B5EF4-FFF2-40B4-BE49-F238E27FC236}">
-                <a16:creationId xmlns:a16="http://schemas.microsoft.com/office/drawing/2014/main" id="{193FD8DE-64A7-F249-8856-9AC6916CE132}"/>
-              </a:ext>
-            </a:extLst>
-          </p:cNvPr>
-          <p:cNvPicPr>
-            <a:picLocks noChangeAspect="1"/>
-          </p:cNvPicPr>
-          <p:nvPr/>
-        </p:nvPicPr>
-        <p:blipFill>
-          <a:blip r:embed="rId3"/>
-          <a:stretch>
-            <a:fillRect/>
-          </a:stretch>
-        </p:blipFill>
-        <p:spPr>
-          <a:xfrm>
-            <a:off x="4787228" y="3100587"/>
-            <a:ext cx="2366671" cy="1596889"/>
-          </a:xfrm>
-          <a:prstGeom prst="rect">
-            <a:avLst/>
-          </a:prstGeom>
-        </p:spPr>
-      </p:pic>
-      <p:sp>
-        <p:nvSpPr>
-          <p:cNvPr id="17" name="TextBox 16">
-            <a:extLst>
-              <a:ext uri="{FF2B5EF4-FFF2-40B4-BE49-F238E27FC236}">
-                <a16:creationId xmlns:a16="http://schemas.microsoft.com/office/drawing/2014/main" id="{6D322C76-CAD8-B745-B728-B7B3BB4B4C27}"/>
-              </a:ext>
-            </a:extLst>
-          </p:cNvPr>
-          <p:cNvSpPr txBox="1"/>
-          <p:nvPr/>
-        </p:nvSpPr>
-        <p:spPr>
-          <a:xfrm>
-            <a:off x="607101" y="4752855"/>
-            <a:ext cx="3742691" cy="369332"/>
-          </a:xfrm>
-          <a:prstGeom prst="rect">
-            <a:avLst/>
-          </a:prstGeom>
-          <a:noFill/>
-        </p:spPr>
-        <p:txBody>
-          <a:bodyPr wrap="none" rtlCol="0">
-            <a:spAutoFit/>
-          </a:bodyPr>
-          <a:lstStyle/>
-          <a:p>
-            <a:r>
-              <a:rPr lang="en-US" i="1" dirty="0"/>
-              <a:t>vi</a:t>
-            </a:r>
-            <a:r>
-              <a:rPr lang="en-US" dirty="0"/>
-              <a:t> is a command to execute a program</a:t>
-            </a:r>
-          </a:p>
-        </p:txBody>
-      </p:sp>
-      <p:pic>
-        <p:nvPicPr>
-          <p:cNvPr id="19" name="Picture 18" descr="Graphical user interface, text, application&#10;&#10;Description automatically generated">
-            <a:extLst>
-              <a:ext uri="{FF2B5EF4-FFF2-40B4-BE49-F238E27FC236}">
-                <a16:creationId xmlns:a16="http://schemas.microsoft.com/office/drawing/2014/main" id="{AF6C25D9-3F02-A946-BA7A-6BA4D8566924}"/>
-              </a:ext>
-            </a:extLst>
-          </p:cNvPr>
-          <p:cNvPicPr>
-            <a:picLocks noChangeAspect="1"/>
-          </p:cNvPicPr>
-          <p:nvPr/>
-        </p:nvPicPr>
-        <p:blipFill>
-          <a:blip r:embed="rId4"/>
-          <a:stretch>
-            <a:fillRect/>
-          </a:stretch>
-        </p:blipFill>
-        <p:spPr>
-          <a:xfrm>
-            <a:off x="943361" y="3100586"/>
-            <a:ext cx="2366671" cy="1596889"/>
-          </a:xfrm>
-          <a:prstGeom prst="rect">
-            <a:avLst/>
-          </a:prstGeom>
-        </p:spPr>
-      </p:pic>
-    </p:spTree>
-    <p:extLst>
-      <p:ext uri="{BB962C8B-B14F-4D97-AF65-F5344CB8AC3E}">
-        <p14:creationId xmlns:p14="http://schemas.microsoft.com/office/powerpoint/2010/main" val="486028964"/>
-      </p:ext>
-    </p:extLst>
-  </p:cSld>
-  <p:clrMapOvr>
-    <a:masterClrMapping/>
-  </p:clrMapOvr>
-</p:sld>
-</file>
-
-<file path=ppt/slides/slide33.xml><?xml version="1.0" encoding="utf-8"?>
-<p:sld xmlns:a="http://schemas.openxmlformats.org/drawingml/2006/main" xmlns:r="http://schemas.openxmlformats.org/officeDocument/2006/relationships" xmlns:p="http://schemas.openxmlformats.org/presentationml/2006/main">
-  <p:cSld>
-    <p:spTree>
-      <p:nvGrpSpPr>
-        <p:cNvPr id="1" name=""/>
-        <p:cNvGrpSpPr/>
-        <p:nvPr/>
-      </p:nvGrpSpPr>
-      <p:grpSpPr>
-        <a:xfrm>
-          <a:off x="0" y="0"/>
-          <a:ext cx="0" cy="0"/>
-          <a:chOff x="0" y="0"/>
-          <a:chExt cx="0" cy="0"/>
-        </a:xfrm>
-      </p:grpSpPr>
-      <p:sp>
-        <p:nvSpPr>
-          <p:cNvPr id="2" name="Title 1"/>
-          <p:cNvSpPr>
-            <a:spLocks noGrp="1"/>
-          </p:cNvSpPr>
-          <p:nvPr>
-            <p:ph type="title"/>
-          </p:nvPr>
-        </p:nvSpPr>
-        <p:spPr>
-          <a:xfrm>
-            <a:off x="457200" y="85062"/>
-            <a:ext cx="8229600" cy="477454"/>
-          </a:xfrm>
-        </p:spPr>
-        <p:txBody>
-          <a:bodyPr>
-            <a:normAutofit fontScale="90000"/>
-          </a:bodyPr>
-          <a:lstStyle/>
-          <a:p>
-            <a:r>
-              <a:rPr lang="en-US" sz="3600" i="1" dirty="0"/>
-              <a:t>vi</a:t>
-            </a:r>
-          </a:p>
-        </p:txBody>
-      </p:sp>
-      <p:sp>
-        <p:nvSpPr>
-          <p:cNvPr id="3" name="Content Placeholder 2"/>
-          <p:cNvSpPr>
-            <a:spLocks noGrp="1"/>
-          </p:cNvSpPr>
-          <p:nvPr>
-            <p:ph idx="1"/>
-          </p:nvPr>
-        </p:nvSpPr>
-        <p:spPr>
-          <a:xfrm>
-            <a:off x="378068" y="662015"/>
-            <a:ext cx="8229600" cy="3357092"/>
-          </a:xfrm>
-        </p:spPr>
-        <p:txBody>
-          <a:bodyPr>
-            <a:normAutofit/>
-          </a:bodyPr>
-          <a:lstStyle/>
-          <a:p>
-            <a:r>
-              <a:rPr lang="en-US" i="1" dirty="0"/>
-              <a:t>vi</a:t>
-            </a:r>
-            <a:r>
-              <a:rPr lang="en-US" dirty="0"/>
-              <a:t> has two modes:</a:t>
-            </a:r>
-          </a:p>
-          <a:p>
-            <a:pPr indent="0">
-              <a:buAutoNum type="arabicPeriod"/>
-            </a:pPr>
-            <a:r>
-              <a:rPr lang="en-US" dirty="0"/>
-              <a:t> insert mode (edit as other text editors)</a:t>
-            </a:r>
-          </a:p>
-          <a:p>
-            <a:pPr indent="0">
-              <a:buAutoNum type="arabicPeriod"/>
-            </a:pPr>
-            <a:r>
-              <a:rPr lang="en-US" dirty="0"/>
-              <a:t> command mode (commands that control the edit session).</a:t>
-            </a:r>
-          </a:p>
-          <a:p>
-            <a:pPr indent="0">
-              <a:buNone/>
-            </a:pPr>
-            <a:r>
-              <a:rPr lang="en-US" dirty="0">
-                <a:solidFill>
-                  <a:srgbClr val="FF0000"/>
-                </a:solidFill>
-              </a:rPr>
-              <a:t>switch modes by using “</a:t>
-            </a:r>
-            <a:r>
-              <a:rPr lang="en-US" dirty="0" err="1">
-                <a:solidFill>
-                  <a:srgbClr val="FF0000"/>
-                </a:solidFill>
-              </a:rPr>
-              <a:t>i</a:t>
-            </a:r>
-            <a:r>
-              <a:rPr lang="en-US" dirty="0">
-                <a:solidFill>
-                  <a:srgbClr val="FF0000"/>
-                </a:solidFill>
-              </a:rPr>
-              <a:t>” and “ESC” key</a:t>
-            </a:r>
-          </a:p>
-          <a:p>
-            <a:pPr marL="0" indent="0">
-              <a:buNone/>
-            </a:pPr>
-            <a:endParaRPr lang="en-US" sz="2800" dirty="0"/>
-          </a:p>
-          <a:p>
-            <a:pPr marL="0" indent="0">
-              <a:buNone/>
-            </a:pPr>
-            <a:r>
-              <a:rPr lang="en-US" sz="2800" dirty="0"/>
-              <a:t>Your keyboard controls</a:t>
-            </a:r>
-          </a:p>
-          <a:p>
-            <a:pPr marL="0" indent="0">
-              <a:buNone/>
-            </a:pPr>
-            <a:r>
-              <a:rPr lang="en-US" sz="2800" dirty="0"/>
-              <a:t>“everything”.</a:t>
-            </a:r>
-          </a:p>
-        </p:txBody>
-      </p:sp>
-      <p:sp>
-        <p:nvSpPr>
-          <p:cNvPr id="4" name="Slide Number Placeholder 3"/>
-          <p:cNvSpPr>
-            <a:spLocks noGrp="1"/>
-          </p:cNvSpPr>
-          <p:nvPr>
-            <p:ph type="sldNum" sz="quarter" idx="12"/>
-          </p:nvPr>
-        </p:nvSpPr>
-        <p:spPr/>
-        <p:txBody>
-          <a:bodyPr/>
-          <a:lstStyle/>
-          <a:p>
-            <a:fld id="{9DA039C4-C5F2-1743-BB7A-5D831266C61E}" type="slidenum">
-              <a:rPr lang="en-US" smtClean="0"/>
-              <a:t>33</a:t>
-            </a:fld>
-            <a:endParaRPr lang="en-US"/>
-          </a:p>
-        </p:txBody>
-      </p:sp>
-      <p:pic>
-        <p:nvPicPr>
-          <p:cNvPr id="6" name="Picture 5" descr="Graphical user interface, application, Word&#10;&#10;Description automatically generated">
-            <a:extLst>
-              <a:ext uri="{FF2B5EF4-FFF2-40B4-BE49-F238E27FC236}">
-                <a16:creationId xmlns:a16="http://schemas.microsoft.com/office/drawing/2014/main" id="{25D2757B-3E5F-FE46-9C85-B9E030CB1DD7}"/>
-              </a:ext>
-            </a:extLst>
-          </p:cNvPr>
-          <p:cNvPicPr>
-            <a:picLocks noChangeAspect="1"/>
-          </p:cNvPicPr>
-          <p:nvPr/>
-        </p:nvPicPr>
-        <p:blipFill>
-          <a:blip r:embed="rId2"/>
-          <a:stretch>
-            <a:fillRect/>
-          </a:stretch>
-        </p:blipFill>
-        <p:spPr>
-          <a:xfrm>
-            <a:off x="4492868" y="2463393"/>
-            <a:ext cx="3821795" cy="2595045"/>
-          </a:xfrm>
-          <a:prstGeom prst="rect">
-            <a:avLst/>
-          </a:prstGeom>
-        </p:spPr>
-      </p:pic>
-    </p:spTree>
-    <p:extLst>
-      <p:ext uri="{BB962C8B-B14F-4D97-AF65-F5344CB8AC3E}">
-        <p14:creationId xmlns:p14="http://schemas.microsoft.com/office/powerpoint/2010/main" val="2038622041"/>
-      </p:ext>
-    </p:extLst>
-  </p:cSld>
-  <p:clrMapOvr>
-    <a:masterClrMapping/>
-  </p:clrMapOvr>
-  <p:timing>
-    <p:tnLst>
-      <p:par>
-        <p:cTn id="1" dur="indefinite" restart="never" nodeType="tmRoot">
-          <p:childTnLst>
-            <p:seq concurrent="1" nextAc="seek">
-              <p:cTn id="2" dur="indefinite" nodeType="mainSeq">
-                <p:childTnLst>
-                  <p:par>
-                    <p:cTn id="3" fill="hold">
-                      <p:stCondLst>
-                        <p:cond delay="indefinite"/>
-                      </p:stCondLst>
-                      <p:childTnLst>
-                        <p:par>
-                          <p:cTn id="4" fill="hold">
-                            <p:stCondLst>
-                              <p:cond delay="0"/>
-                            </p:stCondLst>
-                            <p:childTnLst>
-                              <p:par>
-                                <p:cTn id="5" presetID="1" presetClass="entr" presetSubtype="0" fill="hold" nodeType="clickEffect">
-                                  <p:stCondLst>
-                                    <p:cond delay="0"/>
-                                  </p:stCondLst>
-                                  <p:childTnLst>
-                                    <p:set>
-                                      <p:cBhvr>
-                                        <p:cTn id="6" dur="1" fill="hold">
-                                          <p:stCondLst>
-                                            <p:cond delay="0"/>
-                                          </p:stCondLst>
-                                        </p:cTn>
-                                        <p:tgtEl>
-                                          <p:spTgt spid="6"/>
-                                        </p:tgtEl>
-                                        <p:attrNameLst>
-                                          <p:attrName>style.visibility</p:attrName>
-                                        </p:attrNameLst>
-                                      </p:cBhvr>
-                                      <p:to>
-                                        <p:strVal val="visible"/>
-                                      </p:to>
-                                    </p:set>
-                                  </p:childTnLst>
-                                </p:cTn>
-                              </p:par>
-                            </p:childTnLst>
-                          </p:cTn>
-                        </p:par>
-                      </p:childTnLst>
-                    </p:cTn>
-                  </p:par>
-                </p:childTnLst>
-              </p:cTn>
-              <p:prevCondLst>
-                <p:cond evt="onPrev" delay="0">
-                  <p:tgtEl>
-                    <p:sldTgt/>
-                  </p:tgtEl>
-                </p:cond>
-              </p:prevCondLst>
-              <p:nextCondLst>
-                <p:cond evt="onNext" delay="0">
-                  <p:tgtEl>
-                    <p:sldTgt/>
-                  </p:tgtEl>
-                </p:cond>
-              </p:nextCondLst>
-            </p:seq>
-          </p:childTnLst>
-        </p:cTn>
-      </p:par>
-    </p:tnLst>
-  </p:timing>
-</p:sld>
-</file>
-
-<file path=ppt/slides/slide34.xml><?xml version="1.0" encoding="utf-8"?>
-<p:sld xmlns:a="http://schemas.openxmlformats.org/drawingml/2006/main" xmlns:r="http://schemas.openxmlformats.org/officeDocument/2006/relationships" xmlns:p="http://schemas.openxmlformats.org/presentationml/2006/main">
-  <p:cSld>
-    <p:spTree>
-      <p:nvGrpSpPr>
-        <p:cNvPr id="1" name=""/>
-        <p:cNvGrpSpPr/>
-        <p:nvPr/>
-      </p:nvGrpSpPr>
-      <p:grpSpPr>
-        <a:xfrm>
-          <a:off x="0" y="0"/>
-          <a:ext cx="0" cy="0"/>
-          <a:chOff x="0" y="0"/>
-          <a:chExt cx="0" cy="0"/>
-        </a:xfrm>
-      </p:grpSpPr>
-      <p:sp>
-        <p:nvSpPr>
-          <p:cNvPr id="2" name="Title 1"/>
-          <p:cNvSpPr>
-            <a:spLocks noGrp="1"/>
-          </p:cNvSpPr>
-          <p:nvPr>
-            <p:ph type="title"/>
-          </p:nvPr>
-        </p:nvSpPr>
-        <p:spPr/>
-        <p:txBody>
-          <a:bodyPr>
-            <a:normAutofit fontScale="90000"/>
-          </a:bodyPr>
-          <a:lstStyle/>
-          <a:p>
-            <a:r>
-              <a:rPr lang="en-US" sz="3600" dirty="0"/>
-              <a:t>Actions in command mode</a:t>
-            </a:r>
-          </a:p>
-        </p:txBody>
-      </p:sp>
-      <p:sp>
-        <p:nvSpPr>
-          <p:cNvPr id="4" name="Content Placeholder 3"/>
-          <p:cNvSpPr txBox="1">
-            <a:spLocks noGrp="1"/>
-          </p:cNvSpPr>
-          <p:nvPr>
-            <p:ph idx="1"/>
-          </p:nvPr>
-        </p:nvSpPr>
-        <p:spPr>
-          <a:xfrm>
-            <a:off x="1559426" y="1669631"/>
-            <a:ext cx="5016500" cy="523220"/>
-          </a:xfrm>
-          <a:prstGeom prst="rect">
-            <a:avLst/>
-          </a:prstGeom>
-          <a:noFill/>
-        </p:spPr>
-        <p:txBody>
-          <a:bodyPr wrap="square" rtlCol="0">
-            <a:spAutoFit/>
-          </a:bodyPr>
-          <a:lstStyle/>
-          <a:p>
-            <a:r>
-              <a:rPr lang="en-US" sz="2800" dirty="0"/>
-              <a:t>/&lt;text or regular expression&gt;</a:t>
-            </a:r>
-          </a:p>
-        </p:txBody>
-      </p:sp>
-      <p:sp>
-        <p:nvSpPr>
-          <p:cNvPr id="5" name="TextBox 4"/>
-          <p:cNvSpPr txBox="1"/>
-          <p:nvPr/>
-        </p:nvSpPr>
-        <p:spPr>
-          <a:xfrm>
-            <a:off x="911727" y="1037915"/>
-            <a:ext cx="7775073" cy="523220"/>
-          </a:xfrm>
-          <a:prstGeom prst="rect">
-            <a:avLst/>
-          </a:prstGeom>
-          <a:noFill/>
-        </p:spPr>
-        <p:txBody>
-          <a:bodyPr wrap="square" rtlCol="0">
-            <a:spAutoFit/>
-          </a:bodyPr>
-          <a:lstStyle/>
-          <a:p>
-            <a:r>
-              <a:rPr lang="en-US" sz="2800" b="1" dirty="0">
-                <a:solidFill>
-                  <a:schemeClr val="tx2">
-                    <a:lumMod val="75000"/>
-                  </a:schemeClr>
-                </a:solidFill>
-              </a:rPr>
-              <a:t>Search</a:t>
-            </a:r>
-            <a:r>
-              <a:rPr lang="en-US" sz="2800" dirty="0"/>
-              <a:t>: to search content using “/”</a:t>
-            </a:r>
-          </a:p>
-        </p:txBody>
-      </p:sp>
-      <p:sp>
-        <p:nvSpPr>
-          <p:cNvPr id="3" name="Slide Number Placeholder 2"/>
-          <p:cNvSpPr>
-            <a:spLocks noGrp="1"/>
-          </p:cNvSpPr>
-          <p:nvPr>
-            <p:ph type="sldNum" sz="quarter" idx="12"/>
-          </p:nvPr>
-        </p:nvSpPr>
-        <p:spPr/>
-        <p:txBody>
-          <a:bodyPr/>
-          <a:lstStyle/>
-          <a:p>
-            <a:fld id="{9DA039C4-C5F2-1743-BB7A-5D831266C61E}" type="slidenum">
-              <a:rPr lang="en-US" smtClean="0"/>
-              <a:t>34</a:t>
-            </a:fld>
-            <a:endParaRPr lang="en-US"/>
-          </a:p>
-        </p:txBody>
-      </p:sp>
-      <p:sp>
-        <p:nvSpPr>
-          <p:cNvPr id="6" name="TextBox 5"/>
-          <p:cNvSpPr txBox="1"/>
-          <p:nvPr/>
-        </p:nvSpPr>
-        <p:spPr>
-          <a:xfrm>
-            <a:off x="911727" y="2951381"/>
-            <a:ext cx="7292473" cy="1815882"/>
-          </a:xfrm>
-          <a:prstGeom prst="rect">
-            <a:avLst/>
-          </a:prstGeom>
-          <a:noFill/>
-        </p:spPr>
-        <p:txBody>
-          <a:bodyPr wrap="square" rtlCol="0">
-            <a:spAutoFit/>
-          </a:bodyPr>
-          <a:lstStyle>
-            <a:defPPr>
-              <a:defRPr lang="en-US"/>
-            </a:defPPr>
-            <a:lvl1pPr>
-              <a:defRPr sz="2800" b="1">
-                <a:solidFill>
-                  <a:schemeClr val="tx2">
-                    <a:lumMod val="75000"/>
-                  </a:schemeClr>
-                </a:solidFill>
-              </a:defRPr>
-            </a:lvl1pPr>
-          </a:lstStyle>
-          <a:p>
-            <a:r>
-              <a:rPr lang="en-US" dirty="0"/>
-              <a:t>Delete</a:t>
-            </a:r>
-            <a:r>
-              <a:rPr lang="en-US" b="0" dirty="0">
-                <a:solidFill>
-                  <a:schemeClr val="tx1"/>
-                </a:solidFill>
-              </a:rPr>
-              <a:t> contents for example by lines</a:t>
-            </a:r>
-          </a:p>
-          <a:p>
-            <a:r>
-              <a:rPr lang="en-US" b="0" dirty="0">
-                <a:solidFill>
-                  <a:schemeClr val="tx1"/>
-                </a:solidFill>
-              </a:rPr>
-              <a:t>	</a:t>
-            </a:r>
-          </a:p>
-          <a:p>
-            <a:endParaRPr lang="en-US" b="0" dirty="0">
-              <a:solidFill>
-                <a:schemeClr val="tx1"/>
-              </a:solidFill>
-            </a:endParaRPr>
-          </a:p>
-          <a:p>
-            <a:r>
-              <a:rPr lang="en-US" dirty="0"/>
-              <a:t>Copy</a:t>
-            </a:r>
-            <a:r>
-              <a:rPr lang="en-US" b="0" dirty="0">
-                <a:solidFill>
-                  <a:schemeClr val="tx1"/>
-                </a:solidFill>
-              </a:rPr>
-              <a:t> and </a:t>
-            </a:r>
-            <a:r>
-              <a:rPr lang="en-US" dirty="0"/>
-              <a:t>paste</a:t>
-            </a:r>
-          </a:p>
-        </p:txBody>
-      </p:sp>
-    </p:spTree>
-    <p:extLst>
-      <p:ext uri="{BB962C8B-B14F-4D97-AF65-F5344CB8AC3E}">
-        <p14:creationId xmlns:p14="http://schemas.microsoft.com/office/powerpoint/2010/main" val="2307464103"/>
-      </p:ext>
-    </p:extLst>
-  </p:cSld>
-  <p:clrMapOvr>
-    <a:masterClrMapping/>
-  </p:clrMapOvr>
-</p:sld>
-</file>
-
-<file path=ppt/slides/slide35.xml><?xml version="1.0" encoding="utf-8"?>
-<p:sld xmlns:a="http://schemas.openxmlformats.org/drawingml/2006/main" xmlns:r="http://schemas.openxmlformats.org/officeDocument/2006/relationships" xmlns:p="http://schemas.openxmlformats.org/presentationml/2006/main">
-  <p:cSld>
-    <p:spTree>
-      <p:nvGrpSpPr>
-        <p:cNvPr id="1" name=""/>
-        <p:cNvGrpSpPr/>
-        <p:nvPr/>
-      </p:nvGrpSpPr>
-      <p:grpSpPr>
-        <a:xfrm>
-          <a:off x="0" y="0"/>
-          <a:ext cx="0" cy="0"/>
-          <a:chOff x="0" y="0"/>
-          <a:chExt cx="0" cy="0"/>
-        </a:xfrm>
-      </p:grpSpPr>
-      <p:sp>
-        <p:nvSpPr>
-          <p:cNvPr id="2" name="Title 1">
-            <a:extLst>
-              <a:ext uri="{FF2B5EF4-FFF2-40B4-BE49-F238E27FC236}">
-                <a16:creationId xmlns:a16="http://schemas.microsoft.com/office/drawing/2014/main" id="{24DBCF19-D607-C04F-8853-7273909268DD}"/>
-              </a:ext>
-            </a:extLst>
-          </p:cNvPr>
-          <p:cNvSpPr>
-            <a:spLocks noGrp="1"/>
-          </p:cNvSpPr>
-          <p:nvPr>
-            <p:ph type="title"/>
-          </p:nvPr>
-        </p:nvSpPr>
-        <p:spPr>
-          <a:xfrm>
-            <a:off x="412230" y="81011"/>
-            <a:ext cx="8229600" cy="639762"/>
-          </a:xfrm>
-        </p:spPr>
-        <p:txBody>
-          <a:bodyPr>
-            <a:normAutofit/>
-          </a:bodyPr>
-          <a:lstStyle/>
-          <a:p>
-            <a:r>
-              <a:rPr lang="en-US" sz="3200" dirty="0"/>
-              <a:t>Command list</a:t>
-            </a:r>
-          </a:p>
-        </p:txBody>
-      </p:sp>
-      <p:sp>
-        <p:nvSpPr>
-          <p:cNvPr id="4" name="Slide Number Placeholder 3">
-            <a:extLst>
-              <a:ext uri="{FF2B5EF4-FFF2-40B4-BE49-F238E27FC236}">
-                <a16:creationId xmlns:a16="http://schemas.microsoft.com/office/drawing/2014/main" id="{6AA8FE57-8965-C84F-80D6-1924DF06A17E}"/>
-              </a:ext>
-            </a:extLst>
-          </p:cNvPr>
-          <p:cNvSpPr>
-            <a:spLocks noGrp="1"/>
-          </p:cNvSpPr>
-          <p:nvPr>
-            <p:ph type="sldNum" sz="quarter" idx="12"/>
-          </p:nvPr>
-        </p:nvSpPr>
-        <p:spPr/>
-        <p:txBody>
-          <a:bodyPr/>
-          <a:lstStyle/>
-          <a:p>
-            <a:fld id="{9DA039C4-C5F2-1743-BB7A-5D831266C61E}" type="slidenum">
-              <a:rPr lang="en-US" smtClean="0"/>
-              <a:t>35</a:t>
-            </a:fld>
-            <a:endParaRPr lang="en-US"/>
-          </a:p>
-        </p:txBody>
-      </p:sp>
-      <p:pic>
-        <p:nvPicPr>
-          <p:cNvPr id="6" name="Picture 5" descr="Table&#10;&#10;Description automatically generated">
-            <a:extLst>
-              <a:ext uri="{FF2B5EF4-FFF2-40B4-BE49-F238E27FC236}">
-                <a16:creationId xmlns:a16="http://schemas.microsoft.com/office/drawing/2014/main" id="{06B4A7A2-4624-8C49-B62B-798CBB1A3C19}"/>
-              </a:ext>
-            </a:extLst>
-          </p:cNvPr>
-          <p:cNvPicPr>
-            <a:picLocks noChangeAspect="1"/>
-          </p:cNvPicPr>
-          <p:nvPr/>
-        </p:nvPicPr>
-        <p:blipFill>
-          <a:blip r:embed="rId2"/>
-          <a:stretch>
-            <a:fillRect/>
-          </a:stretch>
-        </p:blipFill>
-        <p:spPr>
-          <a:xfrm>
-            <a:off x="566719" y="796705"/>
-            <a:ext cx="4005281" cy="4244402"/>
-          </a:xfrm>
-          <a:prstGeom prst="rect">
-            <a:avLst/>
-          </a:prstGeom>
-        </p:spPr>
-      </p:pic>
-      <p:pic>
-        <p:nvPicPr>
-          <p:cNvPr id="10" name="Picture 9" descr="Text&#10;&#10;Description automatically generated with medium confidence">
-            <a:extLst>
-              <a:ext uri="{FF2B5EF4-FFF2-40B4-BE49-F238E27FC236}">
-                <a16:creationId xmlns:a16="http://schemas.microsoft.com/office/drawing/2014/main" id="{633B5C3F-6D4D-D242-9ED9-B9639AD8C3DC}"/>
-              </a:ext>
-            </a:extLst>
-          </p:cNvPr>
-          <p:cNvPicPr>
-            <a:picLocks noChangeAspect="1"/>
-          </p:cNvPicPr>
-          <p:nvPr/>
-        </p:nvPicPr>
-        <p:blipFill>
-          <a:blip r:embed="rId3"/>
-          <a:stretch>
-            <a:fillRect/>
-          </a:stretch>
-        </p:blipFill>
-        <p:spPr>
-          <a:xfrm>
-            <a:off x="5211781" y="1548261"/>
-            <a:ext cx="3365500" cy="2197100"/>
-          </a:xfrm>
-          <a:prstGeom prst="rect">
-            <a:avLst/>
-          </a:prstGeom>
-        </p:spPr>
-      </p:pic>
-      <p:sp>
-        <p:nvSpPr>
-          <p:cNvPr id="11" name="TextBox 10">
-            <a:extLst>
-              <a:ext uri="{FF2B5EF4-FFF2-40B4-BE49-F238E27FC236}">
-                <a16:creationId xmlns:a16="http://schemas.microsoft.com/office/drawing/2014/main" id="{F1AC8F2E-745C-D64C-B3A5-C46E95520779}"/>
-              </a:ext>
-            </a:extLst>
-          </p:cNvPr>
-          <p:cNvSpPr txBox="1"/>
-          <p:nvPr/>
-        </p:nvSpPr>
-        <p:spPr>
-          <a:xfrm>
-            <a:off x="5211780" y="1023640"/>
-            <a:ext cx="2533187" cy="461665"/>
-          </a:xfrm>
-          <a:prstGeom prst="rect">
-            <a:avLst/>
-          </a:prstGeom>
-          <a:noFill/>
-        </p:spPr>
-        <p:txBody>
-          <a:bodyPr wrap="square" rtlCol="0">
-            <a:spAutoFit/>
-          </a:bodyPr>
-          <a:lstStyle/>
-          <a:p>
-            <a:r>
-              <a:rPr lang="en-US" sz="2400" dirty="0"/>
-              <a:t>exit commands</a:t>
-            </a:r>
-          </a:p>
-        </p:txBody>
-      </p:sp>
-      <p:cxnSp>
-        <p:nvCxnSpPr>
-          <p:cNvPr id="15" name="Straight Connector 14">
-            <a:extLst>
-              <a:ext uri="{FF2B5EF4-FFF2-40B4-BE49-F238E27FC236}">
-                <a16:creationId xmlns:a16="http://schemas.microsoft.com/office/drawing/2014/main" id="{10AB2EF8-A1E7-974E-91AF-C9988FC6F96B}"/>
-              </a:ext>
-            </a:extLst>
-          </p:cNvPr>
-          <p:cNvCxnSpPr>
-            <a:cxnSpLocks/>
-          </p:cNvCxnSpPr>
-          <p:nvPr/>
-        </p:nvCxnSpPr>
-        <p:spPr>
-          <a:xfrm>
-            <a:off x="5211781" y="2110913"/>
-            <a:ext cx="3365500" cy="0"/>
-          </a:xfrm>
-          <a:prstGeom prst="line">
-            <a:avLst/>
-          </a:prstGeom>
-          <a:ln>
-            <a:solidFill>
-              <a:srgbClr val="FF0000"/>
-            </a:solidFill>
-          </a:ln>
-        </p:spPr>
-        <p:style>
-          <a:lnRef idx="2">
-            <a:schemeClr val="accent1"/>
-          </a:lnRef>
-          <a:fillRef idx="0">
-            <a:schemeClr val="accent1"/>
-          </a:fillRef>
-          <a:effectRef idx="1">
-            <a:schemeClr val="accent1"/>
-          </a:effectRef>
-          <a:fontRef idx="minor">
-            <a:schemeClr val="tx1"/>
-          </a:fontRef>
-        </p:style>
-      </p:cxnSp>
-      <p:cxnSp>
-        <p:nvCxnSpPr>
-          <p:cNvPr id="17" name="Straight Connector 16">
-            <a:extLst>
-              <a:ext uri="{FF2B5EF4-FFF2-40B4-BE49-F238E27FC236}">
-                <a16:creationId xmlns:a16="http://schemas.microsoft.com/office/drawing/2014/main" id="{36B122BA-1128-6E44-97D4-384046844C9E}"/>
-              </a:ext>
-            </a:extLst>
-          </p:cNvPr>
-          <p:cNvCxnSpPr>
-            <a:cxnSpLocks/>
-          </p:cNvCxnSpPr>
-          <p:nvPr/>
-        </p:nvCxnSpPr>
-        <p:spPr>
-          <a:xfrm>
-            <a:off x="5211781" y="3125247"/>
-            <a:ext cx="2624216" cy="0"/>
-          </a:xfrm>
-          <a:prstGeom prst="line">
-            <a:avLst/>
-          </a:prstGeom>
-          <a:ln>
-            <a:solidFill>
-              <a:srgbClr val="FF0000"/>
-            </a:solidFill>
-          </a:ln>
-        </p:spPr>
-        <p:style>
-          <a:lnRef idx="2">
-            <a:schemeClr val="accent1"/>
-          </a:lnRef>
-          <a:fillRef idx="0">
-            <a:schemeClr val="accent1"/>
-          </a:fillRef>
-          <a:effectRef idx="1">
-            <a:schemeClr val="accent1"/>
-          </a:effectRef>
-          <a:fontRef idx="minor">
-            <a:schemeClr val="tx1"/>
-          </a:fontRef>
-        </p:style>
-      </p:cxnSp>
-      <p:sp>
-        <p:nvSpPr>
-          <p:cNvPr id="3" name="Rectangle 2">
-            <a:extLst>
-              <a:ext uri="{FF2B5EF4-FFF2-40B4-BE49-F238E27FC236}">
-                <a16:creationId xmlns:a16="http://schemas.microsoft.com/office/drawing/2014/main" id="{90D523B6-CAD7-8440-BEAC-5E709FC40BD5}"/>
-              </a:ext>
-            </a:extLst>
-          </p:cNvPr>
-          <p:cNvSpPr/>
-          <p:nvPr/>
-        </p:nvSpPr>
-        <p:spPr>
-          <a:xfrm>
-            <a:off x="5791536" y="3900650"/>
-            <a:ext cx="2205989" cy="338554"/>
-          </a:xfrm>
-          <a:prstGeom prst="rect">
-            <a:avLst/>
-          </a:prstGeom>
-        </p:spPr>
-        <p:txBody>
-          <a:bodyPr wrap="none">
-            <a:spAutoFit/>
-          </a:bodyPr>
-          <a:lstStyle/>
-          <a:p>
-            <a:r>
-              <a:rPr lang="en-US" sz="1600" dirty="0">
-                <a:hlinkClick r:id="rId4"/>
-              </a:rPr>
-              <a:t>https://kb.iu.edu/d/afdc</a:t>
-            </a:r>
-            <a:endParaRPr lang="en-US" sz="1600" dirty="0"/>
-          </a:p>
-        </p:txBody>
-      </p:sp>
-    </p:spTree>
-    <p:extLst>
-      <p:ext uri="{BB962C8B-B14F-4D97-AF65-F5344CB8AC3E}">
-        <p14:creationId xmlns:p14="http://schemas.microsoft.com/office/powerpoint/2010/main" val="1349809776"/>
-      </p:ext>
-    </p:extLst>
-  </p:cSld>
-  <p:clrMapOvr>
-    <a:masterClrMapping/>
-  </p:clrMapOvr>
-</p:sld>
-</file>
-
-<file path=ppt/slides/slide4.xml><?xml version="1.0" encoding="utf-8"?>
-<p:sld xmlns:a="http://schemas.openxmlformats.org/drawingml/2006/main" xmlns:r="http://schemas.openxmlformats.org/officeDocument/2006/relationships" xmlns:p="http://schemas.openxmlformats.org/presentationml/2006/main">
-  <p:cSld>
-    <p:spTree>
-      <p:nvGrpSpPr>
-        <p:cNvPr id="1" name=""/>
-        <p:cNvGrpSpPr/>
-        <p:nvPr/>
-      </p:nvGrpSpPr>
-      <p:grpSpPr>
-        <a:xfrm>
-          <a:off x="0" y="0"/>
-          <a:ext cx="0" cy="0"/>
-          <a:chOff x="0" y="0"/>
-          <a:chExt cx="0" cy="0"/>
-        </a:xfrm>
-      </p:grpSpPr>
-      <p:sp>
-        <p:nvSpPr>
-          <p:cNvPr id="2" name="Title 1"/>
-          <p:cNvSpPr>
-            <a:spLocks noGrp="1"/>
-          </p:cNvSpPr>
-          <p:nvPr>
-            <p:ph type="title"/>
-          </p:nvPr>
-        </p:nvSpPr>
         <p:spPr>
           <a:xfrm>
             <a:off x="457200" y="245819"/>
@@ -19116,7 +17524,7 @@
           <a:p>
             <a:fld id="{9DA039C4-C5F2-1743-BB7A-5D831266C61E}" type="slidenum">
               <a:rPr lang="en-US" smtClean="0"/>
-              <a:t>4</a:t>
+              <a:t>3</a:t>
             </a:fld>
             <a:endParaRPr lang="en-US"/>
           </a:p>
@@ -19313,6 +17721,1937 @@
 </p:sld>
 </file>
 
+<file path=ppt/slides/slide30.xml><?xml version="1.0" encoding="utf-8"?>
+<p:sld xmlns:a="http://schemas.openxmlformats.org/drawingml/2006/main" xmlns:r="http://schemas.openxmlformats.org/officeDocument/2006/relationships" xmlns:p="http://schemas.openxmlformats.org/presentationml/2006/main">
+  <p:cSld>
+    <p:spTree>
+      <p:nvGrpSpPr>
+        <p:cNvPr id="1" name=""/>
+        <p:cNvGrpSpPr/>
+        <p:nvPr/>
+      </p:nvGrpSpPr>
+      <p:grpSpPr>
+        <a:xfrm>
+          <a:off x="0" y="0"/>
+          <a:ext cx="0" cy="0"/>
+          <a:chOff x="0" y="0"/>
+          <a:chExt cx="0" cy="0"/>
+        </a:xfrm>
+      </p:grpSpPr>
+      <p:sp>
+        <p:nvSpPr>
+          <p:cNvPr id="2" name="Title 1"/>
+          <p:cNvSpPr>
+            <a:spLocks noGrp="1"/>
+          </p:cNvSpPr>
+          <p:nvPr>
+            <p:ph type="title"/>
+          </p:nvPr>
+        </p:nvSpPr>
+        <p:spPr/>
+        <p:txBody>
+          <a:bodyPr>
+            <a:normAutofit fontScale="90000"/>
+          </a:bodyPr>
+          <a:lstStyle/>
+          <a:p>
+            <a:r>
+              <a:rPr lang="en-US" sz="3600" dirty="0"/>
+              <a:t>Regular expression</a:t>
+            </a:r>
+          </a:p>
+        </p:txBody>
+      </p:sp>
+      <p:sp>
+        <p:nvSpPr>
+          <p:cNvPr id="3" name="Content Placeholder 2"/>
+          <p:cNvSpPr>
+            <a:spLocks noGrp="1"/>
+          </p:cNvSpPr>
+          <p:nvPr>
+            <p:ph idx="1"/>
+          </p:nvPr>
+        </p:nvSpPr>
+        <p:spPr>
+          <a:xfrm>
+            <a:off x="457200" y="959427"/>
+            <a:ext cx="8229600" cy="2082224"/>
+          </a:xfrm>
+        </p:spPr>
+        <p:txBody>
+          <a:bodyPr/>
+          <a:lstStyle/>
+          <a:p>
+            <a:r>
+              <a:rPr lang="en-US" dirty="0"/>
+              <a:t>Regular expression is for pattern searches</a:t>
+            </a:r>
+          </a:p>
+          <a:p>
+            <a:r>
+              <a:rPr lang="en-US" dirty="0"/>
+              <a:t>It is commonly employed in programming languages</a:t>
+            </a:r>
+          </a:p>
+          <a:p>
+            <a:r>
+              <a:rPr lang="en-US" dirty="0"/>
+              <a:t>The rules vary depending on the specific implementation (or programming languages or versions) in use.</a:t>
+            </a:r>
+          </a:p>
+        </p:txBody>
+      </p:sp>
+      <p:sp>
+        <p:nvSpPr>
+          <p:cNvPr id="4" name="Slide Number Placeholder 3"/>
+          <p:cNvSpPr>
+            <a:spLocks noGrp="1"/>
+          </p:cNvSpPr>
+          <p:nvPr>
+            <p:ph type="sldNum" sz="quarter" idx="12"/>
+          </p:nvPr>
+        </p:nvSpPr>
+        <p:spPr/>
+        <p:txBody>
+          <a:bodyPr/>
+          <a:lstStyle/>
+          <a:p>
+            <a:fld id="{9DA039C4-C5F2-1743-BB7A-5D831266C61E}" type="slidenum">
+              <a:rPr lang="en-US" smtClean="0"/>
+              <a:t>30</a:t>
+            </a:fld>
+            <a:endParaRPr lang="en-US"/>
+          </a:p>
+        </p:txBody>
+      </p:sp>
+      <p:sp>
+        <p:nvSpPr>
+          <p:cNvPr id="5" name="TextBox 4"/>
+          <p:cNvSpPr txBox="1"/>
+          <p:nvPr/>
+        </p:nvSpPr>
+        <p:spPr>
+          <a:xfrm>
+            <a:off x="698501" y="3041651"/>
+            <a:ext cx="6945381" cy="461665"/>
+          </a:xfrm>
+          <a:prstGeom prst="rect">
+            <a:avLst/>
+          </a:prstGeom>
+          <a:noFill/>
+        </p:spPr>
+        <p:txBody>
+          <a:bodyPr wrap="none" rtlCol="0">
+            <a:spAutoFit/>
+          </a:bodyPr>
+          <a:lstStyle/>
+          <a:p>
+            <a:r>
+              <a:rPr lang="en-US" sz="2400" dirty="0">
+                <a:hlinkClick r:id="rId2"/>
+              </a:rPr>
+              <a:t>Does Google provide search with regular expressions?</a:t>
+            </a:r>
+            <a:endParaRPr lang="en-US" sz="2400" dirty="0"/>
+          </a:p>
+        </p:txBody>
+      </p:sp>
+      <p:sp>
+        <p:nvSpPr>
+          <p:cNvPr id="6" name="Rectangle 5"/>
+          <p:cNvSpPr/>
+          <p:nvPr/>
+        </p:nvSpPr>
+        <p:spPr>
+          <a:xfrm>
+            <a:off x="795116" y="3922463"/>
+            <a:ext cx="3660552" cy="523220"/>
+          </a:xfrm>
+          <a:prstGeom prst="rect">
+            <a:avLst/>
+          </a:prstGeom>
+        </p:spPr>
+        <p:txBody>
+          <a:bodyPr wrap="none">
+            <a:spAutoFit/>
+          </a:bodyPr>
+          <a:lstStyle/>
+          <a:p>
+            <a:r>
+              <a:rPr lang="en-US" sz="2800" dirty="0"/>
+              <a:t>"genome * sequencing"</a:t>
+            </a:r>
+          </a:p>
+        </p:txBody>
+      </p:sp>
+      <p:pic>
+        <p:nvPicPr>
+          <p:cNvPr id="8" name="Picture 7" descr="A close-up of a list of dna&#10;&#10;AI-generated content may be incorrect.">
+            <a:extLst>
+              <a:ext uri="{FF2B5EF4-FFF2-40B4-BE49-F238E27FC236}">
+                <a16:creationId xmlns:a16="http://schemas.microsoft.com/office/drawing/2014/main" id="{CDFE7266-9D04-43C6-F94A-3B4F4B30C4A5}"/>
+              </a:ext>
+            </a:extLst>
+          </p:cNvPr>
+          <p:cNvPicPr>
+            <a:picLocks noChangeAspect="1"/>
+          </p:cNvPicPr>
+          <p:nvPr/>
+        </p:nvPicPr>
+        <p:blipFill>
+          <a:blip r:embed="rId3"/>
+          <a:stretch>
+            <a:fillRect/>
+          </a:stretch>
+        </p:blipFill>
+        <p:spPr>
+          <a:xfrm>
+            <a:off x="4688334" y="3772407"/>
+            <a:ext cx="4231132" cy="972982"/>
+          </a:xfrm>
+          <a:prstGeom prst="rect">
+            <a:avLst/>
+          </a:prstGeom>
+        </p:spPr>
+      </p:pic>
+    </p:spTree>
+    <p:extLst>
+      <p:ext uri="{BB962C8B-B14F-4D97-AF65-F5344CB8AC3E}">
+        <p14:creationId xmlns:p14="http://schemas.microsoft.com/office/powerpoint/2010/main" val="1841321278"/>
+      </p:ext>
+    </p:extLst>
+  </p:cSld>
+  <p:clrMapOvr>
+    <a:masterClrMapping/>
+  </p:clrMapOvr>
+  <p:timing>
+    <p:tnLst>
+      <p:par>
+        <p:cTn id="1" dur="indefinite" restart="never" nodeType="tmRoot">
+          <p:childTnLst>
+            <p:seq concurrent="1" nextAc="seek">
+              <p:cTn id="2" dur="indefinite" nodeType="mainSeq">
+                <p:childTnLst>
+                  <p:par>
+                    <p:cTn id="3" fill="hold">
+                      <p:stCondLst>
+                        <p:cond delay="indefinite"/>
+                      </p:stCondLst>
+                      <p:childTnLst>
+                        <p:par>
+                          <p:cTn id="4" fill="hold">
+                            <p:stCondLst>
+                              <p:cond delay="0"/>
+                            </p:stCondLst>
+                            <p:childTnLst>
+                              <p:par>
+                                <p:cTn id="5" presetID="1" presetClass="entr" presetSubtype="0" fill="hold" nodeType="clickEffect">
+                                  <p:stCondLst>
+                                    <p:cond delay="0"/>
+                                  </p:stCondLst>
+                                  <p:childTnLst>
+                                    <p:set>
+                                      <p:cBhvr>
+                                        <p:cTn id="6" dur="1" fill="hold">
+                                          <p:stCondLst>
+                                            <p:cond delay="0"/>
+                                          </p:stCondLst>
+                                        </p:cTn>
+                                        <p:tgtEl>
+                                          <p:spTgt spid="8"/>
+                                        </p:tgtEl>
+                                        <p:attrNameLst>
+                                          <p:attrName>style.visibility</p:attrName>
+                                        </p:attrNameLst>
+                                      </p:cBhvr>
+                                      <p:to>
+                                        <p:strVal val="visible"/>
+                                      </p:to>
+                                    </p:set>
+                                  </p:childTnLst>
+                                </p:cTn>
+                              </p:par>
+                            </p:childTnLst>
+                          </p:cTn>
+                        </p:par>
+                      </p:childTnLst>
+                    </p:cTn>
+                  </p:par>
+                </p:childTnLst>
+              </p:cTn>
+              <p:prevCondLst>
+                <p:cond evt="onPrev" delay="0">
+                  <p:tgtEl>
+                    <p:sldTgt/>
+                  </p:tgtEl>
+                </p:cond>
+              </p:prevCondLst>
+              <p:nextCondLst>
+                <p:cond evt="onNext" delay="0">
+                  <p:tgtEl>
+                    <p:sldTgt/>
+                  </p:tgtEl>
+                </p:cond>
+              </p:nextCondLst>
+            </p:seq>
+          </p:childTnLst>
+        </p:cTn>
+      </p:par>
+    </p:tnLst>
+  </p:timing>
+</p:sld>
+</file>
+
+<file path=ppt/slides/slide31.xml><?xml version="1.0" encoding="utf-8"?>
+<p:sld xmlns:a="http://schemas.openxmlformats.org/drawingml/2006/main" xmlns:r="http://schemas.openxmlformats.org/officeDocument/2006/relationships" xmlns:p="http://schemas.openxmlformats.org/presentationml/2006/main">
+  <p:cSld>
+    <p:spTree>
+      <p:nvGrpSpPr>
+        <p:cNvPr id="1" name=""/>
+        <p:cNvGrpSpPr/>
+        <p:nvPr/>
+      </p:nvGrpSpPr>
+      <p:grpSpPr>
+        <a:xfrm>
+          <a:off x="0" y="0"/>
+          <a:ext cx="0" cy="0"/>
+          <a:chOff x="0" y="0"/>
+          <a:chExt cx="0" cy="0"/>
+        </a:xfrm>
+      </p:grpSpPr>
+      <p:sp>
+        <p:nvSpPr>
+          <p:cNvPr id="4" name="Title 3"/>
+          <p:cNvSpPr>
+            <a:spLocks noGrp="1"/>
+          </p:cNvSpPr>
+          <p:nvPr>
+            <p:ph type="title"/>
+          </p:nvPr>
+        </p:nvSpPr>
+        <p:spPr/>
+        <p:txBody>
+          <a:bodyPr/>
+          <a:lstStyle/>
+          <a:p>
+            <a:r>
+              <a:rPr lang="en-US" dirty="0"/>
+              <a:t>Outline</a:t>
+            </a:r>
+          </a:p>
+        </p:txBody>
+      </p:sp>
+      <p:sp>
+        <p:nvSpPr>
+          <p:cNvPr id="5" name="Content Placeholder 4"/>
+          <p:cNvSpPr>
+            <a:spLocks noGrp="1"/>
+          </p:cNvSpPr>
+          <p:nvPr>
+            <p:ph idx="1"/>
+          </p:nvPr>
+        </p:nvSpPr>
+        <p:spPr>
+          <a:xfrm>
+            <a:off x="1713718" y="1061055"/>
+            <a:ext cx="5944382" cy="2925674"/>
+          </a:xfrm>
+        </p:spPr>
+        <p:txBody>
+          <a:bodyPr>
+            <a:normAutofit/>
+          </a:bodyPr>
+          <a:lstStyle/>
+          <a:p>
+            <a:pPr>
+              <a:lnSpc>
+                <a:spcPct val="150000"/>
+              </a:lnSpc>
+            </a:pPr>
+            <a:r>
+              <a:rPr lang="en-US" sz="2100" dirty="0">
+                <a:solidFill>
+                  <a:schemeClr val="bg1">
+                    <a:lumMod val="85000"/>
+                  </a:schemeClr>
+                </a:solidFill>
+              </a:rPr>
+              <a:t>Formats of text data files</a:t>
+            </a:r>
+          </a:p>
+          <a:p>
+            <a:pPr>
+              <a:lnSpc>
+                <a:spcPct val="150000"/>
+              </a:lnSpc>
+            </a:pPr>
+            <a:r>
+              <a:rPr lang="en-US" sz="2100" dirty="0">
+                <a:solidFill>
+                  <a:schemeClr val="bg1">
+                    <a:lumMod val="85000"/>
+                  </a:schemeClr>
+                </a:solidFill>
+              </a:rPr>
+              <a:t>Excel to generate a text file and tips in Excel</a:t>
+            </a:r>
+          </a:p>
+          <a:p>
+            <a:pPr>
+              <a:lnSpc>
+                <a:spcPct val="150000"/>
+              </a:lnSpc>
+            </a:pPr>
+            <a:r>
+              <a:rPr lang="en-US" sz="2100" dirty="0">
+                <a:solidFill>
+                  <a:schemeClr val="bg1">
+                    <a:lumMod val="85000"/>
+                  </a:schemeClr>
+                </a:solidFill>
+              </a:rPr>
+              <a:t>BBEdit (Mac) Notepad++ (PC):</a:t>
+            </a:r>
+            <a:r>
+              <a:rPr lang="en-US" sz="2100" i="1" dirty="0">
+                <a:solidFill>
+                  <a:schemeClr val="bg1">
+                    <a:lumMod val="85000"/>
+                  </a:schemeClr>
+                </a:solidFill>
+              </a:rPr>
+              <a:t> </a:t>
+            </a:r>
+            <a:r>
+              <a:rPr lang="en-US" sz="2100" dirty="0">
+                <a:solidFill>
+                  <a:schemeClr val="bg1">
+                    <a:lumMod val="85000"/>
+                  </a:schemeClr>
+                </a:solidFill>
+              </a:rPr>
+              <a:t>text editor</a:t>
+            </a:r>
+          </a:p>
+          <a:p>
+            <a:pPr>
+              <a:lnSpc>
+                <a:spcPct val="150000"/>
+              </a:lnSpc>
+            </a:pPr>
+            <a:r>
+              <a:rPr lang="en-US" sz="2100" dirty="0">
+                <a:solidFill>
+                  <a:schemeClr val="bg1">
+                    <a:lumMod val="85000"/>
+                  </a:schemeClr>
+                </a:solidFill>
+              </a:rPr>
+              <a:t>Regular expression</a:t>
+            </a:r>
+          </a:p>
+          <a:p>
+            <a:pPr>
+              <a:lnSpc>
+                <a:spcPct val="150000"/>
+              </a:lnSpc>
+            </a:pPr>
+            <a:r>
+              <a:rPr lang="en-US" sz="2100" i="1" dirty="0"/>
+              <a:t>vi</a:t>
+            </a:r>
+            <a:r>
+              <a:rPr lang="en-US" sz="2100" dirty="0"/>
+              <a:t>:</a:t>
+            </a:r>
+            <a:r>
+              <a:rPr lang="en-US" sz="2100" i="1" dirty="0"/>
+              <a:t> </a:t>
+            </a:r>
+            <a:r>
+              <a:rPr lang="en-US" sz="2100" dirty="0"/>
+              <a:t>another text editor</a:t>
+            </a:r>
+          </a:p>
+        </p:txBody>
+      </p:sp>
+      <p:sp>
+        <p:nvSpPr>
+          <p:cNvPr id="3" name="Slide Number Placeholder 2"/>
+          <p:cNvSpPr>
+            <a:spLocks noGrp="1"/>
+          </p:cNvSpPr>
+          <p:nvPr>
+            <p:ph type="sldNum" sz="quarter" idx="12"/>
+          </p:nvPr>
+        </p:nvSpPr>
+        <p:spPr/>
+        <p:txBody>
+          <a:bodyPr/>
+          <a:lstStyle/>
+          <a:p>
+            <a:fld id="{9DA039C4-C5F2-1743-BB7A-5D831266C61E}" type="slidenum">
+              <a:rPr lang="en-US" smtClean="0"/>
+              <a:t>31</a:t>
+            </a:fld>
+            <a:endParaRPr lang="en-US"/>
+          </a:p>
+        </p:txBody>
+      </p:sp>
+    </p:spTree>
+    <p:extLst>
+      <p:ext uri="{BB962C8B-B14F-4D97-AF65-F5344CB8AC3E}">
+        <p14:creationId xmlns:p14="http://schemas.microsoft.com/office/powerpoint/2010/main" val="1155954608"/>
+      </p:ext>
+    </p:extLst>
+  </p:cSld>
+  <p:clrMapOvr>
+    <a:masterClrMapping/>
+  </p:clrMapOvr>
+</p:sld>
+</file>
+
+<file path=ppt/slides/slide32.xml><?xml version="1.0" encoding="utf-8"?>
+<p:sld xmlns:a="http://schemas.openxmlformats.org/drawingml/2006/main" xmlns:r="http://schemas.openxmlformats.org/officeDocument/2006/relationships" xmlns:p="http://schemas.openxmlformats.org/presentationml/2006/main">
+  <p:cSld>
+    <p:spTree>
+      <p:nvGrpSpPr>
+        <p:cNvPr id="1" name=""/>
+        <p:cNvGrpSpPr/>
+        <p:nvPr/>
+      </p:nvGrpSpPr>
+      <p:grpSpPr>
+        <a:xfrm>
+          <a:off x="0" y="0"/>
+          <a:ext cx="0" cy="0"/>
+          <a:chOff x="0" y="0"/>
+          <a:chExt cx="0" cy="0"/>
+        </a:xfrm>
+      </p:grpSpPr>
+      <p:sp>
+        <p:nvSpPr>
+          <p:cNvPr id="2" name="Title 1">
+            <a:extLst>
+              <a:ext uri="{FF2B5EF4-FFF2-40B4-BE49-F238E27FC236}">
+                <a16:creationId xmlns:a16="http://schemas.microsoft.com/office/drawing/2014/main" id="{4A00C4F5-3FD9-0C4D-BE25-CB0041D5055E}"/>
+              </a:ext>
+            </a:extLst>
+          </p:cNvPr>
+          <p:cNvSpPr>
+            <a:spLocks noGrp="1"/>
+          </p:cNvSpPr>
+          <p:nvPr>
+            <p:ph type="title"/>
+          </p:nvPr>
+        </p:nvSpPr>
+        <p:spPr/>
+        <p:txBody>
+          <a:bodyPr>
+            <a:normAutofit fontScale="90000"/>
+          </a:bodyPr>
+          <a:lstStyle/>
+          <a:p>
+            <a:r>
+              <a:rPr lang="en-US" i="1" dirty="0"/>
+              <a:t>vi</a:t>
+            </a:r>
+            <a:r>
+              <a:rPr lang="en-US" dirty="0"/>
+              <a:t> is a text editor created for the Unix operating system.</a:t>
+            </a:r>
+            <a:br>
+              <a:rPr lang="en-US" dirty="0"/>
+            </a:br>
+            <a:r>
+              <a:rPr lang="en-US" dirty="0"/>
+              <a:t> - fast and powerful</a:t>
+            </a:r>
+          </a:p>
+        </p:txBody>
+      </p:sp>
+      <p:sp>
+        <p:nvSpPr>
+          <p:cNvPr id="4" name="Slide Number Placeholder 3">
+            <a:extLst>
+              <a:ext uri="{FF2B5EF4-FFF2-40B4-BE49-F238E27FC236}">
+                <a16:creationId xmlns:a16="http://schemas.microsoft.com/office/drawing/2014/main" id="{10D77141-49E6-AC41-9D3D-86BFDC1A37CF}"/>
+              </a:ext>
+            </a:extLst>
+          </p:cNvPr>
+          <p:cNvSpPr>
+            <a:spLocks noGrp="1"/>
+          </p:cNvSpPr>
+          <p:nvPr>
+            <p:ph type="sldNum" sz="quarter" idx="12"/>
+          </p:nvPr>
+        </p:nvSpPr>
+        <p:spPr/>
+        <p:txBody>
+          <a:bodyPr/>
+          <a:lstStyle/>
+          <a:p>
+            <a:fld id="{9DA039C4-C5F2-1743-BB7A-5D831266C61E}" type="slidenum">
+              <a:rPr lang="en-US" smtClean="0"/>
+              <a:t>32</a:t>
+            </a:fld>
+            <a:endParaRPr lang="en-US"/>
+          </a:p>
+        </p:txBody>
+      </p:sp>
+      <p:pic>
+        <p:nvPicPr>
+          <p:cNvPr id="10" name="Picture 9" descr="Text&#10;&#10;Description automatically generated">
+            <a:extLst>
+              <a:ext uri="{FF2B5EF4-FFF2-40B4-BE49-F238E27FC236}">
+                <a16:creationId xmlns:a16="http://schemas.microsoft.com/office/drawing/2014/main" id="{44D11438-A89E-134C-BC73-2AAFB0249B07}"/>
+              </a:ext>
+            </a:extLst>
+          </p:cNvPr>
+          <p:cNvPicPr>
+            <a:picLocks noChangeAspect="1"/>
+          </p:cNvPicPr>
+          <p:nvPr/>
+        </p:nvPicPr>
+        <p:blipFill>
+          <a:blip r:embed="rId2"/>
+          <a:stretch>
+            <a:fillRect/>
+          </a:stretch>
+        </p:blipFill>
+        <p:spPr>
+          <a:xfrm>
+            <a:off x="937022" y="987639"/>
+            <a:ext cx="2331485" cy="1584110"/>
+          </a:xfrm>
+          <a:prstGeom prst="rect">
+            <a:avLst/>
+          </a:prstGeom>
+        </p:spPr>
+      </p:pic>
+      <p:sp>
+        <p:nvSpPr>
+          <p:cNvPr id="11" name="TextBox 10">
+            <a:extLst>
+              <a:ext uri="{FF2B5EF4-FFF2-40B4-BE49-F238E27FC236}">
+                <a16:creationId xmlns:a16="http://schemas.microsoft.com/office/drawing/2014/main" id="{4AE39DA7-383B-FE4B-B99F-FBDFE1035E5B}"/>
+              </a:ext>
+            </a:extLst>
+          </p:cNvPr>
+          <p:cNvSpPr txBox="1"/>
+          <p:nvPr/>
+        </p:nvSpPr>
+        <p:spPr>
+          <a:xfrm>
+            <a:off x="3541845" y="1327250"/>
+            <a:ext cx="4665133" cy="830997"/>
+          </a:xfrm>
+          <a:prstGeom prst="rect">
+            <a:avLst/>
+          </a:prstGeom>
+          <a:noFill/>
+        </p:spPr>
+        <p:txBody>
+          <a:bodyPr wrap="square" rtlCol="0">
+            <a:spAutoFit/>
+          </a:bodyPr>
+          <a:lstStyle/>
+          <a:p>
+            <a:r>
+              <a:rPr lang="en-US" sz="2400" dirty="0"/>
+              <a:t>In a Unix/Linux system, any “words” typed are commands</a:t>
+            </a:r>
+          </a:p>
+        </p:txBody>
+      </p:sp>
+      <p:sp>
+        <p:nvSpPr>
+          <p:cNvPr id="12" name="TextBox 11">
+            <a:extLst>
+              <a:ext uri="{FF2B5EF4-FFF2-40B4-BE49-F238E27FC236}">
+                <a16:creationId xmlns:a16="http://schemas.microsoft.com/office/drawing/2014/main" id="{C924DDE7-AE57-7440-92EA-81C100EFD4AD}"/>
+              </a:ext>
+            </a:extLst>
+          </p:cNvPr>
+          <p:cNvSpPr txBox="1"/>
+          <p:nvPr/>
+        </p:nvSpPr>
+        <p:spPr>
+          <a:xfrm>
+            <a:off x="607101" y="2571751"/>
+            <a:ext cx="6434134" cy="461665"/>
+          </a:xfrm>
+          <a:prstGeom prst="rect">
+            <a:avLst/>
+          </a:prstGeom>
+          <a:noFill/>
+        </p:spPr>
+        <p:txBody>
+          <a:bodyPr wrap="none" rtlCol="0">
+            <a:spAutoFit/>
+          </a:bodyPr>
+          <a:lstStyle/>
+          <a:p>
+            <a:r>
+              <a:rPr lang="en-US" sz="2400" dirty="0"/>
+              <a:t>What can we do if we need to type data or codes?</a:t>
+            </a:r>
+          </a:p>
+        </p:txBody>
+      </p:sp>
+      <p:pic>
+        <p:nvPicPr>
+          <p:cNvPr id="16" name="Picture 15" descr="Graphical user interface, text&#10;&#10;Description automatically generated">
+            <a:extLst>
+              <a:ext uri="{FF2B5EF4-FFF2-40B4-BE49-F238E27FC236}">
+                <a16:creationId xmlns:a16="http://schemas.microsoft.com/office/drawing/2014/main" id="{193FD8DE-64A7-F249-8856-9AC6916CE132}"/>
+              </a:ext>
+            </a:extLst>
+          </p:cNvPr>
+          <p:cNvPicPr>
+            <a:picLocks noChangeAspect="1"/>
+          </p:cNvPicPr>
+          <p:nvPr/>
+        </p:nvPicPr>
+        <p:blipFill>
+          <a:blip r:embed="rId3"/>
+          <a:stretch>
+            <a:fillRect/>
+          </a:stretch>
+        </p:blipFill>
+        <p:spPr>
+          <a:xfrm>
+            <a:off x="4787228" y="3100587"/>
+            <a:ext cx="2366671" cy="1596889"/>
+          </a:xfrm>
+          <a:prstGeom prst="rect">
+            <a:avLst/>
+          </a:prstGeom>
+        </p:spPr>
+      </p:pic>
+      <p:sp>
+        <p:nvSpPr>
+          <p:cNvPr id="17" name="TextBox 16">
+            <a:extLst>
+              <a:ext uri="{FF2B5EF4-FFF2-40B4-BE49-F238E27FC236}">
+                <a16:creationId xmlns:a16="http://schemas.microsoft.com/office/drawing/2014/main" id="{6D322C76-CAD8-B745-B728-B7B3BB4B4C27}"/>
+              </a:ext>
+            </a:extLst>
+          </p:cNvPr>
+          <p:cNvSpPr txBox="1"/>
+          <p:nvPr/>
+        </p:nvSpPr>
+        <p:spPr>
+          <a:xfrm>
+            <a:off x="607101" y="4752855"/>
+            <a:ext cx="3742691" cy="369332"/>
+          </a:xfrm>
+          <a:prstGeom prst="rect">
+            <a:avLst/>
+          </a:prstGeom>
+          <a:noFill/>
+        </p:spPr>
+        <p:txBody>
+          <a:bodyPr wrap="none" rtlCol="0">
+            <a:spAutoFit/>
+          </a:bodyPr>
+          <a:lstStyle/>
+          <a:p>
+            <a:r>
+              <a:rPr lang="en-US" i="1" dirty="0"/>
+              <a:t>vi</a:t>
+            </a:r>
+            <a:r>
+              <a:rPr lang="en-US" dirty="0"/>
+              <a:t> is a command to execute a program</a:t>
+            </a:r>
+          </a:p>
+        </p:txBody>
+      </p:sp>
+      <p:pic>
+        <p:nvPicPr>
+          <p:cNvPr id="19" name="Picture 18" descr="Graphical user interface, text, application&#10;&#10;Description automatically generated">
+            <a:extLst>
+              <a:ext uri="{FF2B5EF4-FFF2-40B4-BE49-F238E27FC236}">
+                <a16:creationId xmlns:a16="http://schemas.microsoft.com/office/drawing/2014/main" id="{AF6C25D9-3F02-A946-BA7A-6BA4D8566924}"/>
+              </a:ext>
+            </a:extLst>
+          </p:cNvPr>
+          <p:cNvPicPr>
+            <a:picLocks noChangeAspect="1"/>
+          </p:cNvPicPr>
+          <p:nvPr/>
+        </p:nvPicPr>
+        <p:blipFill>
+          <a:blip r:embed="rId4"/>
+          <a:stretch>
+            <a:fillRect/>
+          </a:stretch>
+        </p:blipFill>
+        <p:spPr>
+          <a:xfrm>
+            <a:off x="943361" y="3100586"/>
+            <a:ext cx="2366671" cy="1596889"/>
+          </a:xfrm>
+          <a:prstGeom prst="rect">
+            <a:avLst/>
+          </a:prstGeom>
+        </p:spPr>
+      </p:pic>
+    </p:spTree>
+    <p:extLst>
+      <p:ext uri="{BB962C8B-B14F-4D97-AF65-F5344CB8AC3E}">
+        <p14:creationId xmlns:p14="http://schemas.microsoft.com/office/powerpoint/2010/main" val="486028964"/>
+      </p:ext>
+    </p:extLst>
+  </p:cSld>
+  <p:clrMapOvr>
+    <a:masterClrMapping/>
+  </p:clrMapOvr>
+</p:sld>
+</file>
+
+<file path=ppt/slides/slide33.xml><?xml version="1.0" encoding="utf-8"?>
+<p:sld xmlns:a="http://schemas.openxmlformats.org/drawingml/2006/main" xmlns:r="http://schemas.openxmlformats.org/officeDocument/2006/relationships" xmlns:p="http://schemas.openxmlformats.org/presentationml/2006/main">
+  <p:cSld>
+    <p:spTree>
+      <p:nvGrpSpPr>
+        <p:cNvPr id="1" name=""/>
+        <p:cNvGrpSpPr/>
+        <p:nvPr/>
+      </p:nvGrpSpPr>
+      <p:grpSpPr>
+        <a:xfrm>
+          <a:off x="0" y="0"/>
+          <a:ext cx="0" cy="0"/>
+          <a:chOff x="0" y="0"/>
+          <a:chExt cx="0" cy="0"/>
+        </a:xfrm>
+      </p:grpSpPr>
+      <p:sp>
+        <p:nvSpPr>
+          <p:cNvPr id="2" name="Title 1"/>
+          <p:cNvSpPr>
+            <a:spLocks noGrp="1"/>
+          </p:cNvSpPr>
+          <p:nvPr>
+            <p:ph type="title"/>
+          </p:nvPr>
+        </p:nvSpPr>
+        <p:spPr>
+          <a:xfrm>
+            <a:off x="457200" y="85062"/>
+            <a:ext cx="8229600" cy="477454"/>
+          </a:xfrm>
+        </p:spPr>
+        <p:txBody>
+          <a:bodyPr>
+            <a:normAutofit fontScale="90000"/>
+          </a:bodyPr>
+          <a:lstStyle/>
+          <a:p>
+            <a:r>
+              <a:rPr lang="en-US" sz="3600" i="1" dirty="0"/>
+              <a:t>vi</a:t>
+            </a:r>
+          </a:p>
+        </p:txBody>
+      </p:sp>
+      <p:sp>
+        <p:nvSpPr>
+          <p:cNvPr id="3" name="Content Placeholder 2"/>
+          <p:cNvSpPr>
+            <a:spLocks noGrp="1"/>
+          </p:cNvSpPr>
+          <p:nvPr>
+            <p:ph idx="1"/>
+          </p:nvPr>
+        </p:nvSpPr>
+        <p:spPr>
+          <a:xfrm>
+            <a:off x="378068" y="662015"/>
+            <a:ext cx="8229600" cy="3357092"/>
+          </a:xfrm>
+        </p:spPr>
+        <p:txBody>
+          <a:bodyPr>
+            <a:normAutofit/>
+          </a:bodyPr>
+          <a:lstStyle/>
+          <a:p>
+            <a:r>
+              <a:rPr lang="en-US" i="1" dirty="0"/>
+              <a:t>vi</a:t>
+            </a:r>
+            <a:r>
+              <a:rPr lang="en-US" dirty="0"/>
+              <a:t> has two modes:</a:t>
+            </a:r>
+          </a:p>
+          <a:p>
+            <a:pPr indent="0">
+              <a:buAutoNum type="arabicPeriod"/>
+            </a:pPr>
+            <a:r>
+              <a:rPr lang="en-US" dirty="0"/>
+              <a:t> insert mode (edit as other text editors)</a:t>
+            </a:r>
+          </a:p>
+          <a:p>
+            <a:pPr indent="0">
+              <a:buAutoNum type="arabicPeriod"/>
+            </a:pPr>
+            <a:r>
+              <a:rPr lang="en-US" dirty="0"/>
+              <a:t> command mode (commands that control the edit session).</a:t>
+            </a:r>
+          </a:p>
+          <a:p>
+            <a:pPr indent="0">
+              <a:buNone/>
+            </a:pPr>
+            <a:r>
+              <a:rPr lang="en-US" dirty="0">
+                <a:solidFill>
+                  <a:srgbClr val="FF0000"/>
+                </a:solidFill>
+              </a:rPr>
+              <a:t>switch modes by using “</a:t>
+            </a:r>
+            <a:r>
+              <a:rPr lang="en-US" dirty="0" err="1">
+                <a:solidFill>
+                  <a:srgbClr val="FF0000"/>
+                </a:solidFill>
+              </a:rPr>
+              <a:t>i</a:t>
+            </a:r>
+            <a:r>
+              <a:rPr lang="en-US" dirty="0">
+                <a:solidFill>
+                  <a:srgbClr val="FF0000"/>
+                </a:solidFill>
+              </a:rPr>
+              <a:t>” and “ESC” key</a:t>
+            </a:r>
+          </a:p>
+          <a:p>
+            <a:pPr marL="0" indent="0">
+              <a:buNone/>
+            </a:pPr>
+            <a:endParaRPr lang="en-US" sz="2800" dirty="0"/>
+          </a:p>
+          <a:p>
+            <a:pPr marL="0" indent="0">
+              <a:buNone/>
+            </a:pPr>
+            <a:r>
+              <a:rPr lang="en-US" sz="2800" dirty="0"/>
+              <a:t>Your keyboard controls</a:t>
+            </a:r>
+          </a:p>
+          <a:p>
+            <a:pPr marL="0" indent="0">
+              <a:buNone/>
+            </a:pPr>
+            <a:r>
+              <a:rPr lang="en-US" sz="2800" dirty="0"/>
+              <a:t>“everything”.</a:t>
+            </a:r>
+          </a:p>
+        </p:txBody>
+      </p:sp>
+      <p:sp>
+        <p:nvSpPr>
+          <p:cNvPr id="4" name="Slide Number Placeholder 3"/>
+          <p:cNvSpPr>
+            <a:spLocks noGrp="1"/>
+          </p:cNvSpPr>
+          <p:nvPr>
+            <p:ph type="sldNum" sz="quarter" idx="12"/>
+          </p:nvPr>
+        </p:nvSpPr>
+        <p:spPr/>
+        <p:txBody>
+          <a:bodyPr/>
+          <a:lstStyle/>
+          <a:p>
+            <a:fld id="{9DA039C4-C5F2-1743-BB7A-5D831266C61E}" type="slidenum">
+              <a:rPr lang="en-US" smtClean="0"/>
+              <a:t>33</a:t>
+            </a:fld>
+            <a:endParaRPr lang="en-US"/>
+          </a:p>
+        </p:txBody>
+      </p:sp>
+      <p:pic>
+        <p:nvPicPr>
+          <p:cNvPr id="6" name="Picture 5" descr="Graphical user interface, application, Word&#10;&#10;Description automatically generated">
+            <a:extLst>
+              <a:ext uri="{FF2B5EF4-FFF2-40B4-BE49-F238E27FC236}">
+                <a16:creationId xmlns:a16="http://schemas.microsoft.com/office/drawing/2014/main" id="{25D2757B-3E5F-FE46-9C85-B9E030CB1DD7}"/>
+              </a:ext>
+            </a:extLst>
+          </p:cNvPr>
+          <p:cNvPicPr>
+            <a:picLocks noChangeAspect="1"/>
+          </p:cNvPicPr>
+          <p:nvPr/>
+        </p:nvPicPr>
+        <p:blipFill>
+          <a:blip r:embed="rId2"/>
+          <a:stretch>
+            <a:fillRect/>
+          </a:stretch>
+        </p:blipFill>
+        <p:spPr>
+          <a:xfrm>
+            <a:off x="4492868" y="2463393"/>
+            <a:ext cx="3821795" cy="2595045"/>
+          </a:xfrm>
+          <a:prstGeom prst="rect">
+            <a:avLst/>
+          </a:prstGeom>
+        </p:spPr>
+      </p:pic>
+    </p:spTree>
+    <p:extLst>
+      <p:ext uri="{BB962C8B-B14F-4D97-AF65-F5344CB8AC3E}">
+        <p14:creationId xmlns:p14="http://schemas.microsoft.com/office/powerpoint/2010/main" val="2038622041"/>
+      </p:ext>
+    </p:extLst>
+  </p:cSld>
+  <p:clrMapOvr>
+    <a:masterClrMapping/>
+  </p:clrMapOvr>
+  <p:timing>
+    <p:tnLst>
+      <p:par>
+        <p:cTn id="1" dur="indefinite" restart="never" nodeType="tmRoot">
+          <p:childTnLst>
+            <p:seq concurrent="1" nextAc="seek">
+              <p:cTn id="2" dur="indefinite" nodeType="mainSeq">
+                <p:childTnLst>
+                  <p:par>
+                    <p:cTn id="3" fill="hold">
+                      <p:stCondLst>
+                        <p:cond delay="indefinite"/>
+                      </p:stCondLst>
+                      <p:childTnLst>
+                        <p:par>
+                          <p:cTn id="4" fill="hold">
+                            <p:stCondLst>
+                              <p:cond delay="0"/>
+                            </p:stCondLst>
+                            <p:childTnLst>
+                              <p:par>
+                                <p:cTn id="5" presetID="1" presetClass="entr" presetSubtype="0" fill="hold" nodeType="clickEffect">
+                                  <p:stCondLst>
+                                    <p:cond delay="0"/>
+                                  </p:stCondLst>
+                                  <p:childTnLst>
+                                    <p:set>
+                                      <p:cBhvr>
+                                        <p:cTn id="6" dur="1" fill="hold">
+                                          <p:stCondLst>
+                                            <p:cond delay="0"/>
+                                          </p:stCondLst>
+                                        </p:cTn>
+                                        <p:tgtEl>
+                                          <p:spTgt spid="6"/>
+                                        </p:tgtEl>
+                                        <p:attrNameLst>
+                                          <p:attrName>style.visibility</p:attrName>
+                                        </p:attrNameLst>
+                                      </p:cBhvr>
+                                      <p:to>
+                                        <p:strVal val="visible"/>
+                                      </p:to>
+                                    </p:set>
+                                  </p:childTnLst>
+                                </p:cTn>
+                              </p:par>
+                            </p:childTnLst>
+                          </p:cTn>
+                        </p:par>
+                      </p:childTnLst>
+                    </p:cTn>
+                  </p:par>
+                </p:childTnLst>
+              </p:cTn>
+              <p:prevCondLst>
+                <p:cond evt="onPrev" delay="0">
+                  <p:tgtEl>
+                    <p:sldTgt/>
+                  </p:tgtEl>
+                </p:cond>
+              </p:prevCondLst>
+              <p:nextCondLst>
+                <p:cond evt="onNext" delay="0">
+                  <p:tgtEl>
+                    <p:sldTgt/>
+                  </p:tgtEl>
+                </p:cond>
+              </p:nextCondLst>
+            </p:seq>
+          </p:childTnLst>
+        </p:cTn>
+      </p:par>
+    </p:tnLst>
+  </p:timing>
+</p:sld>
+</file>
+
+<file path=ppt/slides/slide34.xml><?xml version="1.0" encoding="utf-8"?>
+<p:sld xmlns:a="http://schemas.openxmlformats.org/drawingml/2006/main" xmlns:r="http://schemas.openxmlformats.org/officeDocument/2006/relationships" xmlns:p="http://schemas.openxmlformats.org/presentationml/2006/main">
+  <p:cSld>
+    <p:spTree>
+      <p:nvGrpSpPr>
+        <p:cNvPr id="1" name=""/>
+        <p:cNvGrpSpPr/>
+        <p:nvPr/>
+      </p:nvGrpSpPr>
+      <p:grpSpPr>
+        <a:xfrm>
+          <a:off x="0" y="0"/>
+          <a:ext cx="0" cy="0"/>
+          <a:chOff x="0" y="0"/>
+          <a:chExt cx="0" cy="0"/>
+        </a:xfrm>
+      </p:grpSpPr>
+      <p:sp>
+        <p:nvSpPr>
+          <p:cNvPr id="2" name="Title 1"/>
+          <p:cNvSpPr>
+            <a:spLocks noGrp="1"/>
+          </p:cNvSpPr>
+          <p:nvPr>
+            <p:ph type="title"/>
+          </p:nvPr>
+        </p:nvSpPr>
+        <p:spPr/>
+        <p:txBody>
+          <a:bodyPr>
+            <a:normAutofit fontScale="90000"/>
+          </a:bodyPr>
+          <a:lstStyle/>
+          <a:p>
+            <a:r>
+              <a:rPr lang="en-US" sz="3600" dirty="0"/>
+              <a:t>Actions in command mode</a:t>
+            </a:r>
+          </a:p>
+        </p:txBody>
+      </p:sp>
+      <p:sp>
+        <p:nvSpPr>
+          <p:cNvPr id="4" name="Content Placeholder 3"/>
+          <p:cNvSpPr txBox="1">
+            <a:spLocks noGrp="1"/>
+          </p:cNvSpPr>
+          <p:nvPr>
+            <p:ph idx="1"/>
+          </p:nvPr>
+        </p:nvSpPr>
+        <p:spPr>
+          <a:xfrm>
+            <a:off x="1559426" y="1669631"/>
+            <a:ext cx="5016500" cy="523220"/>
+          </a:xfrm>
+          <a:prstGeom prst="rect">
+            <a:avLst/>
+          </a:prstGeom>
+          <a:noFill/>
+        </p:spPr>
+        <p:txBody>
+          <a:bodyPr wrap="square" rtlCol="0">
+            <a:spAutoFit/>
+          </a:bodyPr>
+          <a:lstStyle/>
+          <a:p>
+            <a:r>
+              <a:rPr lang="en-US" sz="2800" dirty="0"/>
+              <a:t>/&lt;text or regular expression&gt;</a:t>
+            </a:r>
+          </a:p>
+        </p:txBody>
+      </p:sp>
+      <p:sp>
+        <p:nvSpPr>
+          <p:cNvPr id="5" name="TextBox 4"/>
+          <p:cNvSpPr txBox="1"/>
+          <p:nvPr/>
+        </p:nvSpPr>
+        <p:spPr>
+          <a:xfrm>
+            <a:off x="911727" y="1037915"/>
+            <a:ext cx="7775073" cy="523220"/>
+          </a:xfrm>
+          <a:prstGeom prst="rect">
+            <a:avLst/>
+          </a:prstGeom>
+          <a:noFill/>
+        </p:spPr>
+        <p:txBody>
+          <a:bodyPr wrap="square" rtlCol="0">
+            <a:spAutoFit/>
+          </a:bodyPr>
+          <a:lstStyle/>
+          <a:p>
+            <a:r>
+              <a:rPr lang="en-US" sz="2800" b="1" dirty="0">
+                <a:solidFill>
+                  <a:schemeClr val="tx2">
+                    <a:lumMod val="75000"/>
+                  </a:schemeClr>
+                </a:solidFill>
+              </a:rPr>
+              <a:t>Search</a:t>
+            </a:r>
+            <a:r>
+              <a:rPr lang="en-US" sz="2800" dirty="0"/>
+              <a:t>: to search content using “/”</a:t>
+            </a:r>
+          </a:p>
+        </p:txBody>
+      </p:sp>
+      <p:sp>
+        <p:nvSpPr>
+          <p:cNvPr id="3" name="Slide Number Placeholder 2"/>
+          <p:cNvSpPr>
+            <a:spLocks noGrp="1"/>
+          </p:cNvSpPr>
+          <p:nvPr>
+            <p:ph type="sldNum" sz="quarter" idx="12"/>
+          </p:nvPr>
+        </p:nvSpPr>
+        <p:spPr/>
+        <p:txBody>
+          <a:bodyPr/>
+          <a:lstStyle/>
+          <a:p>
+            <a:fld id="{9DA039C4-C5F2-1743-BB7A-5D831266C61E}" type="slidenum">
+              <a:rPr lang="en-US" smtClean="0"/>
+              <a:t>34</a:t>
+            </a:fld>
+            <a:endParaRPr lang="en-US"/>
+          </a:p>
+        </p:txBody>
+      </p:sp>
+      <p:sp>
+        <p:nvSpPr>
+          <p:cNvPr id="6" name="TextBox 5"/>
+          <p:cNvSpPr txBox="1"/>
+          <p:nvPr/>
+        </p:nvSpPr>
+        <p:spPr>
+          <a:xfrm>
+            <a:off x="911727" y="2951381"/>
+            <a:ext cx="7292473" cy="1815882"/>
+          </a:xfrm>
+          <a:prstGeom prst="rect">
+            <a:avLst/>
+          </a:prstGeom>
+          <a:noFill/>
+        </p:spPr>
+        <p:txBody>
+          <a:bodyPr wrap="square" rtlCol="0">
+            <a:spAutoFit/>
+          </a:bodyPr>
+          <a:lstStyle>
+            <a:defPPr>
+              <a:defRPr lang="en-US"/>
+            </a:defPPr>
+            <a:lvl1pPr>
+              <a:defRPr sz="2800" b="1">
+                <a:solidFill>
+                  <a:schemeClr val="tx2">
+                    <a:lumMod val="75000"/>
+                  </a:schemeClr>
+                </a:solidFill>
+              </a:defRPr>
+            </a:lvl1pPr>
+          </a:lstStyle>
+          <a:p>
+            <a:r>
+              <a:rPr lang="en-US" dirty="0"/>
+              <a:t>Delete</a:t>
+            </a:r>
+            <a:r>
+              <a:rPr lang="en-US" b="0" dirty="0">
+                <a:solidFill>
+                  <a:schemeClr val="tx1"/>
+                </a:solidFill>
+              </a:rPr>
+              <a:t> contents for example by lines</a:t>
+            </a:r>
+          </a:p>
+          <a:p>
+            <a:r>
+              <a:rPr lang="en-US" b="0" dirty="0">
+                <a:solidFill>
+                  <a:schemeClr val="tx1"/>
+                </a:solidFill>
+              </a:rPr>
+              <a:t>	</a:t>
+            </a:r>
+          </a:p>
+          <a:p>
+            <a:endParaRPr lang="en-US" b="0" dirty="0">
+              <a:solidFill>
+                <a:schemeClr val="tx1"/>
+              </a:solidFill>
+            </a:endParaRPr>
+          </a:p>
+          <a:p>
+            <a:r>
+              <a:rPr lang="en-US" dirty="0"/>
+              <a:t>Copy</a:t>
+            </a:r>
+            <a:r>
+              <a:rPr lang="en-US" b="0" dirty="0">
+                <a:solidFill>
+                  <a:schemeClr val="tx1"/>
+                </a:solidFill>
+              </a:rPr>
+              <a:t> and </a:t>
+            </a:r>
+            <a:r>
+              <a:rPr lang="en-US" dirty="0"/>
+              <a:t>paste</a:t>
+            </a:r>
+          </a:p>
+        </p:txBody>
+      </p:sp>
+    </p:spTree>
+    <p:extLst>
+      <p:ext uri="{BB962C8B-B14F-4D97-AF65-F5344CB8AC3E}">
+        <p14:creationId xmlns:p14="http://schemas.microsoft.com/office/powerpoint/2010/main" val="2307464103"/>
+      </p:ext>
+    </p:extLst>
+  </p:cSld>
+  <p:clrMapOvr>
+    <a:masterClrMapping/>
+  </p:clrMapOvr>
+</p:sld>
+</file>
+
+<file path=ppt/slides/slide35.xml><?xml version="1.0" encoding="utf-8"?>
+<p:sld xmlns:a="http://schemas.openxmlformats.org/drawingml/2006/main" xmlns:r="http://schemas.openxmlformats.org/officeDocument/2006/relationships" xmlns:p="http://schemas.openxmlformats.org/presentationml/2006/main">
+  <p:cSld>
+    <p:spTree>
+      <p:nvGrpSpPr>
+        <p:cNvPr id="1" name=""/>
+        <p:cNvGrpSpPr/>
+        <p:nvPr/>
+      </p:nvGrpSpPr>
+      <p:grpSpPr>
+        <a:xfrm>
+          <a:off x="0" y="0"/>
+          <a:ext cx="0" cy="0"/>
+          <a:chOff x="0" y="0"/>
+          <a:chExt cx="0" cy="0"/>
+        </a:xfrm>
+      </p:grpSpPr>
+      <p:sp>
+        <p:nvSpPr>
+          <p:cNvPr id="2" name="Title 1">
+            <a:extLst>
+              <a:ext uri="{FF2B5EF4-FFF2-40B4-BE49-F238E27FC236}">
+                <a16:creationId xmlns:a16="http://schemas.microsoft.com/office/drawing/2014/main" id="{24DBCF19-D607-C04F-8853-7273909268DD}"/>
+              </a:ext>
+            </a:extLst>
+          </p:cNvPr>
+          <p:cNvSpPr>
+            <a:spLocks noGrp="1"/>
+          </p:cNvSpPr>
+          <p:nvPr>
+            <p:ph type="title"/>
+          </p:nvPr>
+        </p:nvSpPr>
+        <p:spPr>
+          <a:xfrm>
+            <a:off x="412230" y="81011"/>
+            <a:ext cx="8229600" cy="639762"/>
+          </a:xfrm>
+        </p:spPr>
+        <p:txBody>
+          <a:bodyPr>
+            <a:normAutofit/>
+          </a:bodyPr>
+          <a:lstStyle/>
+          <a:p>
+            <a:r>
+              <a:rPr lang="en-US" sz="3200" dirty="0"/>
+              <a:t>Command list</a:t>
+            </a:r>
+          </a:p>
+        </p:txBody>
+      </p:sp>
+      <p:sp>
+        <p:nvSpPr>
+          <p:cNvPr id="4" name="Slide Number Placeholder 3">
+            <a:extLst>
+              <a:ext uri="{FF2B5EF4-FFF2-40B4-BE49-F238E27FC236}">
+                <a16:creationId xmlns:a16="http://schemas.microsoft.com/office/drawing/2014/main" id="{6AA8FE57-8965-C84F-80D6-1924DF06A17E}"/>
+              </a:ext>
+            </a:extLst>
+          </p:cNvPr>
+          <p:cNvSpPr>
+            <a:spLocks noGrp="1"/>
+          </p:cNvSpPr>
+          <p:nvPr>
+            <p:ph type="sldNum" sz="quarter" idx="12"/>
+          </p:nvPr>
+        </p:nvSpPr>
+        <p:spPr/>
+        <p:txBody>
+          <a:bodyPr/>
+          <a:lstStyle/>
+          <a:p>
+            <a:fld id="{9DA039C4-C5F2-1743-BB7A-5D831266C61E}" type="slidenum">
+              <a:rPr lang="en-US" smtClean="0"/>
+              <a:t>35</a:t>
+            </a:fld>
+            <a:endParaRPr lang="en-US"/>
+          </a:p>
+        </p:txBody>
+      </p:sp>
+      <p:pic>
+        <p:nvPicPr>
+          <p:cNvPr id="6" name="Picture 5" descr="Table&#10;&#10;Description automatically generated">
+            <a:extLst>
+              <a:ext uri="{FF2B5EF4-FFF2-40B4-BE49-F238E27FC236}">
+                <a16:creationId xmlns:a16="http://schemas.microsoft.com/office/drawing/2014/main" id="{06B4A7A2-4624-8C49-B62B-798CBB1A3C19}"/>
+              </a:ext>
+            </a:extLst>
+          </p:cNvPr>
+          <p:cNvPicPr>
+            <a:picLocks noChangeAspect="1"/>
+          </p:cNvPicPr>
+          <p:nvPr/>
+        </p:nvPicPr>
+        <p:blipFill>
+          <a:blip r:embed="rId2"/>
+          <a:stretch>
+            <a:fillRect/>
+          </a:stretch>
+        </p:blipFill>
+        <p:spPr>
+          <a:xfrm>
+            <a:off x="566719" y="796705"/>
+            <a:ext cx="4005281" cy="4244402"/>
+          </a:xfrm>
+          <a:prstGeom prst="rect">
+            <a:avLst/>
+          </a:prstGeom>
+        </p:spPr>
+      </p:pic>
+      <p:pic>
+        <p:nvPicPr>
+          <p:cNvPr id="10" name="Picture 9" descr="Text&#10;&#10;Description automatically generated with medium confidence">
+            <a:extLst>
+              <a:ext uri="{FF2B5EF4-FFF2-40B4-BE49-F238E27FC236}">
+                <a16:creationId xmlns:a16="http://schemas.microsoft.com/office/drawing/2014/main" id="{633B5C3F-6D4D-D242-9ED9-B9639AD8C3DC}"/>
+              </a:ext>
+            </a:extLst>
+          </p:cNvPr>
+          <p:cNvPicPr>
+            <a:picLocks noChangeAspect="1"/>
+          </p:cNvPicPr>
+          <p:nvPr/>
+        </p:nvPicPr>
+        <p:blipFill>
+          <a:blip r:embed="rId3"/>
+          <a:stretch>
+            <a:fillRect/>
+          </a:stretch>
+        </p:blipFill>
+        <p:spPr>
+          <a:xfrm>
+            <a:off x="5211781" y="1548261"/>
+            <a:ext cx="3365500" cy="2197100"/>
+          </a:xfrm>
+          <a:prstGeom prst="rect">
+            <a:avLst/>
+          </a:prstGeom>
+        </p:spPr>
+      </p:pic>
+      <p:sp>
+        <p:nvSpPr>
+          <p:cNvPr id="11" name="TextBox 10">
+            <a:extLst>
+              <a:ext uri="{FF2B5EF4-FFF2-40B4-BE49-F238E27FC236}">
+                <a16:creationId xmlns:a16="http://schemas.microsoft.com/office/drawing/2014/main" id="{F1AC8F2E-745C-D64C-B3A5-C46E95520779}"/>
+              </a:ext>
+            </a:extLst>
+          </p:cNvPr>
+          <p:cNvSpPr txBox="1"/>
+          <p:nvPr/>
+        </p:nvSpPr>
+        <p:spPr>
+          <a:xfrm>
+            <a:off x="5211780" y="1023640"/>
+            <a:ext cx="2533187" cy="461665"/>
+          </a:xfrm>
+          <a:prstGeom prst="rect">
+            <a:avLst/>
+          </a:prstGeom>
+          <a:noFill/>
+        </p:spPr>
+        <p:txBody>
+          <a:bodyPr wrap="square" rtlCol="0">
+            <a:spAutoFit/>
+          </a:bodyPr>
+          <a:lstStyle/>
+          <a:p>
+            <a:r>
+              <a:rPr lang="en-US" sz="2400" dirty="0"/>
+              <a:t>exit commands</a:t>
+            </a:r>
+          </a:p>
+        </p:txBody>
+      </p:sp>
+      <p:cxnSp>
+        <p:nvCxnSpPr>
+          <p:cNvPr id="15" name="Straight Connector 14">
+            <a:extLst>
+              <a:ext uri="{FF2B5EF4-FFF2-40B4-BE49-F238E27FC236}">
+                <a16:creationId xmlns:a16="http://schemas.microsoft.com/office/drawing/2014/main" id="{10AB2EF8-A1E7-974E-91AF-C9988FC6F96B}"/>
+              </a:ext>
+            </a:extLst>
+          </p:cNvPr>
+          <p:cNvCxnSpPr>
+            <a:cxnSpLocks/>
+          </p:cNvCxnSpPr>
+          <p:nvPr/>
+        </p:nvCxnSpPr>
+        <p:spPr>
+          <a:xfrm>
+            <a:off x="5211781" y="2110913"/>
+            <a:ext cx="3365500" cy="0"/>
+          </a:xfrm>
+          <a:prstGeom prst="line">
+            <a:avLst/>
+          </a:prstGeom>
+          <a:ln>
+            <a:solidFill>
+              <a:srgbClr val="FF0000"/>
+            </a:solidFill>
+          </a:ln>
+        </p:spPr>
+        <p:style>
+          <a:lnRef idx="2">
+            <a:schemeClr val="accent1"/>
+          </a:lnRef>
+          <a:fillRef idx="0">
+            <a:schemeClr val="accent1"/>
+          </a:fillRef>
+          <a:effectRef idx="1">
+            <a:schemeClr val="accent1"/>
+          </a:effectRef>
+          <a:fontRef idx="minor">
+            <a:schemeClr val="tx1"/>
+          </a:fontRef>
+        </p:style>
+      </p:cxnSp>
+      <p:cxnSp>
+        <p:nvCxnSpPr>
+          <p:cNvPr id="17" name="Straight Connector 16">
+            <a:extLst>
+              <a:ext uri="{FF2B5EF4-FFF2-40B4-BE49-F238E27FC236}">
+                <a16:creationId xmlns:a16="http://schemas.microsoft.com/office/drawing/2014/main" id="{36B122BA-1128-6E44-97D4-384046844C9E}"/>
+              </a:ext>
+            </a:extLst>
+          </p:cNvPr>
+          <p:cNvCxnSpPr>
+            <a:cxnSpLocks/>
+          </p:cNvCxnSpPr>
+          <p:nvPr/>
+        </p:nvCxnSpPr>
+        <p:spPr>
+          <a:xfrm>
+            <a:off x="5211781" y="3125247"/>
+            <a:ext cx="2624216" cy="0"/>
+          </a:xfrm>
+          <a:prstGeom prst="line">
+            <a:avLst/>
+          </a:prstGeom>
+          <a:ln>
+            <a:solidFill>
+              <a:srgbClr val="FF0000"/>
+            </a:solidFill>
+          </a:ln>
+        </p:spPr>
+        <p:style>
+          <a:lnRef idx="2">
+            <a:schemeClr val="accent1"/>
+          </a:lnRef>
+          <a:fillRef idx="0">
+            <a:schemeClr val="accent1"/>
+          </a:fillRef>
+          <a:effectRef idx="1">
+            <a:schemeClr val="accent1"/>
+          </a:effectRef>
+          <a:fontRef idx="minor">
+            <a:schemeClr val="tx1"/>
+          </a:fontRef>
+        </p:style>
+      </p:cxnSp>
+      <p:sp>
+        <p:nvSpPr>
+          <p:cNvPr id="3" name="Rectangle 2">
+            <a:extLst>
+              <a:ext uri="{FF2B5EF4-FFF2-40B4-BE49-F238E27FC236}">
+                <a16:creationId xmlns:a16="http://schemas.microsoft.com/office/drawing/2014/main" id="{90D523B6-CAD7-8440-BEAC-5E709FC40BD5}"/>
+              </a:ext>
+            </a:extLst>
+          </p:cNvPr>
+          <p:cNvSpPr/>
+          <p:nvPr/>
+        </p:nvSpPr>
+        <p:spPr>
+          <a:xfrm>
+            <a:off x="5791536" y="3900650"/>
+            <a:ext cx="2205989" cy="338554"/>
+          </a:xfrm>
+          <a:prstGeom prst="rect">
+            <a:avLst/>
+          </a:prstGeom>
+        </p:spPr>
+        <p:txBody>
+          <a:bodyPr wrap="none">
+            <a:spAutoFit/>
+          </a:bodyPr>
+          <a:lstStyle/>
+          <a:p>
+            <a:r>
+              <a:rPr lang="en-US" sz="1600" dirty="0">
+                <a:hlinkClick r:id="rId4"/>
+              </a:rPr>
+              <a:t>https://kb.iu.edu/d/afdc</a:t>
+            </a:r>
+            <a:endParaRPr lang="en-US" sz="1600" dirty="0"/>
+          </a:p>
+        </p:txBody>
+      </p:sp>
+    </p:spTree>
+    <p:extLst>
+      <p:ext uri="{BB962C8B-B14F-4D97-AF65-F5344CB8AC3E}">
+        <p14:creationId xmlns:p14="http://schemas.microsoft.com/office/powerpoint/2010/main" val="1349809776"/>
+      </p:ext>
+    </p:extLst>
+  </p:cSld>
+  <p:clrMapOvr>
+    <a:masterClrMapping/>
+  </p:clrMapOvr>
+</p:sld>
+</file>
+
+<file path=ppt/slides/slide4.xml><?xml version="1.0" encoding="utf-8"?>
+<p:sld xmlns:a="http://schemas.openxmlformats.org/drawingml/2006/main" xmlns:r="http://schemas.openxmlformats.org/officeDocument/2006/relationships" xmlns:p="http://schemas.openxmlformats.org/presentationml/2006/main">
+  <p:cSld>
+    <p:spTree>
+      <p:nvGrpSpPr>
+        <p:cNvPr id="1" name=""/>
+        <p:cNvGrpSpPr/>
+        <p:nvPr/>
+      </p:nvGrpSpPr>
+      <p:grpSpPr>
+        <a:xfrm>
+          <a:off x="0" y="0"/>
+          <a:ext cx="0" cy="0"/>
+          <a:chOff x="0" y="0"/>
+          <a:chExt cx="0" cy="0"/>
+        </a:xfrm>
+      </p:grpSpPr>
+      <p:sp>
+        <p:nvSpPr>
+          <p:cNvPr id="2" name="Title 1"/>
+          <p:cNvSpPr>
+            <a:spLocks noGrp="1"/>
+          </p:cNvSpPr>
+          <p:nvPr>
+            <p:ph type="title"/>
+          </p:nvPr>
+        </p:nvSpPr>
+        <p:spPr/>
+        <p:txBody>
+          <a:bodyPr/>
+          <a:lstStyle/>
+          <a:p>
+            <a:r>
+              <a:rPr lang="en-US" b="0" i="0" dirty="0">
+                <a:latin typeface="Calibri Light" panose="020F0302020204030204" pitchFamily="34" charset="0"/>
+                <a:cs typeface="Calibri Light" panose="020F0302020204030204" pitchFamily="34" charset="0"/>
+              </a:rPr>
+              <a:t>Lecture topics</a:t>
+            </a:r>
+          </a:p>
+        </p:txBody>
+      </p:sp>
+      <p:sp>
+        <p:nvSpPr>
+          <p:cNvPr id="6" name="Rectangle 5"/>
+          <p:cNvSpPr/>
+          <p:nvPr/>
+        </p:nvSpPr>
+        <p:spPr>
+          <a:xfrm>
+            <a:off x="1609521" y="844093"/>
+            <a:ext cx="6812367" cy="4093428"/>
+          </a:xfrm>
+          <a:prstGeom prst="rect">
+            <a:avLst/>
+          </a:prstGeom>
+        </p:spPr>
+        <p:txBody>
+          <a:bodyPr wrap="square">
+            <a:spAutoFit/>
+          </a:bodyPr>
+          <a:lstStyle/>
+          <a:p>
+            <a:pPr marL="457200" indent="-457200">
+              <a:buFont typeface="+mj-lt"/>
+              <a:buAutoNum type="arabicPeriod"/>
+            </a:pPr>
+            <a:r>
+              <a:rPr lang="en-US" sz="2000" dirty="0">
+                <a:latin typeface="Calibri Light" panose="020F0302020204030204" pitchFamily="34" charset="0"/>
+                <a:cs typeface="Calibri Light" panose="020F0302020204030204" pitchFamily="34" charset="0"/>
+              </a:rPr>
+              <a:t>Basic Unix</a:t>
+            </a:r>
+          </a:p>
+          <a:p>
+            <a:pPr marL="457200" indent="-457200">
+              <a:buFont typeface="+mj-lt"/>
+              <a:buAutoNum type="arabicPeriod"/>
+            </a:pPr>
+            <a:r>
+              <a:rPr lang="en-US" sz="2000" dirty="0">
+                <a:latin typeface="Calibri Light" panose="020F0302020204030204" pitchFamily="34" charset="0"/>
+                <a:cs typeface="Calibri Light" panose="020F0302020204030204" pitchFamily="34" charset="0"/>
+              </a:rPr>
+              <a:t>Basic R, Python</a:t>
+            </a:r>
+          </a:p>
+          <a:p>
+            <a:pPr marL="457200" indent="-457200">
+              <a:buFont typeface="+mj-lt"/>
+              <a:buAutoNum type="arabicPeriod"/>
+            </a:pPr>
+            <a:r>
+              <a:rPr lang="en-US" sz="2000" dirty="0">
+                <a:latin typeface="Calibri Light" panose="020F0302020204030204" pitchFamily="34" charset="0"/>
+                <a:cs typeface="Calibri Light" panose="020F0302020204030204" pitchFamily="34" charset="0"/>
+              </a:rPr>
+              <a:t>Introduction of NGS and NGS bioinformatics tools</a:t>
+            </a:r>
+          </a:p>
+          <a:p>
+            <a:pPr marL="457200" indent="-457200">
+              <a:buFont typeface="+mj-lt"/>
+              <a:buAutoNum type="arabicPeriod"/>
+            </a:pPr>
+            <a:r>
+              <a:rPr lang="en-US" sz="2000" dirty="0">
+                <a:latin typeface="Calibri Light" panose="020F0302020204030204" pitchFamily="34" charset="0"/>
+                <a:cs typeface="Calibri Light" panose="020F0302020204030204" pitchFamily="34" charset="0"/>
+              </a:rPr>
+              <a:t>NCBI tools</a:t>
+            </a:r>
+          </a:p>
+          <a:p>
+            <a:pPr marL="457200" indent="-457200">
+              <a:buFont typeface="+mj-lt"/>
+              <a:buAutoNum type="arabicPeriod"/>
+            </a:pPr>
+            <a:r>
+              <a:rPr lang="en-US" sz="2000" dirty="0">
+                <a:latin typeface="Calibri Light" panose="020F0302020204030204" pitchFamily="34" charset="0"/>
+                <a:cs typeface="Calibri Light" panose="020F0302020204030204" pitchFamily="34" charset="0"/>
+              </a:rPr>
+              <a:t>DNA and protein sequence alignments</a:t>
+            </a:r>
+          </a:p>
+          <a:p>
+            <a:pPr marL="457200" indent="-457200">
+              <a:buFont typeface="+mj-lt"/>
+              <a:buAutoNum type="arabicPeriod"/>
+            </a:pPr>
+            <a:r>
+              <a:rPr lang="en-US" sz="2000" dirty="0">
+                <a:latin typeface="Calibri Light" panose="020F0302020204030204" pitchFamily="34" charset="0"/>
+                <a:cs typeface="Calibri Light" panose="020F0302020204030204" pitchFamily="34" charset="0"/>
+              </a:rPr>
+              <a:t>Genome variants</a:t>
+            </a:r>
+          </a:p>
+          <a:p>
+            <a:pPr marL="457200" indent="-457200">
+              <a:buFont typeface="+mj-lt"/>
+              <a:buAutoNum type="arabicPeriod"/>
+            </a:pPr>
+            <a:r>
+              <a:rPr lang="en-US" sz="2000" dirty="0">
+                <a:latin typeface="Calibri Light" panose="020F0302020204030204" pitchFamily="34" charset="0"/>
+                <a:cs typeface="Calibri Light" panose="020F0302020204030204" pitchFamily="34" charset="0"/>
+              </a:rPr>
+              <a:t>Phylogeny</a:t>
+            </a:r>
+          </a:p>
+          <a:p>
+            <a:pPr marL="457200" indent="-457200">
+              <a:buFont typeface="+mj-lt"/>
+              <a:buAutoNum type="arabicPeriod"/>
+            </a:pPr>
+            <a:r>
+              <a:rPr lang="en-US" sz="2000" dirty="0">
+                <a:latin typeface="Calibri Light" panose="020F0302020204030204" pitchFamily="34" charset="0"/>
+                <a:cs typeface="Calibri Light" panose="020F0302020204030204" pitchFamily="34" charset="0"/>
+              </a:rPr>
+              <a:t>QTL and GWAS, </a:t>
+            </a:r>
+            <a:r>
+              <a:rPr lang="en-US" sz="2000" dirty="0">
+                <a:solidFill>
+                  <a:schemeClr val="accent6">
+                    <a:lumMod val="50000"/>
+                  </a:schemeClr>
+                </a:solidFill>
+                <a:latin typeface="Calibri Light" panose="020F0302020204030204" pitchFamily="34" charset="0"/>
+                <a:cs typeface="Calibri Light" panose="020F0302020204030204" pitchFamily="34" charset="0"/>
+              </a:rPr>
+              <a:t>Genomic selection</a:t>
+            </a:r>
+          </a:p>
+          <a:p>
+            <a:pPr marL="457200" indent="-457200">
+              <a:buFont typeface="+mj-lt"/>
+              <a:buAutoNum type="arabicPeriod"/>
+            </a:pPr>
+            <a:r>
+              <a:rPr lang="en-US" sz="2000" dirty="0">
+                <a:latin typeface="Calibri Light" panose="020F0302020204030204" pitchFamily="34" charset="0"/>
+                <a:cs typeface="Calibri Light" panose="020F0302020204030204" pitchFamily="34" charset="0"/>
+              </a:rPr>
+              <a:t>Protein structure – Alphafold3</a:t>
+            </a:r>
+          </a:p>
+          <a:p>
+            <a:pPr marL="457200" indent="-457200">
+              <a:buFont typeface="+mj-lt"/>
+              <a:buAutoNum type="arabicPeriod"/>
+            </a:pPr>
+            <a:r>
+              <a:rPr lang="en-US" sz="2000" dirty="0">
+                <a:latin typeface="Calibri Light" panose="020F0302020204030204" pitchFamily="34" charset="0"/>
+                <a:cs typeface="Calibri Light" panose="020F0302020204030204" pitchFamily="34" charset="0"/>
+              </a:rPr>
+              <a:t>Genome assembly</a:t>
+            </a:r>
+          </a:p>
+          <a:p>
+            <a:pPr marL="457200" indent="-457200">
+              <a:buFont typeface="+mj-lt"/>
+              <a:buAutoNum type="arabicPeriod"/>
+            </a:pPr>
+            <a:r>
+              <a:rPr lang="en-US" sz="2000" dirty="0">
+                <a:latin typeface="Calibri Light" panose="020F0302020204030204" pitchFamily="34" charset="0"/>
+                <a:cs typeface="Calibri Light" panose="020F0302020204030204" pitchFamily="34" charset="0"/>
+              </a:rPr>
+              <a:t>Comparative genomics</a:t>
+            </a:r>
+          </a:p>
+          <a:p>
+            <a:pPr marL="457200" indent="-457200">
+              <a:buFont typeface="+mj-lt"/>
+              <a:buAutoNum type="arabicPeriod"/>
+            </a:pPr>
+            <a:r>
+              <a:rPr lang="en-US" sz="2000" dirty="0">
+                <a:latin typeface="Calibri Light" panose="020F0302020204030204" pitchFamily="34" charset="0"/>
+                <a:cs typeface="Calibri Light" panose="020F0302020204030204" pitchFamily="34" charset="0"/>
+              </a:rPr>
+              <a:t>RNA-seq, </a:t>
+            </a:r>
+            <a:r>
+              <a:rPr lang="en-US" sz="2000" dirty="0" err="1">
+                <a:solidFill>
+                  <a:schemeClr val="accent6">
+                    <a:lumMod val="50000"/>
+                  </a:schemeClr>
+                </a:solidFill>
+                <a:latin typeface="Calibri Light" panose="020F0302020204030204" pitchFamily="34" charset="0"/>
+                <a:cs typeface="Calibri Light" panose="020F0302020204030204" pitchFamily="34" charset="0"/>
+              </a:rPr>
+              <a:t>scRNA</a:t>
+            </a:r>
+            <a:r>
+              <a:rPr lang="en-US" sz="2000" dirty="0">
+                <a:solidFill>
+                  <a:schemeClr val="accent6">
+                    <a:lumMod val="50000"/>
+                  </a:schemeClr>
+                </a:solidFill>
+                <a:latin typeface="Calibri Light" panose="020F0302020204030204" pitchFamily="34" charset="0"/>
+                <a:cs typeface="Calibri Light" panose="020F0302020204030204" pitchFamily="34" charset="0"/>
+              </a:rPr>
+              <a:t>-seq</a:t>
+            </a:r>
+          </a:p>
+          <a:p>
+            <a:pPr marL="457200" indent="-457200">
+              <a:buFont typeface="+mj-lt"/>
+              <a:buAutoNum type="arabicPeriod"/>
+            </a:pPr>
+            <a:r>
+              <a:rPr lang="en-US" sz="2000" dirty="0">
+                <a:latin typeface="Calibri Light" panose="020F0302020204030204" pitchFamily="34" charset="0"/>
+                <a:cs typeface="Calibri Light" panose="020F0302020204030204" pitchFamily="34" charset="0"/>
+              </a:rPr>
+              <a:t>Applications of LLM</a:t>
+            </a:r>
+          </a:p>
+        </p:txBody>
+      </p:sp>
+      <p:sp>
+        <p:nvSpPr>
+          <p:cNvPr id="3" name="Slide Number Placeholder 2"/>
+          <p:cNvSpPr>
+            <a:spLocks noGrp="1"/>
+          </p:cNvSpPr>
+          <p:nvPr>
+            <p:ph type="sldNum" sz="quarter" idx="12"/>
+          </p:nvPr>
+        </p:nvSpPr>
+        <p:spPr/>
+        <p:txBody>
+          <a:bodyPr/>
+          <a:lstStyle/>
+          <a:p>
+            <a:fld id="{9DA039C4-C5F2-1743-BB7A-5D831266C61E}" type="slidenum">
+              <a:rPr lang="en-US" smtClean="0"/>
+              <a:t>4</a:t>
+            </a:fld>
+            <a:endParaRPr lang="en-US"/>
+          </a:p>
+        </p:txBody>
+      </p:sp>
+    </p:spTree>
+    <p:extLst>
+      <p:ext uri="{BB962C8B-B14F-4D97-AF65-F5344CB8AC3E}">
+        <p14:creationId xmlns:p14="http://schemas.microsoft.com/office/powerpoint/2010/main" val="2313558119"/>
+      </p:ext>
+    </p:extLst>
+  </p:cSld>
+  <p:clrMapOvr>
+    <a:masterClrMapping/>
+  </p:clrMapOvr>
+</p:sld>
+</file>
+
 <file path=ppt/slides/slide5.xml><?xml version="1.0" encoding="utf-8"?>
 <p:sld xmlns:a="http://schemas.openxmlformats.org/drawingml/2006/main" xmlns:r="http://schemas.openxmlformats.org/officeDocument/2006/relationships" xmlns:p="http://schemas.openxmlformats.org/presentationml/2006/main">
   <p:cSld>
@@ -19583,7 +19922,7 @@
           <a:p>
             <a:r>
               <a:rPr lang="en-US" dirty="0"/>
-              <a:t>topic I – basis for command-lines analysis</a:t>
+              <a:t>topic I – basis for command-line analysis</a:t>
             </a:r>
           </a:p>
         </p:txBody>
@@ -19805,7 +20144,7 @@
                 <a:latin typeface="Calibri Light" panose="020F0302020204030204" pitchFamily="34" charset="0"/>
                 <a:cs typeface="Calibri Light" panose="020F0302020204030204" pitchFamily="34" charset="0"/>
               </a:rPr>
-              <a:t>command-lines</a:t>
+              <a:t>command-line</a:t>
             </a:r>
             <a:r>
               <a:rPr lang="en-US" b="0" i="0" baseline="0" dirty="0">

--- a/PLPTH813Bioinformatis/2025/1_lecture/lecture01_overview_basis.pptx
+++ b/PLPTH813Bioinformatis/2025/1_lecture/lecture01_overview_basis.pptx
@@ -5,10 +5,10 @@
     <p:sldMasterId id="2147483648" r:id="rId1"/>
   </p:sldMasterIdLst>
   <p:notesMasterIdLst>
-    <p:notesMasterId r:id="rId37"/>
+    <p:notesMasterId r:id="rId38"/>
   </p:notesMasterIdLst>
   <p:handoutMasterIdLst>
-    <p:handoutMasterId r:id="rId38"/>
+    <p:handoutMasterId r:id="rId39"/>
   </p:handoutMasterIdLst>
   <p:sldIdLst>
     <p:sldId id="256" r:id="rId2"/>
@@ -37,15 +37,16 @@
     <p:sldId id="319" r:id="rId25"/>
     <p:sldId id="320" r:id="rId26"/>
     <p:sldId id="321" r:id="rId27"/>
-    <p:sldId id="278" r:id="rId28"/>
-    <p:sldId id="322" r:id="rId29"/>
-    <p:sldId id="323" r:id="rId30"/>
-    <p:sldId id="297" r:id="rId31"/>
-    <p:sldId id="303" r:id="rId32"/>
-    <p:sldId id="326" r:id="rId33"/>
-    <p:sldId id="327" r:id="rId34"/>
-    <p:sldId id="328" r:id="rId35"/>
-    <p:sldId id="329" r:id="rId36"/>
+    <p:sldId id="390" r:id="rId28"/>
+    <p:sldId id="391" r:id="rId29"/>
+    <p:sldId id="322" r:id="rId30"/>
+    <p:sldId id="323" r:id="rId31"/>
+    <p:sldId id="297" r:id="rId32"/>
+    <p:sldId id="303" r:id="rId33"/>
+    <p:sldId id="326" r:id="rId34"/>
+    <p:sldId id="327" r:id="rId35"/>
+    <p:sldId id="328" r:id="rId36"/>
+    <p:sldId id="329" r:id="rId37"/>
   </p:sldIdLst>
   <p:sldSz cx="9144000" cy="5143500" type="screen16x9"/>
   <p:notesSz cx="6858000" cy="9144000"/>
@@ -245,7 +246,7 @@
           <a:p>
             <a:fld id="{42D500AB-40DB-3649-A254-E91FF5C008D8}" type="datetimeFigureOut">
               <a:rPr lang="en-US" smtClean="0"/>
-              <a:t>1/20/25</a:t>
+              <a:t>1/28/25</a:t>
             </a:fld>
             <a:endParaRPr lang="en-US"/>
           </a:p>
@@ -411,7 +412,7 @@
           <a:p>
             <a:fld id="{4E54808B-C6D3-4F4E-9F6E-D9149D4F9C09}" type="datetimeFigureOut">
               <a:rPr lang="en-US" smtClean="0"/>
-              <a:t>1/20/25</a:t>
+              <a:t>1/28/25</a:t>
             </a:fld>
             <a:endParaRPr lang="en-US"/>
           </a:p>
@@ -773,7 +774,13 @@
   <p:cSld>
     <p:spTree>
       <p:nvGrpSpPr>
-        <p:cNvPr id="1" name=""/>
+        <p:cNvPr id="1" name="">
+          <a:extLst>
+            <a:ext uri="{FF2B5EF4-FFF2-40B4-BE49-F238E27FC236}">
+              <a16:creationId xmlns:a16="http://schemas.microsoft.com/office/drawing/2014/main" id="{68941425-8ED0-18F9-ED8D-608000FB7069}"/>
+            </a:ext>
+          </a:extLst>
+        </p:cNvPr>
         <p:cNvGrpSpPr/>
         <p:nvPr/>
       </p:nvGrpSpPr>
@@ -787,7 +794,13 @@
       </p:grpSpPr>
       <p:sp>
         <p:nvSpPr>
-          <p:cNvPr id="2" name="Slide Image Placeholder 1"/>
+          <p:cNvPr id="2" name="Slide Image Placeholder 1">
+            <a:extLst>
+              <a:ext uri="{FF2B5EF4-FFF2-40B4-BE49-F238E27FC236}">
+                <a16:creationId xmlns:a16="http://schemas.microsoft.com/office/drawing/2014/main" id="{5812F25C-3739-939C-FCB0-8ED9E024B7E9}"/>
+              </a:ext>
+            </a:extLst>
+          </p:cNvPr>
           <p:cNvSpPr>
             <a:spLocks noGrp="1" noRot="1" noChangeAspect="1"/>
           </p:cNvSpPr>
@@ -804,7 +817,13 @@
       </p:sp>
       <p:sp>
         <p:nvSpPr>
-          <p:cNvPr id="3" name="Notes Placeholder 2"/>
+          <p:cNvPr id="3" name="Notes Placeholder 2">
+            <a:extLst>
+              <a:ext uri="{FF2B5EF4-FFF2-40B4-BE49-F238E27FC236}">
+                <a16:creationId xmlns:a16="http://schemas.microsoft.com/office/drawing/2014/main" id="{F250911A-55C1-E77D-884B-16A9ECA2730D}"/>
+              </a:ext>
+            </a:extLst>
+          </p:cNvPr>
           <p:cNvSpPr>
             <a:spLocks noGrp="1"/>
           </p:cNvSpPr>
@@ -826,7 +845,13 @@
       </p:sp>
       <p:sp>
         <p:nvSpPr>
-          <p:cNvPr id="4" name="Slide Number Placeholder 3"/>
+          <p:cNvPr id="4" name="Slide Number Placeholder 3">
+            <a:extLst>
+              <a:ext uri="{FF2B5EF4-FFF2-40B4-BE49-F238E27FC236}">
+                <a16:creationId xmlns:a16="http://schemas.microsoft.com/office/drawing/2014/main" id="{3240EC8B-1630-B745-516C-F08CE5192E25}"/>
+              </a:ext>
+            </a:extLst>
+          </p:cNvPr>
           <p:cNvSpPr>
             <a:spLocks noGrp="1"/>
           </p:cNvSpPr>
@@ -850,7 +875,7 @@
     </p:spTree>
     <p:extLst>
       <p:ext uri="{BB962C8B-B14F-4D97-AF65-F5344CB8AC3E}">
-        <p14:creationId xmlns:p14="http://schemas.microsoft.com/office/powerpoint/2010/main" val="2195837870"/>
+        <p14:creationId xmlns:p14="http://schemas.microsoft.com/office/powerpoint/2010/main" val="1330390672"/>
       </p:ext>
     </p:extLst>
   </p:cSld>
@@ -942,7 +967,7 @@
     </p:spTree>
     <p:extLst>
       <p:ext uri="{BB962C8B-B14F-4D97-AF65-F5344CB8AC3E}">
-        <p14:creationId xmlns:p14="http://schemas.microsoft.com/office/powerpoint/2010/main" val="1961905627"/>
+        <p14:creationId xmlns:p14="http://schemas.microsoft.com/office/powerpoint/2010/main" val="2195837870"/>
       </p:ext>
     </p:extLst>
   </p:cSld>
@@ -1001,7 +1026,10 @@
           <a:bodyPr/>
           <a:lstStyle/>
           <a:p>
-            <a:endParaRPr lang="en-US" dirty="0"/>
+            <a:r>
+              <a:rPr lang="en-US" dirty="0"/>
+              <a:t>POSIX: Portable Operating System Interface</a:t>
+            </a:r>
           </a:p>
         </p:txBody>
       </p:sp>
@@ -1031,6 +1059,95 @@
     </p:spTree>
     <p:extLst>
       <p:ext uri="{BB962C8B-B14F-4D97-AF65-F5344CB8AC3E}">
+        <p14:creationId xmlns:p14="http://schemas.microsoft.com/office/powerpoint/2010/main" val="1961905627"/>
+      </p:ext>
+    </p:extLst>
+  </p:cSld>
+  <p:clrMapOvr>
+    <a:masterClrMapping/>
+  </p:clrMapOvr>
+</p:notes>
+</file>
+
+<file path=ppt/notesSlides/notesSlide13.xml><?xml version="1.0" encoding="utf-8"?>
+<p:notes xmlns:a="http://schemas.openxmlformats.org/drawingml/2006/main" xmlns:r="http://schemas.openxmlformats.org/officeDocument/2006/relationships" xmlns:p="http://schemas.openxmlformats.org/presentationml/2006/main">
+  <p:cSld>
+    <p:spTree>
+      <p:nvGrpSpPr>
+        <p:cNvPr id="1" name=""/>
+        <p:cNvGrpSpPr/>
+        <p:nvPr/>
+      </p:nvGrpSpPr>
+      <p:grpSpPr>
+        <a:xfrm>
+          <a:off x="0" y="0"/>
+          <a:ext cx="0" cy="0"/>
+          <a:chOff x="0" y="0"/>
+          <a:chExt cx="0" cy="0"/>
+        </a:xfrm>
+      </p:grpSpPr>
+      <p:sp>
+        <p:nvSpPr>
+          <p:cNvPr id="2" name="Slide Image Placeholder 1"/>
+          <p:cNvSpPr>
+            <a:spLocks noGrp="1" noRot="1" noChangeAspect="1"/>
+          </p:cNvSpPr>
+          <p:nvPr>
+            <p:ph type="sldImg"/>
+          </p:nvPr>
+        </p:nvSpPr>
+        <p:spPr>
+          <a:xfrm>
+            <a:off x="381000" y="685800"/>
+            <a:ext cx="6096000" cy="3429000"/>
+          </a:xfrm>
+        </p:spPr>
+      </p:sp>
+      <p:sp>
+        <p:nvSpPr>
+          <p:cNvPr id="3" name="Notes Placeholder 2"/>
+          <p:cNvSpPr>
+            <a:spLocks noGrp="1"/>
+          </p:cNvSpPr>
+          <p:nvPr>
+            <p:ph type="body" idx="1"/>
+          </p:nvPr>
+        </p:nvSpPr>
+        <p:spPr/>
+        <p:txBody>
+          <a:bodyPr/>
+          <a:lstStyle/>
+          <a:p>
+            <a:endParaRPr lang="en-US" dirty="0"/>
+          </a:p>
+        </p:txBody>
+      </p:sp>
+      <p:sp>
+        <p:nvSpPr>
+          <p:cNvPr id="4" name="Slide Number Placeholder 3"/>
+          <p:cNvSpPr>
+            <a:spLocks noGrp="1"/>
+          </p:cNvSpPr>
+          <p:nvPr>
+            <p:ph type="sldNum" sz="quarter" idx="10"/>
+          </p:nvPr>
+        </p:nvSpPr>
+        <p:spPr/>
+        <p:txBody>
+          <a:bodyPr/>
+          <a:lstStyle/>
+          <a:p>
+            <a:fld id="{DC2B8C24-ACAE-AE41-B565-178ED93271F0}" type="slidenum">
+              <a:rPr lang="en-US" smtClean="0"/>
+              <a:t>30</a:t>
+            </a:fld>
+            <a:endParaRPr lang="en-US"/>
+          </a:p>
+        </p:txBody>
+      </p:sp>
+    </p:spTree>
+    <p:extLst>
+      <p:ext uri="{BB962C8B-B14F-4D97-AF65-F5344CB8AC3E}">
         <p14:creationId xmlns:p14="http://schemas.microsoft.com/office/powerpoint/2010/main" val="2276927341"/>
       </p:ext>
     </p:extLst>
@@ -1041,7 +1158,7 @@
 </p:notes>
 </file>
 
-<file path=ppt/notesSlides/notesSlide13.xml><?xml version="1.0" encoding="utf-8"?>
+<file path=ppt/notesSlides/notesSlide14.xml><?xml version="1.0" encoding="utf-8"?>
 <p:notes xmlns:a="http://schemas.openxmlformats.org/drawingml/2006/main" xmlns:r="http://schemas.openxmlformats.org/officeDocument/2006/relationships" xmlns:p="http://schemas.openxmlformats.org/presentationml/2006/main">
   <p:cSld>
     <p:spTree>
@@ -1106,7 +1223,7 @@
           <a:p>
             <a:fld id="{DC2B8C24-ACAE-AE41-B565-178ED93271F0}" type="slidenum">
               <a:rPr lang="en-US" smtClean="0"/>
-              <a:t>31</a:t>
+              <a:t>32</a:t>
             </a:fld>
             <a:endParaRPr lang="en-US"/>
           </a:p>
@@ -2060,7 +2177,7 @@
           <a:p>
             <a:fld id="{174635AB-F2BA-5949-B83E-329EC452D42A}" type="datetime1">
               <a:rPr lang="en-US" smtClean="0"/>
-              <a:t>1/20/25</a:t>
+              <a:t>1/28/25</a:t>
             </a:fld>
             <a:endParaRPr lang="en-US"/>
           </a:p>
@@ -2228,7 +2345,7 @@
           <a:p>
             <a:fld id="{A82D81A9-3597-9941-8C4D-52E6D9EC7550}" type="datetime1">
               <a:rPr lang="en-US" smtClean="0"/>
-              <a:t>1/20/25</a:t>
+              <a:t>1/28/25</a:t>
             </a:fld>
             <a:endParaRPr lang="en-US"/>
           </a:p>
@@ -2406,7 +2523,7 @@
           <a:p>
             <a:fld id="{68CABB9B-C3AA-7749-89C6-E32B590214A2}" type="datetime1">
               <a:rPr lang="en-US" smtClean="0"/>
-              <a:t>1/20/25</a:t>
+              <a:t>1/28/25</a:t>
             </a:fld>
             <a:endParaRPr lang="en-US"/>
           </a:p>
@@ -2574,7 +2691,7 @@
           <a:p>
             <a:fld id="{B7382B88-27CB-174D-86CB-5F5162996DC4}" type="datetime1">
               <a:rPr lang="en-US" smtClean="0"/>
-              <a:t>1/20/25</a:t>
+              <a:t>1/28/25</a:t>
             </a:fld>
             <a:endParaRPr lang="en-US"/>
           </a:p>
@@ -2819,7 +2936,7 @@
           <a:p>
             <a:fld id="{DFBF93A4-51B8-184E-9CDC-32F14663D043}" type="datetime1">
               <a:rPr lang="en-US" smtClean="0"/>
-              <a:t>1/20/25</a:t>
+              <a:t>1/28/25</a:t>
             </a:fld>
             <a:endParaRPr lang="en-US"/>
           </a:p>
@@ -3104,7 +3221,7 @@
           <a:p>
             <a:fld id="{3F9EB62F-79A6-834F-AF89-47B413EFCD00}" type="datetime1">
               <a:rPr lang="en-US" smtClean="0"/>
-              <a:t>1/20/25</a:t>
+              <a:t>1/28/25</a:t>
             </a:fld>
             <a:endParaRPr lang="en-US"/>
           </a:p>
@@ -3523,7 +3640,7 @@
           <a:p>
             <a:fld id="{C98F3F0A-8441-A94E-9DFE-B2F200159960}" type="datetime1">
               <a:rPr lang="en-US" smtClean="0"/>
-              <a:t>1/20/25</a:t>
+              <a:t>1/28/25</a:t>
             </a:fld>
             <a:endParaRPr lang="en-US"/>
           </a:p>
@@ -3640,7 +3757,7 @@
           <a:p>
             <a:fld id="{2D13F390-AFCB-6B4C-A073-93A0E3CE1A2E}" type="datetime1">
               <a:rPr lang="en-US" smtClean="0"/>
-              <a:t>1/20/25</a:t>
+              <a:t>1/28/25</a:t>
             </a:fld>
             <a:endParaRPr lang="en-US"/>
           </a:p>
@@ -3735,7 +3852,7 @@
           <a:p>
             <a:fld id="{6BF3EFF7-B6EC-5E47-A88C-510064A0B03C}" type="datetime1">
               <a:rPr lang="en-US" smtClean="0"/>
-              <a:t>1/20/25</a:t>
+              <a:t>1/28/25</a:t>
             </a:fld>
             <a:endParaRPr lang="en-US"/>
           </a:p>
@@ -4010,7 +4127,7 @@
           <a:p>
             <a:fld id="{F9FDD7BC-4D9B-A741-A024-274455EB2340}" type="datetime1">
               <a:rPr lang="en-US" smtClean="0"/>
-              <a:t>1/20/25</a:t>
+              <a:t>1/28/25</a:t>
             </a:fld>
             <a:endParaRPr lang="en-US"/>
           </a:p>
@@ -4262,7 +4379,7 @@
           <a:p>
             <a:fld id="{10403580-C820-594B-9A85-E3EBC615AD0A}" type="datetime1">
               <a:rPr lang="en-US" smtClean="0"/>
-              <a:t>1/20/25</a:t>
+              <a:t>1/28/25</a:t>
             </a:fld>
             <a:endParaRPr lang="en-US"/>
           </a:p>
@@ -4473,7 +4590,7 @@
           <a:p>
             <a:fld id="{7D4D473E-7391-144A-9568-07F2D66BB230}" type="datetime1">
               <a:rPr lang="en-US" smtClean="0"/>
-              <a:t>1/20/25</a:t>
+              <a:t>1/28/25</a:t>
             </a:fld>
             <a:endParaRPr lang="en-US"/>
           </a:p>
@@ -16455,7 +16572,13 @@
   <p:cSld>
     <p:spTree>
       <p:nvGrpSpPr>
-        <p:cNvPr id="1" name=""/>
+        <p:cNvPr id="1" name="">
+          <a:extLst>
+            <a:ext uri="{FF2B5EF4-FFF2-40B4-BE49-F238E27FC236}">
+              <a16:creationId xmlns:a16="http://schemas.microsoft.com/office/drawing/2014/main" id="{8F72316C-9103-5354-569A-974BD7A32934}"/>
+            </a:ext>
+          </a:extLst>
+        </p:cNvPr>
         <p:cNvGrpSpPr/>
         <p:nvPr/>
       </p:nvGrpSpPr>
@@ -16469,7 +16592,13 @@
       </p:grpSpPr>
       <p:sp>
         <p:nvSpPr>
-          <p:cNvPr id="2" name="Title 1"/>
+          <p:cNvPr id="2" name="Title 1">
+            <a:extLst>
+              <a:ext uri="{FF2B5EF4-FFF2-40B4-BE49-F238E27FC236}">
+                <a16:creationId xmlns:a16="http://schemas.microsoft.com/office/drawing/2014/main" id="{41C23A6C-2CCE-0E78-8913-53C9476DCBF2}"/>
+              </a:ext>
+            </a:extLst>
+          </p:cNvPr>
           <p:cNvSpPr>
             <a:spLocks noGrp="1"/>
           </p:cNvSpPr>
@@ -16484,21 +16613,27 @@
           <a:p>
             <a:r>
               <a:rPr lang="en-US" dirty="0"/>
-              <a:t>Regular expression (V)</a:t>
+              <a:t>Regular expression</a:t>
             </a:r>
           </a:p>
         </p:txBody>
       </p:sp>
       <p:sp>
         <p:nvSpPr>
-          <p:cNvPr id="8" name="TextBox 7"/>
+          <p:cNvPr id="8" name="TextBox 7">
+            <a:extLst>
+              <a:ext uri="{FF2B5EF4-FFF2-40B4-BE49-F238E27FC236}">
+                <a16:creationId xmlns:a16="http://schemas.microsoft.com/office/drawing/2014/main" id="{A747A857-AB6F-D5F6-8DED-68E8AC71A1BF}"/>
+              </a:ext>
+            </a:extLst>
+          </p:cNvPr>
           <p:cNvSpPr txBox="1"/>
           <p:nvPr/>
         </p:nvSpPr>
         <p:spPr>
           <a:xfrm>
-            <a:off x="736599" y="767722"/>
-            <a:ext cx="7721600" cy="415498"/>
+            <a:off x="590221" y="1157463"/>
+            <a:ext cx="2720704" cy="415498"/>
           </a:xfrm>
           <a:prstGeom prst="rect">
             <a:avLst/>
@@ -16538,7 +16673,13 @@
       </p:sp>
       <p:pic>
         <p:nvPicPr>
-          <p:cNvPr id="11" name="Picture 10"/>
+          <p:cNvPr id="11" name="Picture 10">
+            <a:extLst>
+              <a:ext uri="{FF2B5EF4-FFF2-40B4-BE49-F238E27FC236}">
+                <a16:creationId xmlns:a16="http://schemas.microsoft.com/office/drawing/2014/main" id="{11553FDD-0824-1C15-6230-75699D1E9C55}"/>
+              </a:ext>
+            </a:extLst>
+          </p:cNvPr>
           <p:cNvPicPr>
             <a:picLocks noChangeAspect="1"/>
           </p:cNvPicPr>
@@ -16552,7 +16693,7 @@
         </p:blipFill>
         <p:spPr>
           <a:xfrm>
-            <a:off x="1696211" y="1685448"/>
+            <a:off x="590221" y="2031971"/>
             <a:ext cx="2198160" cy="567267"/>
           </a:xfrm>
           <a:prstGeom prst="rect">
@@ -16562,13 +16703,19 @@
       </p:pic>
       <p:sp>
         <p:nvSpPr>
-          <p:cNvPr id="12" name="TextBox 11"/>
+          <p:cNvPr id="12" name="TextBox 11">
+            <a:extLst>
+              <a:ext uri="{FF2B5EF4-FFF2-40B4-BE49-F238E27FC236}">
+                <a16:creationId xmlns:a16="http://schemas.microsoft.com/office/drawing/2014/main" id="{C9DD1914-72FC-D766-5EAD-A436B5AF1FF5}"/>
+              </a:ext>
+            </a:extLst>
+          </p:cNvPr>
           <p:cNvSpPr txBox="1"/>
           <p:nvPr/>
         </p:nvSpPr>
         <p:spPr>
           <a:xfrm>
-            <a:off x="2337424" y="1206561"/>
+            <a:off x="1276549" y="2571967"/>
             <a:ext cx="742962" cy="461665"/>
           </a:xfrm>
           <a:prstGeom prst="rect">
@@ -16592,13 +16739,19 @@
       </p:sp>
       <p:sp>
         <p:nvSpPr>
-          <p:cNvPr id="13" name="TextBox 12"/>
+          <p:cNvPr id="13" name="TextBox 12">
+            <a:extLst>
+              <a:ext uri="{FF2B5EF4-FFF2-40B4-BE49-F238E27FC236}">
+                <a16:creationId xmlns:a16="http://schemas.microsoft.com/office/drawing/2014/main" id="{1F6D76B7-1D2A-6E24-F3BF-E5A6E20BF744}"/>
+              </a:ext>
+            </a:extLst>
+          </p:cNvPr>
           <p:cNvSpPr txBox="1"/>
           <p:nvPr/>
         </p:nvSpPr>
         <p:spPr>
           <a:xfrm>
-            <a:off x="4123890" y="1676692"/>
+            <a:off x="3017900" y="2023215"/>
             <a:ext cx="2518237" cy="584776"/>
           </a:xfrm>
           <a:prstGeom prst="rect">
@@ -16621,50 +16774,20 @@
       </p:sp>
       <p:sp>
         <p:nvSpPr>
-          <p:cNvPr id="14" name="TextBox 13"/>
+          <p:cNvPr id="5" name="TextBox 4">
+            <a:extLst>
+              <a:ext uri="{FF2B5EF4-FFF2-40B4-BE49-F238E27FC236}">
+                <a16:creationId xmlns:a16="http://schemas.microsoft.com/office/drawing/2014/main" id="{95AB84F6-8590-23FA-73E6-D448830F9EBC}"/>
+              </a:ext>
+            </a:extLst>
+          </p:cNvPr>
           <p:cNvSpPr txBox="1"/>
           <p:nvPr/>
         </p:nvSpPr>
         <p:spPr>
           <a:xfrm>
-            <a:off x="4888159" y="2269808"/>
-            <a:ext cx="1601921" cy="584776"/>
-          </a:xfrm>
-          <a:prstGeom prst="rect">
-            <a:avLst/>
-          </a:prstGeom>
-          <a:noFill/>
-        </p:spPr>
-        <p:txBody>
-          <a:bodyPr wrap="none" rtlCol="0">
-            <a:spAutoFit/>
-          </a:bodyPr>
-          <a:lstStyle>
-            <a:defPPr>
-              <a:defRPr lang="en-US"/>
-            </a:defPPr>
-            <a:lvl1pPr>
-              <a:defRPr sz="3200"/>
-            </a:lvl1pPr>
-          </a:lstStyle>
-          <a:p>
-            <a:r>
-              <a:rPr lang="en-US" dirty="0"/>
-              <a:t>201[2-4]</a:t>
-            </a:r>
-          </a:p>
-        </p:txBody>
-      </p:sp>
-      <p:sp>
-        <p:nvSpPr>
-          <p:cNvPr id="15" name="TextBox 14"/>
-          <p:cNvSpPr txBox="1"/>
-          <p:nvPr/>
-        </p:nvSpPr>
-        <p:spPr>
-          <a:xfrm>
-            <a:off x="1626824" y="2331365"/>
-            <a:ext cx="3219000" cy="461665"/>
+            <a:off x="6197044" y="767722"/>
+            <a:ext cx="2356735" cy="4247317"/>
           </a:xfrm>
           <a:prstGeom prst="rect">
             <a:avLst/>
@@ -16678,250 +16801,92 @@
           <a:lstStyle/>
           <a:p>
             <a:r>
-              <a:rPr lang="en-US" sz="2400" dirty="0"/>
-              <a:t>select 2012, 2013, 2014</a:t>
-            </a:r>
-          </a:p>
-        </p:txBody>
-      </p:sp>
-      <p:sp>
-        <p:nvSpPr>
-          <p:cNvPr id="16" name="TextBox 15"/>
-          <p:cNvSpPr txBox="1"/>
-          <p:nvPr/>
-        </p:nvSpPr>
-        <p:spPr>
-          <a:xfrm>
-            <a:off x="4989464" y="3544365"/>
-            <a:ext cx="1096173" cy="584776"/>
-          </a:xfrm>
-          <a:prstGeom prst="rect">
-            <a:avLst/>
-          </a:prstGeom>
-          <a:noFill/>
-        </p:spPr>
-        <p:txBody>
-          <a:bodyPr wrap="none" rtlCol="0">
-            <a:spAutoFit/>
-          </a:bodyPr>
-          <a:lstStyle>
-            <a:defPPr>
-              <a:defRPr lang="en-US"/>
-            </a:defPPr>
-            <a:lvl1pPr>
-              <a:defRPr sz="3200"/>
-            </a:lvl1pPr>
-          </a:lstStyle>
-          <a:p>
-            <a:r>
               <a:rPr lang="en-US" dirty="0"/>
-              <a:t>A{12}</a:t>
-            </a:r>
-          </a:p>
-        </p:txBody>
-      </p:sp>
-      <p:sp>
-        <p:nvSpPr>
-          <p:cNvPr id="17" name="TextBox 16"/>
-          <p:cNvSpPr txBox="1"/>
-          <p:nvPr/>
-        </p:nvSpPr>
-        <p:spPr>
-          <a:xfrm>
-            <a:off x="1728130" y="3605922"/>
-            <a:ext cx="2857573" cy="461665"/>
-          </a:xfrm>
-          <a:prstGeom prst="rect">
-            <a:avLst/>
-          </a:prstGeom>
-          <a:noFill/>
-        </p:spPr>
-        <p:txBody>
-          <a:bodyPr wrap="none" rtlCol="0">
-            <a:spAutoFit/>
-          </a:bodyPr>
-          <a:lstStyle/>
-          <a:p>
-            <a:r>
-              <a:rPr lang="en-US" sz="2400" dirty="0"/>
-              <a:t>Poly A (12 A in a row)</a:t>
-            </a:r>
-          </a:p>
-        </p:txBody>
-      </p:sp>
-      <p:sp>
-        <p:nvSpPr>
-          <p:cNvPr id="19" name="TextBox 18"/>
-          <p:cNvSpPr txBox="1"/>
-          <p:nvPr/>
-        </p:nvSpPr>
-        <p:spPr>
-          <a:xfrm>
-            <a:off x="639830" y="2852287"/>
-            <a:ext cx="7721600" cy="747897"/>
-          </a:xfrm>
-          <a:prstGeom prst="rect">
-            <a:avLst/>
-          </a:prstGeom>
-          <a:solidFill>
-            <a:schemeClr val="accent5">
-              <a:lumMod val="20000"/>
-              <a:lumOff val="80000"/>
-            </a:schemeClr>
-          </a:solidFill>
-        </p:spPr>
-        <p:txBody>
-          <a:bodyPr wrap="square" rtlCol="0">
-            <a:spAutoFit/>
-          </a:bodyPr>
-          <a:lstStyle/>
-          <a:p>
-            <a:pPr>
-              <a:lnSpc>
-                <a:spcPct val="120000"/>
-              </a:lnSpc>
-            </a:pPr>
-            <a:r>
-              <a:rPr lang="en-US" b="1" dirty="0">
-                <a:solidFill>
-                  <a:srgbClr val="17375E"/>
-                </a:solidFill>
-              </a:rPr>
-              <a:t>{}</a:t>
-            </a:r>
+              <a:t>A	Adenine	A</a:t>
+            </a:r>
+          </a:p>
+          <a:p>
             <a:r>
               <a:rPr lang="en-US" dirty="0"/>
-              <a:t>  : specify a range of numbers to repeat the match of the immediately preceding character.</a:t>
-            </a:r>
-          </a:p>
-        </p:txBody>
-      </p:sp>
-      <p:sp>
-        <p:nvSpPr>
-          <p:cNvPr id="20" name="TextBox 19"/>
-          <p:cNvSpPr txBox="1"/>
-          <p:nvPr/>
-        </p:nvSpPr>
-        <p:spPr>
-          <a:xfrm>
-            <a:off x="4989464" y="4067585"/>
-            <a:ext cx="1614545" cy="584776"/>
-          </a:xfrm>
-          <a:prstGeom prst="rect">
-            <a:avLst/>
-          </a:prstGeom>
-          <a:noFill/>
-        </p:spPr>
-        <p:txBody>
-          <a:bodyPr wrap="none" rtlCol="0">
-            <a:spAutoFit/>
-          </a:bodyPr>
-          <a:lstStyle>
-            <a:defPPr>
-              <a:defRPr lang="en-US"/>
-            </a:defPPr>
-            <a:lvl1pPr>
-              <a:defRPr sz="3200"/>
-            </a:lvl1pPr>
-          </a:lstStyle>
+              <a:t>C	Cytosine	C</a:t>
+            </a:r>
+          </a:p>
           <a:p>
             <a:r>
               <a:rPr lang="en-US" dirty="0"/>
-              <a:t>A{10,12}</a:t>
-            </a:r>
-          </a:p>
-        </p:txBody>
-      </p:sp>
-      <p:sp>
-        <p:nvSpPr>
-          <p:cNvPr id="21" name="TextBox 20"/>
-          <p:cNvSpPr txBox="1"/>
-          <p:nvPr/>
-        </p:nvSpPr>
-        <p:spPr>
-          <a:xfrm>
-            <a:off x="1728129" y="4129142"/>
-            <a:ext cx="3263784" cy="461665"/>
-          </a:xfrm>
-          <a:prstGeom prst="rect">
-            <a:avLst/>
-          </a:prstGeom>
-          <a:noFill/>
-        </p:spPr>
-        <p:txBody>
-          <a:bodyPr wrap="none" rtlCol="0">
-            <a:spAutoFit/>
-          </a:bodyPr>
-          <a:lstStyle/>
-          <a:p>
-            <a:r>
-              <a:rPr lang="en-US" sz="2400" dirty="0"/>
-              <a:t>Poly A (10-12 A in a row)</a:t>
-            </a:r>
-          </a:p>
-        </p:txBody>
-      </p:sp>
-      <p:sp>
-        <p:nvSpPr>
-          <p:cNvPr id="22" name="TextBox 21"/>
-          <p:cNvSpPr txBox="1"/>
-          <p:nvPr/>
-        </p:nvSpPr>
-        <p:spPr>
-          <a:xfrm>
-            <a:off x="5002164" y="4562885"/>
-            <a:ext cx="1198565" cy="584776"/>
-          </a:xfrm>
-          <a:prstGeom prst="rect">
-            <a:avLst/>
-          </a:prstGeom>
-          <a:noFill/>
-        </p:spPr>
-        <p:txBody>
-          <a:bodyPr wrap="none" rtlCol="0">
-            <a:spAutoFit/>
-          </a:bodyPr>
-          <a:lstStyle>
-            <a:defPPr>
-              <a:defRPr lang="en-US"/>
-            </a:defPPr>
-            <a:lvl1pPr>
-              <a:defRPr sz="3200"/>
-            </a:lvl1pPr>
-          </a:lstStyle>
+              <a:t>G	Guanine	G</a:t>
+            </a:r>
+          </a:p>
           <a:p>
             <a:r>
               <a:rPr lang="en-US" dirty="0"/>
-              <a:t>A{10,}</a:t>
-            </a:r>
-          </a:p>
-        </p:txBody>
-      </p:sp>
-      <p:sp>
-        <p:nvSpPr>
-          <p:cNvPr id="23" name="TextBox 22"/>
-          <p:cNvSpPr txBox="1"/>
-          <p:nvPr/>
-        </p:nvSpPr>
-        <p:spPr>
-          <a:xfrm>
-            <a:off x="1740829" y="4624442"/>
-            <a:ext cx="3164148" cy="461665"/>
-          </a:xfrm>
-          <a:prstGeom prst="rect">
-            <a:avLst/>
-          </a:prstGeom>
-          <a:noFill/>
-        </p:spPr>
-        <p:txBody>
-          <a:bodyPr wrap="none" rtlCol="0">
-            <a:spAutoFit/>
-          </a:bodyPr>
-          <a:lstStyle/>
-          <a:p>
-            <a:r>
-              <a:rPr lang="en-US" sz="2400" dirty="0"/>
-              <a:t>Poly A (&gt;=10 A in a row)</a:t>
+              <a:t>T	Thymine T</a:t>
+            </a:r>
+          </a:p>
+          <a:p>
+            <a:r>
+              <a:rPr lang="en-US" dirty="0"/>
+              <a:t>W	Weak	A/T</a:t>
+            </a:r>
+          </a:p>
+          <a:p>
+            <a:r>
+              <a:rPr lang="en-US" dirty="0"/>
+              <a:t>S	Strong	C/G</a:t>
+            </a:r>
+          </a:p>
+          <a:p>
+            <a:r>
+              <a:rPr lang="en-US" dirty="0"/>
+              <a:t>M	Amino	A/C</a:t>
+            </a:r>
+          </a:p>
+          <a:p>
+            <a:r>
+              <a:rPr lang="en-US" dirty="0"/>
+              <a:t>K	Keto	G/T</a:t>
+            </a:r>
+          </a:p>
+          <a:p>
+            <a:r>
+              <a:rPr lang="en-US" dirty="0"/>
+              <a:t>R	Purine	A/G</a:t>
+            </a:r>
+          </a:p>
+          <a:p>
+            <a:r>
+              <a:rPr lang="en-US" dirty="0"/>
+              <a:t>Y	Pyrimidine	C/T</a:t>
+            </a:r>
+          </a:p>
+          <a:p>
+            <a:r>
+              <a:rPr lang="en-US" dirty="0"/>
+              <a:t>B	Not A	C/G/T</a:t>
+            </a:r>
+          </a:p>
+          <a:p>
+            <a:r>
+              <a:rPr lang="en-US" dirty="0"/>
+              <a:t>D	Not C	A/G/T</a:t>
+            </a:r>
+          </a:p>
+          <a:p>
+            <a:r>
+              <a:rPr lang="en-US" dirty="0"/>
+              <a:t>H	Not G	A/C/T</a:t>
+            </a:r>
+          </a:p>
+          <a:p>
+            <a:r>
+              <a:rPr lang="en-US" dirty="0"/>
+              <a:t>V	Not T	A/C/G</a:t>
+            </a:r>
+          </a:p>
+          <a:p>
+            <a:r>
+              <a:rPr lang="en-US" dirty="0"/>
+              <a:t>N	Any	A/C/G/T</a:t>
             </a:r>
           </a:p>
         </p:txBody>
@@ -16929,7 +16894,7 @@
     </p:spTree>
     <p:extLst>
       <p:ext uri="{BB962C8B-B14F-4D97-AF65-F5344CB8AC3E}">
-        <p14:creationId xmlns:p14="http://schemas.microsoft.com/office/powerpoint/2010/main" val="2950225406"/>
+        <p14:creationId xmlns:p14="http://schemas.microsoft.com/office/powerpoint/2010/main" val="1054789750"/>
       </p:ext>
     </p:extLst>
   </p:cSld>
@@ -16966,101 +16931,28 @@
             <p:ph type="title"/>
           </p:nvPr>
         </p:nvSpPr>
-        <p:spPr>
-          <a:xfrm>
-            <a:off x="457200" y="262457"/>
-            <a:ext cx="8229600" cy="579740"/>
-          </a:xfrm>
-        </p:spPr>
+        <p:spPr/>
         <p:txBody>
           <a:bodyPr/>
           <a:lstStyle/>
           <a:p>
             <a:r>
               <a:rPr lang="en-US" dirty="0"/>
-              <a:t>Regular expression (VI)</a:t>
+              <a:t>Regular expression (V)</a:t>
             </a:r>
           </a:p>
         </p:txBody>
       </p:sp>
       <p:sp>
         <p:nvSpPr>
-          <p:cNvPr id="8" name="TextBox 7"/>
+          <p:cNvPr id="16" name="TextBox 15"/>
           <p:cNvSpPr txBox="1"/>
           <p:nvPr/>
         </p:nvSpPr>
         <p:spPr>
           <a:xfrm>
-            <a:off x="711200" y="1123163"/>
-            <a:ext cx="7721600" cy="415498"/>
-          </a:xfrm>
-          <a:prstGeom prst="rect">
-            <a:avLst/>
-          </a:prstGeom>
-          <a:solidFill>
-            <a:schemeClr val="accent5">
-              <a:lumMod val="20000"/>
-              <a:lumOff val="80000"/>
-            </a:schemeClr>
-          </a:solidFill>
-        </p:spPr>
-        <p:txBody>
-          <a:bodyPr wrap="square" rtlCol="0">
-            <a:spAutoFit/>
-          </a:bodyPr>
-          <a:lstStyle/>
-          <a:p>
-            <a:pPr>
-              <a:lnSpc>
-                <a:spcPct val="120000"/>
-              </a:lnSpc>
-            </a:pPr>
-            <a:r>
-              <a:rPr lang="en-US" dirty="0"/>
-              <a:t>|</a:t>
-            </a:r>
-          </a:p>
-        </p:txBody>
-      </p:sp>
-      <p:sp>
-        <p:nvSpPr>
-          <p:cNvPr id="13" name="TextBox 12"/>
-          <p:cNvSpPr txBox="1"/>
-          <p:nvPr/>
-        </p:nvSpPr>
-        <p:spPr>
-          <a:xfrm>
-            <a:off x="639831" y="1853602"/>
-            <a:ext cx="936475" cy="584775"/>
-          </a:xfrm>
-          <a:prstGeom prst="rect">
-            <a:avLst/>
-          </a:prstGeom>
-          <a:noFill/>
-        </p:spPr>
-        <p:txBody>
-          <a:bodyPr wrap="none" rtlCol="0">
-            <a:spAutoFit/>
-          </a:bodyPr>
-          <a:lstStyle/>
-          <a:p>
-            <a:r>
-              <a:rPr lang="en-US" sz="3200" dirty="0"/>
-              <a:t>|: or</a:t>
-            </a:r>
-          </a:p>
-        </p:txBody>
-      </p:sp>
-      <p:sp>
-        <p:nvSpPr>
-          <p:cNvPr id="14" name="TextBox 13"/>
-          <p:cNvSpPr txBox="1"/>
-          <p:nvPr/>
-        </p:nvSpPr>
-        <p:spPr>
-          <a:xfrm>
-            <a:off x="821130" y="2933635"/>
-            <a:ext cx="1510350" cy="584775"/>
+            <a:off x="5234265" y="2707032"/>
+            <a:ext cx="1096173" cy="584776"/>
           </a:xfrm>
           <a:prstGeom prst="rect">
             <a:avLst/>
@@ -17081,57 +16973,22 @@
           </a:lstStyle>
           <a:p>
             <a:r>
-              <a:rPr lang="en-US" dirty="0" err="1"/>
-              <a:t>hello|hi</a:t>
-            </a:r>
-            <a:endParaRPr lang="en-US" dirty="0"/>
+              <a:rPr lang="en-US" dirty="0"/>
+              <a:t>A{12}</a:t>
+            </a:r>
           </a:p>
         </p:txBody>
       </p:sp>
       <p:sp>
         <p:nvSpPr>
-          <p:cNvPr id="18" name="Slide Number Placeholder 17"/>
-          <p:cNvSpPr>
-            <a:spLocks noGrp="1"/>
-          </p:cNvSpPr>
-          <p:nvPr>
-            <p:ph type="sldNum" sz="quarter" idx="12"/>
-          </p:nvPr>
-        </p:nvSpPr>
-        <p:spPr>
-          <a:xfrm>
-            <a:off x="6227830" y="5410964"/>
-            <a:ext cx="2133600" cy="365125"/>
-          </a:xfrm>
-        </p:spPr>
-        <p:txBody>
-          <a:bodyPr/>
-          <a:lstStyle/>
-          <a:p>
-            <a:fld id="{9DA039C4-C5F2-1743-BB7A-5D831266C61E}" type="slidenum">
-              <a:rPr lang="en-US" smtClean="0"/>
-              <a:t>28</a:t>
-            </a:fld>
-            <a:endParaRPr lang="en-US" dirty="0"/>
-          </a:p>
-        </p:txBody>
-      </p:sp>
-      <p:sp>
-        <p:nvSpPr>
-          <p:cNvPr id="3" name="TextBox 2">
-            <a:extLst>
-              <a:ext uri="{FF2B5EF4-FFF2-40B4-BE49-F238E27FC236}">
-                <a16:creationId xmlns:a16="http://schemas.microsoft.com/office/drawing/2014/main" id="{382C0FC5-3112-2C4E-A1DF-D2AF30181B7A}"/>
-              </a:ext>
-            </a:extLst>
-          </p:cNvPr>
+          <p:cNvPr id="17" name="TextBox 16"/>
           <p:cNvSpPr txBox="1"/>
           <p:nvPr/>
         </p:nvSpPr>
         <p:spPr>
           <a:xfrm>
-            <a:off x="2665110" y="2981731"/>
-            <a:ext cx="4471737" cy="461665"/>
+            <a:off x="1972931" y="2768589"/>
+            <a:ext cx="2857573" cy="461665"/>
           </a:xfrm>
           <a:prstGeom prst="rect">
             <a:avLst/>
@@ -17146,7 +17003,184 @@
           <a:p>
             <a:r>
               <a:rPr lang="en-US" sz="2400" dirty="0"/>
-              <a:t>Match either hello or hi in the text</a:t>
+              <a:t>Poly A (12 A in a row)</a:t>
+            </a:r>
+          </a:p>
+        </p:txBody>
+      </p:sp>
+      <p:sp>
+        <p:nvSpPr>
+          <p:cNvPr id="19" name="TextBox 18"/>
+          <p:cNvSpPr txBox="1"/>
+          <p:nvPr/>
+        </p:nvSpPr>
+        <p:spPr>
+          <a:xfrm>
+            <a:off x="782320" y="1484219"/>
+            <a:ext cx="7721600" cy="747897"/>
+          </a:xfrm>
+          <a:prstGeom prst="rect">
+            <a:avLst/>
+          </a:prstGeom>
+          <a:solidFill>
+            <a:schemeClr val="accent5">
+              <a:lumMod val="20000"/>
+              <a:lumOff val="80000"/>
+            </a:schemeClr>
+          </a:solidFill>
+        </p:spPr>
+        <p:txBody>
+          <a:bodyPr wrap="square" rtlCol="0">
+            <a:spAutoFit/>
+          </a:bodyPr>
+          <a:lstStyle/>
+          <a:p>
+            <a:pPr>
+              <a:lnSpc>
+                <a:spcPct val="120000"/>
+              </a:lnSpc>
+            </a:pPr>
+            <a:r>
+              <a:rPr lang="en-US" b="1" dirty="0">
+                <a:solidFill>
+                  <a:srgbClr val="17375E"/>
+                </a:solidFill>
+              </a:rPr>
+              <a:t>{}</a:t>
+            </a:r>
+            <a:r>
+              <a:rPr lang="en-US" dirty="0"/>
+              <a:t>  : specify a range of numbers to repeat the match of the immediately preceding character.</a:t>
+            </a:r>
+          </a:p>
+        </p:txBody>
+      </p:sp>
+      <p:sp>
+        <p:nvSpPr>
+          <p:cNvPr id="20" name="TextBox 19"/>
+          <p:cNvSpPr txBox="1"/>
+          <p:nvPr/>
+        </p:nvSpPr>
+        <p:spPr>
+          <a:xfrm>
+            <a:off x="5234265" y="3230252"/>
+            <a:ext cx="1614545" cy="584776"/>
+          </a:xfrm>
+          <a:prstGeom prst="rect">
+            <a:avLst/>
+          </a:prstGeom>
+          <a:noFill/>
+        </p:spPr>
+        <p:txBody>
+          <a:bodyPr wrap="none" rtlCol="0">
+            <a:spAutoFit/>
+          </a:bodyPr>
+          <a:lstStyle>
+            <a:defPPr>
+              <a:defRPr lang="en-US"/>
+            </a:defPPr>
+            <a:lvl1pPr>
+              <a:defRPr sz="3200"/>
+            </a:lvl1pPr>
+          </a:lstStyle>
+          <a:p>
+            <a:r>
+              <a:rPr lang="en-US" dirty="0"/>
+              <a:t>A{10,12}</a:t>
+            </a:r>
+          </a:p>
+        </p:txBody>
+      </p:sp>
+      <p:sp>
+        <p:nvSpPr>
+          <p:cNvPr id="21" name="TextBox 20"/>
+          <p:cNvSpPr txBox="1"/>
+          <p:nvPr/>
+        </p:nvSpPr>
+        <p:spPr>
+          <a:xfrm>
+            <a:off x="1972930" y="3291809"/>
+            <a:ext cx="3263784" cy="461665"/>
+          </a:xfrm>
+          <a:prstGeom prst="rect">
+            <a:avLst/>
+          </a:prstGeom>
+          <a:noFill/>
+        </p:spPr>
+        <p:txBody>
+          <a:bodyPr wrap="none" rtlCol="0">
+            <a:spAutoFit/>
+          </a:bodyPr>
+          <a:lstStyle/>
+          <a:p>
+            <a:r>
+              <a:rPr lang="en-US" sz="2400" dirty="0"/>
+              <a:t>Poly A (10-12 A in a row)</a:t>
+            </a:r>
+          </a:p>
+        </p:txBody>
+      </p:sp>
+      <p:sp>
+        <p:nvSpPr>
+          <p:cNvPr id="22" name="TextBox 21"/>
+          <p:cNvSpPr txBox="1"/>
+          <p:nvPr/>
+        </p:nvSpPr>
+        <p:spPr>
+          <a:xfrm>
+            <a:off x="5246965" y="3725552"/>
+            <a:ext cx="1198565" cy="584776"/>
+          </a:xfrm>
+          <a:prstGeom prst="rect">
+            <a:avLst/>
+          </a:prstGeom>
+          <a:noFill/>
+        </p:spPr>
+        <p:txBody>
+          <a:bodyPr wrap="none" rtlCol="0">
+            <a:spAutoFit/>
+          </a:bodyPr>
+          <a:lstStyle>
+            <a:defPPr>
+              <a:defRPr lang="en-US"/>
+            </a:defPPr>
+            <a:lvl1pPr>
+              <a:defRPr sz="3200"/>
+            </a:lvl1pPr>
+          </a:lstStyle>
+          <a:p>
+            <a:r>
+              <a:rPr lang="en-US" dirty="0"/>
+              <a:t>A{10,}</a:t>
+            </a:r>
+          </a:p>
+        </p:txBody>
+      </p:sp>
+      <p:sp>
+        <p:nvSpPr>
+          <p:cNvPr id="23" name="TextBox 22"/>
+          <p:cNvSpPr txBox="1"/>
+          <p:nvPr/>
+        </p:nvSpPr>
+        <p:spPr>
+          <a:xfrm>
+            <a:off x="1985630" y="3787109"/>
+            <a:ext cx="3164148" cy="461665"/>
+          </a:xfrm>
+          <a:prstGeom prst="rect">
+            <a:avLst/>
+          </a:prstGeom>
+          <a:noFill/>
+        </p:spPr>
+        <p:txBody>
+          <a:bodyPr wrap="none" rtlCol="0">
+            <a:spAutoFit/>
+          </a:bodyPr>
+          <a:lstStyle/>
+          <a:p>
+            <a:r>
+              <a:rPr lang="en-US" sz="2400" dirty="0"/>
+              <a:t>Poly A (&gt;=10 A in a row)</a:t>
             </a:r>
           </a:p>
         </p:txBody>
@@ -17154,7 +17188,7 @@
     </p:spTree>
     <p:extLst>
       <p:ext uri="{BB962C8B-B14F-4D97-AF65-F5344CB8AC3E}">
-        <p14:creationId xmlns:p14="http://schemas.microsoft.com/office/powerpoint/2010/main" val="1687974752"/>
+        <p14:creationId xmlns:p14="http://schemas.microsoft.com/office/powerpoint/2010/main" val="3676938500"/>
       </p:ext>
     </p:extLst>
   </p:cSld>
@@ -17193,62 +17227,70 @@
         </p:nvSpPr>
         <p:spPr>
           <a:xfrm>
-            <a:off x="457198" y="447359"/>
-            <a:ext cx="8229600" cy="772987"/>
+            <a:off x="457200" y="262457"/>
+            <a:ext cx="8229600" cy="579740"/>
           </a:xfrm>
         </p:spPr>
         <p:txBody>
-          <a:bodyPr>
-            <a:normAutofit/>
-          </a:bodyPr>
+          <a:bodyPr/>
           <a:lstStyle/>
           <a:p>
             <a:r>
-              <a:rPr lang="en-US" sz="3600" dirty="0"/>
-              <a:t>Questions</a:t>
+              <a:rPr lang="en-US" dirty="0"/>
+              <a:t>Regular expression (VI)</a:t>
             </a:r>
           </a:p>
         </p:txBody>
       </p:sp>
       <p:sp>
         <p:nvSpPr>
-          <p:cNvPr id="4" name="Slide Number Placeholder 3"/>
-          <p:cNvSpPr>
-            <a:spLocks noGrp="1"/>
-          </p:cNvSpPr>
-          <p:nvPr>
-            <p:ph type="sldNum" sz="quarter" idx="12"/>
-          </p:nvPr>
-        </p:nvSpPr>
-        <p:spPr/>
-        <p:txBody>
-          <a:bodyPr/>
-          <a:lstStyle/>
-          <a:p>
-            <a:fld id="{9DA039C4-C5F2-1743-BB7A-5D831266C61E}" type="slidenum">
-              <a:rPr lang="en-US" smtClean="0"/>
-              <a:t>29</a:t>
-            </a:fld>
-            <a:endParaRPr lang="en-US"/>
-          </a:p>
-        </p:txBody>
-      </p:sp>
-      <p:sp>
-        <p:nvSpPr>
-          <p:cNvPr id="9" name="TextBox 8">
-            <a:extLst>
-              <a:ext uri="{FF2B5EF4-FFF2-40B4-BE49-F238E27FC236}">
-                <a16:creationId xmlns:a16="http://schemas.microsoft.com/office/drawing/2014/main" id="{50495C02-CFE0-0342-AC4C-1E093D0ABFD6}"/>
-              </a:ext>
-            </a:extLst>
-          </p:cNvPr>
+          <p:cNvPr id="8" name="TextBox 7"/>
           <p:cNvSpPr txBox="1"/>
           <p:nvPr/>
         </p:nvSpPr>
         <p:spPr>
           <a:xfrm>
-            <a:off x="3104769" y="1769733"/>
-            <a:ext cx="2934458" cy="646331"/>
+            <a:off x="711200" y="1123163"/>
+            <a:ext cx="7721600" cy="415498"/>
+          </a:xfrm>
+          <a:prstGeom prst="rect">
+            <a:avLst/>
+          </a:prstGeom>
+          <a:solidFill>
+            <a:schemeClr val="accent5">
+              <a:lumMod val="20000"/>
+              <a:lumOff val="80000"/>
+            </a:schemeClr>
+          </a:solidFill>
+        </p:spPr>
+        <p:txBody>
+          <a:bodyPr wrap="square" rtlCol="0">
+            <a:spAutoFit/>
+          </a:bodyPr>
+          <a:lstStyle/>
+          <a:p>
+            <a:pPr>
+              <a:lnSpc>
+                <a:spcPct val="120000"/>
+              </a:lnSpc>
+            </a:pPr>
+            <a:r>
+              <a:rPr lang="en-US" dirty="0"/>
+              <a:t>|</a:t>
+            </a:r>
+          </a:p>
+        </p:txBody>
+      </p:sp>
+      <p:sp>
+        <p:nvSpPr>
+          <p:cNvPr id="13" name="TextBox 12"/>
+          <p:cNvSpPr txBox="1"/>
+          <p:nvPr/>
+        </p:nvSpPr>
+        <p:spPr>
+          <a:xfrm>
+            <a:off x="639831" y="1853602"/>
+            <a:ext cx="936475" cy="584775"/>
           </a:xfrm>
           <a:prstGeom prst="rect">
             <a:avLst/>
@@ -17262,23 +17304,83 @@
           <a:lstStyle/>
           <a:p>
             <a:r>
-              <a:rPr lang="en-US" sz="3600" dirty="0"/>
-              <a:t>K-[Ss]</a:t>
-            </a:r>
-            <a:r>
-              <a:rPr lang="en-US" sz="3600" dirty="0" err="1"/>
-              <a:t>tate|KSU</a:t>
-            </a:r>
-            <a:endParaRPr lang="en-US" sz="3600" dirty="0"/>
+              <a:rPr lang="en-US" sz="3200" dirty="0"/>
+              <a:t>|: or</a:t>
+            </a:r>
           </a:p>
         </p:txBody>
       </p:sp>
       <p:sp>
         <p:nvSpPr>
-          <p:cNvPr id="10" name="TextBox 9">
+          <p:cNvPr id="14" name="TextBox 13"/>
+          <p:cNvSpPr txBox="1"/>
+          <p:nvPr/>
+        </p:nvSpPr>
+        <p:spPr>
+          <a:xfrm>
+            <a:off x="821130" y="2933635"/>
+            <a:ext cx="1510350" cy="584775"/>
+          </a:xfrm>
+          <a:prstGeom prst="rect">
+            <a:avLst/>
+          </a:prstGeom>
+          <a:noFill/>
+        </p:spPr>
+        <p:txBody>
+          <a:bodyPr wrap="none" rtlCol="0">
+            <a:spAutoFit/>
+          </a:bodyPr>
+          <a:lstStyle>
+            <a:defPPr>
+              <a:defRPr lang="en-US"/>
+            </a:defPPr>
+            <a:lvl1pPr>
+              <a:defRPr sz="3200"/>
+            </a:lvl1pPr>
+          </a:lstStyle>
+          <a:p>
+            <a:r>
+              <a:rPr lang="en-US" dirty="0" err="1"/>
+              <a:t>hello|hi</a:t>
+            </a:r>
+            <a:endParaRPr lang="en-US" dirty="0"/>
+          </a:p>
+        </p:txBody>
+      </p:sp>
+      <p:sp>
+        <p:nvSpPr>
+          <p:cNvPr id="18" name="Slide Number Placeholder 17"/>
+          <p:cNvSpPr>
+            <a:spLocks noGrp="1"/>
+          </p:cNvSpPr>
+          <p:nvPr>
+            <p:ph type="sldNum" sz="quarter" idx="12"/>
+          </p:nvPr>
+        </p:nvSpPr>
+        <p:spPr>
+          <a:xfrm>
+            <a:off x="6227830" y="5410964"/>
+            <a:ext cx="2133600" cy="365125"/>
+          </a:xfrm>
+        </p:spPr>
+        <p:txBody>
+          <a:bodyPr/>
+          <a:lstStyle/>
+          <a:p>
+            <a:fld id="{9DA039C4-C5F2-1743-BB7A-5D831266C61E}" type="slidenum">
+              <a:rPr lang="en-US" smtClean="0"/>
+              <a:t>29</a:t>
+            </a:fld>
+            <a:endParaRPr lang="en-US" dirty="0"/>
+          </a:p>
+        </p:txBody>
+      </p:sp>
+      <p:sp>
+        <p:nvSpPr>
+          <p:cNvPr id="3" name="TextBox 2">
             <a:extLst>
               <a:ext uri="{FF2B5EF4-FFF2-40B4-BE49-F238E27FC236}">
-                <a16:creationId xmlns:a16="http://schemas.microsoft.com/office/drawing/2014/main" id="{C84B44FE-C0DA-434C-B521-21ECA2361811}"/>
+                <a16:creationId xmlns:a16="http://schemas.microsoft.com/office/drawing/2014/main" id="{382C0FC5-3112-2C4E-A1DF-D2AF30181B7A}"/>
               </a:ext>
             </a:extLst>
           </p:cNvPr>
@@ -17287,8 +17389,8 @@
         </p:nvSpPr>
         <p:spPr>
           <a:xfrm>
-            <a:off x="3594582" y="3004822"/>
-            <a:ext cx="1954831" cy="646331"/>
+            <a:off x="2665110" y="2981731"/>
+            <a:ext cx="4471737" cy="461665"/>
           </a:xfrm>
           <a:prstGeom prst="rect">
             <a:avLst/>
@@ -17302,8 +17404,8 @@
           <a:lstStyle/>
           <a:p>
             <a:r>
-              <a:rPr lang="en-US" sz="3600" dirty="0"/>
-              <a:t>^[AGCT]+</a:t>
+              <a:rPr lang="en-US" sz="2400" dirty="0"/>
+              <a:t>Match either hello or hi in the text</a:t>
             </a:r>
           </a:p>
         </p:txBody>
@@ -17311,7 +17413,7 @@
     </p:spTree>
     <p:extLst>
       <p:ext uri="{BB962C8B-B14F-4D97-AF65-F5344CB8AC3E}">
-        <p14:creationId xmlns:p14="http://schemas.microsoft.com/office/powerpoint/2010/main" val="2402557582"/>
+        <p14:creationId xmlns:p14="http://schemas.microsoft.com/office/powerpoint/2010/main" val="1687974752"/>
       </p:ext>
     </p:extLst>
   </p:cSld>
@@ -17748,6 +17850,163 @@
             <p:ph type="title"/>
           </p:nvPr>
         </p:nvSpPr>
+        <p:spPr>
+          <a:xfrm>
+            <a:off x="457198" y="447359"/>
+            <a:ext cx="8229600" cy="772987"/>
+          </a:xfrm>
+        </p:spPr>
+        <p:txBody>
+          <a:bodyPr>
+            <a:normAutofit/>
+          </a:bodyPr>
+          <a:lstStyle/>
+          <a:p>
+            <a:r>
+              <a:rPr lang="en-US" sz="3600" dirty="0"/>
+              <a:t>Questions</a:t>
+            </a:r>
+          </a:p>
+        </p:txBody>
+      </p:sp>
+      <p:sp>
+        <p:nvSpPr>
+          <p:cNvPr id="4" name="Slide Number Placeholder 3"/>
+          <p:cNvSpPr>
+            <a:spLocks noGrp="1"/>
+          </p:cNvSpPr>
+          <p:nvPr>
+            <p:ph type="sldNum" sz="quarter" idx="12"/>
+          </p:nvPr>
+        </p:nvSpPr>
+        <p:spPr/>
+        <p:txBody>
+          <a:bodyPr/>
+          <a:lstStyle/>
+          <a:p>
+            <a:fld id="{9DA039C4-C5F2-1743-BB7A-5D831266C61E}" type="slidenum">
+              <a:rPr lang="en-US" smtClean="0"/>
+              <a:t>30</a:t>
+            </a:fld>
+            <a:endParaRPr lang="en-US"/>
+          </a:p>
+        </p:txBody>
+      </p:sp>
+      <p:sp>
+        <p:nvSpPr>
+          <p:cNvPr id="9" name="TextBox 8">
+            <a:extLst>
+              <a:ext uri="{FF2B5EF4-FFF2-40B4-BE49-F238E27FC236}">
+                <a16:creationId xmlns:a16="http://schemas.microsoft.com/office/drawing/2014/main" id="{50495C02-CFE0-0342-AC4C-1E093D0ABFD6}"/>
+              </a:ext>
+            </a:extLst>
+          </p:cNvPr>
+          <p:cNvSpPr txBox="1"/>
+          <p:nvPr/>
+        </p:nvSpPr>
+        <p:spPr>
+          <a:xfrm>
+            <a:off x="3104769" y="1769733"/>
+            <a:ext cx="2934458" cy="646331"/>
+          </a:xfrm>
+          <a:prstGeom prst="rect">
+            <a:avLst/>
+          </a:prstGeom>
+          <a:noFill/>
+        </p:spPr>
+        <p:txBody>
+          <a:bodyPr wrap="none" rtlCol="0">
+            <a:spAutoFit/>
+          </a:bodyPr>
+          <a:lstStyle/>
+          <a:p>
+            <a:r>
+              <a:rPr lang="en-US" sz="3600" dirty="0"/>
+              <a:t>K-[Ss]</a:t>
+            </a:r>
+            <a:r>
+              <a:rPr lang="en-US" sz="3600" dirty="0" err="1"/>
+              <a:t>tate|KSU</a:t>
+            </a:r>
+            <a:endParaRPr lang="en-US" sz="3600" dirty="0"/>
+          </a:p>
+        </p:txBody>
+      </p:sp>
+      <p:sp>
+        <p:nvSpPr>
+          <p:cNvPr id="10" name="TextBox 9">
+            <a:extLst>
+              <a:ext uri="{FF2B5EF4-FFF2-40B4-BE49-F238E27FC236}">
+                <a16:creationId xmlns:a16="http://schemas.microsoft.com/office/drawing/2014/main" id="{C84B44FE-C0DA-434C-B521-21ECA2361811}"/>
+              </a:ext>
+            </a:extLst>
+          </p:cNvPr>
+          <p:cNvSpPr txBox="1"/>
+          <p:nvPr/>
+        </p:nvSpPr>
+        <p:spPr>
+          <a:xfrm>
+            <a:off x="3594582" y="3004822"/>
+            <a:ext cx="1954831" cy="646331"/>
+          </a:xfrm>
+          <a:prstGeom prst="rect">
+            <a:avLst/>
+          </a:prstGeom>
+          <a:noFill/>
+        </p:spPr>
+        <p:txBody>
+          <a:bodyPr wrap="none" rtlCol="0">
+            <a:spAutoFit/>
+          </a:bodyPr>
+          <a:lstStyle/>
+          <a:p>
+            <a:r>
+              <a:rPr lang="en-US" sz="3600" dirty="0"/>
+              <a:t>^[AGCT]+</a:t>
+            </a:r>
+          </a:p>
+        </p:txBody>
+      </p:sp>
+    </p:spTree>
+    <p:extLst>
+      <p:ext uri="{BB962C8B-B14F-4D97-AF65-F5344CB8AC3E}">
+        <p14:creationId xmlns:p14="http://schemas.microsoft.com/office/powerpoint/2010/main" val="2402557582"/>
+      </p:ext>
+    </p:extLst>
+  </p:cSld>
+  <p:clrMapOvr>
+    <a:masterClrMapping/>
+  </p:clrMapOvr>
+</p:sld>
+</file>
+
+<file path=ppt/slides/slide31.xml><?xml version="1.0" encoding="utf-8"?>
+<p:sld xmlns:a="http://schemas.openxmlformats.org/drawingml/2006/main" xmlns:r="http://schemas.openxmlformats.org/officeDocument/2006/relationships" xmlns:p="http://schemas.openxmlformats.org/presentationml/2006/main">
+  <p:cSld>
+    <p:spTree>
+      <p:nvGrpSpPr>
+        <p:cNvPr id="1" name=""/>
+        <p:cNvGrpSpPr/>
+        <p:nvPr/>
+      </p:nvGrpSpPr>
+      <p:grpSpPr>
+        <a:xfrm>
+          <a:off x="0" y="0"/>
+          <a:ext cx="0" cy="0"/>
+          <a:chOff x="0" y="0"/>
+          <a:chExt cx="0" cy="0"/>
+        </a:xfrm>
+      </p:grpSpPr>
+      <p:sp>
+        <p:nvSpPr>
+          <p:cNvPr id="2" name="Title 1"/>
+          <p:cNvSpPr>
+            <a:spLocks noGrp="1"/>
+          </p:cNvSpPr>
+          <p:nvPr>
+            <p:ph type="title"/>
+          </p:nvPr>
+        </p:nvSpPr>
         <p:spPr/>
         <p:txBody>
           <a:bodyPr>
@@ -17818,7 +18077,7 @@
           <a:p>
             <a:fld id="{9DA039C4-C5F2-1743-BB7A-5D831266C61E}" type="slidenum">
               <a:rPr lang="en-US" smtClean="0"/>
-              <a:t>30</a:t>
+              <a:t>31</a:t>
             </a:fld>
             <a:endParaRPr lang="en-US"/>
           </a:p>
@@ -18002,7 +18261,7 @@
 </p:sld>
 </file>
 
-<file path=ppt/slides/slide31.xml><?xml version="1.0" encoding="utf-8"?>
+<file path=ppt/slides/slide32.xml><?xml version="1.0" encoding="utf-8"?>
 <p:sld xmlns:a="http://schemas.openxmlformats.org/drawingml/2006/main" xmlns:r="http://schemas.openxmlformats.org/officeDocument/2006/relationships" xmlns:p="http://schemas.openxmlformats.org/presentationml/2006/main">
   <p:cSld>
     <p:spTree>
@@ -18192,7 +18451,7 @@
           <a:p>
             <a:fld id="{9DA039C4-C5F2-1743-BB7A-5D831266C61E}" type="slidenum">
               <a:rPr lang="en-US" smtClean="0"/>
-              <a:t>31</a:t>
+              <a:t>32</a:t>
             </a:fld>
             <a:endParaRPr lang="en-US"/>
           </a:p>
@@ -18211,7 +18470,7 @@
 </p:sld>
 </file>
 
-<file path=ppt/slides/slide32.xml><?xml version="1.0" encoding="utf-8"?>
+<file path=ppt/slides/slide33.xml><?xml version="1.0" encoding="utf-8"?>
 <p:sld xmlns:a="http://schemas.openxmlformats.org/drawingml/2006/main" xmlns:r="http://schemas.openxmlformats.org/officeDocument/2006/relationships" xmlns:p="http://schemas.openxmlformats.org/presentationml/2006/main">
   <p:cSld>
     <p:spTree>
@@ -18292,7 +18551,7 @@
           <a:p>
             <a:fld id="{9DA039C4-C5F2-1743-BB7A-5D831266C61E}" type="slidenum">
               <a:rPr lang="en-US" smtClean="0"/>
-              <a:t>32</a:t>
+              <a:t>33</a:t>
             </a:fld>
             <a:endParaRPr lang="en-US"/>
           </a:p>
@@ -18510,7 +18769,7 @@
 </p:sld>
 </file>
 
-<file path=ppt/slides/slide33.xml><?xml version="1.0" encoding="utf-8"?>
+<file path=ppt/slides/slide34.xml><?xml version="1.0" encoding="utf-8"?>
 <p:sld xmlns:a="http://schemas.openxmlformats.org/drawingml/2006/main" xmlns:r="http://schemas.openxmlformats.org/officeDocument/2006/relationships" xmlns:p="http://schemas.openxmlformats.org/presentationml/2006/main">
   <p:cSld>
     <p:spTree>
@@ -18677,7 +18936,7 @@
           <a:p>
             <a:fld id="{9DA039C4-C5F2-1743-BB7A-5D831266C61E}" type="slidenum">
               <a:rPr lang="en-US" smtClean="0"/>
-              <a:t>33</a:t>
+              <a:t>34</a:t>
             </a:fld>
             <a:endParaRPr lang="en-US"/>
           </a:p>
@@ -18801,7 +19060,7 @@
 </p:sld>
 </file>
 
-<file path=ppt/slides/slide34.xml><?xml version="1.0" encoding="utf-8"?>
+<file path=ppt/slides/slide35.xml><?xml version="1.0" encoding="utf-8"?>
 <p:sld xmlns:a="http://schemas.openxmlformats.org/drawingml/2006/main" xmlns:r="http://schemas.openxmlformats.org/officeDocument/2006/relationships" xmlns:p="http://schemas.openxmlformats.org/presentationml/2006/main">
   <p:cSld>
     <p:spTree>
@@ -18931,7 +19190,7 @@
           <a:p>
             <a:fld id="{9DA039C4-C5F2-1743-BB7A-5D831266C61E}" type="slidenum">
               <a:rPr lang="en-US" smtClean="0"/>
-              <a:t>34</a:t>
+              <a:t>35</a:t>
             </a:fld>
             <a:endParaRPr lang="en-US"/>
           </a:p>
@@ -19035,7 +19294,7 @@
 </p:sld>
 </file>
 
-<file path=ppt/slides/slide35.xml><?xml version="1.0" encoding="utf-8"?>
+<file path=ppt/slides/slide36.xml><?xml version="1.0" encoding="utf-8"?>
 <p:sld xmlns:a="http://schemas.openxmlformats.org/drawingml/2006/main" xmlns:r="http://schemas.openxmlformats.org/officeDocument/2006/relationships" xmlns:p="http://schemas.openxmlformats.org/presentationml/2006/main">
   <p:cSld>
     <p:spTree>
@@ -19110,7 +19369,7 @@
           <a:p>
             <a:fld id="{9DA039C4-C5F2-1743-BB7A-5D831266C61E}" type="slidenum">
               <a:rPr lang="en-US" smtClean="0"/>
-              <a:t>35</a:t>
+              <a:t>36</a:t>
             </a:fld>
             <a:endParaRPr lang="en-US"/>
           </a:p>
